--- a/Assets/PROJECT UST/Anothers/ppt.pptx
+++ b/Assets/PROJECT UST/Anothers/ppt.pptx
@@ -6,8 +6,10 @@
   </p:sldMasterIdLst>
   <p:sldIdLst>
     <p:sldId id="256" r:id="rId2"/>
-    <p:sldId id="257" r:id="rId3"/>
-    <p:sldId id="258" r:id="rId4"/>
+    <p:sldId id="260" r:id="rId3"/>
+    <p:sldId id="257" r:id="rId4"/>
+    <p:sldId id="258" r:id="rId5"/>
+    <p:sldId id="259" r:id="rId6"/>
   </p:sldIdLst>
   <p:sldSz cx="12192000" cy="6858000"/>
   <p:notesSz cx="6858000" cy="9144000"/>
@@ -106,6 +108,11 @@
       </a:defRPr>
     </a:lvl9pPr>
   </p:defaultTextStyle>
+  <p:extLst>
+    <p:ext uri="{EFAFB233-063F-42B5-8137-9DF3F51BA10A}">
+      <p15:sldGuideLst xmlns:p15="http://schemas.microsoft.com/office/powerpoint/2012/main"/>
+    </p:ext>
+  </p:extLst>
 </p:presentation>
 </file>
 
@@ -256,7 +263,7 @@
           <a:p>
             <a:fld id="{CBBE7988-A085-420D-9970-887AD34DCC02}" type="datetimeFigureOut">
               <a:rPr lang="ko-KR" altLang="en-US" smtClean="0"/>
-              <a:t>2024-06-10</a:t>
+              <a:t>2024-06-12</a:t>
             </a:fld>
             <a:endParaRPr lang="ko-KR" altLang="en-US"/>
           </a:p>
@@ -454,7 +461,7 @@
           <a:p>
             <a:fld id="{CBBE7988-A085-420D-9970-887AD34DCC02}" type="datetimeFigureOut">
               <a:rPr lang="ko-KR" altLang="en-US" smtClean="0"/>
-              <a:t>2024-06-10</a:t>
+              <a:t>2024-06-12</a:t>
             </a:fld>
             <a:endParaRPr lang="ko-KR" altLang="en-US"/>
           </a:p>
@@ -662,7 +669,7 @@
           <a:p>
             <a:fld id="{CBBE7988-A085-420D-9970-887AD34DCC02}" type="datetimeFigureOut">
               <a:rPr lang="ko-KR" altLang="en-US" smtClean="0"/>
-              <a:t>2024-06-10</a:t>
+              <a:t>2024-06-12</a:t>
             </a:fld>
             <a:endParaRPr lang="ko-KR" altLang="en-US"/>
           </a:p>
@@ -860,7 +867,7 @@
           <a:p>
             <a:fld id="{CBBE7988-A085-420D-9970-887AD34DCC02}" type="datetimeFigureOut">
               <a:rPr lang="ko-KR" altLang="en-US" smtClean="0"/>
-              <a:t>2024-06-10</a:t>
+              <a:t>2024-06-12</a:t>
             </a:fld>
             <a:endParaRPr lang="ko-KR" altLang="en-US"/>
           </a:p>
@@ -1135,7 +1142,7 @@
           <a:p>
             <a:fld id="{CBBE7988-A085-420D-9970-887AD34DCC02}" type="datetimeFigureOut">
               <a:rPr lang="ko-KR" altLang="en-US" smtClean="0"/>
-              <a:t>2024-06-10</a:t>
+              <a:t>2024-06-12</a:t>
             </a:fld>
             <a:endParaRPr lang="ko-KR" altLang="en-US"/>
           </a:p>
@@ -1400,7 +1407,7 @@
           <a:p>
             <a:fld id="{CBBE7988-A085-420D-9970-887AD34DCC02}" type="datetimeFigureOut">
               <a:rPr lang="ko-KR" altLang="en-US" smtClean="0"/>
-              <a:t>2024-06-10</a:t>
+              <a:t>2024-06-12</a:t>
             </a:fld>
             <a:endParaRPr lang="ko-KR" altLang="en-US"/>
           </a:p>
@@ -1812,7 +1819,7 @@
           <a:p>
             <a:fld id="{CBBE7988-A085-420D-9970-887AD34DCC02}" type="datetimeFigureOut">
               <a:rPr lang="ko-KR" altLang="en-US" smtClean="0"/>
-              <a:t>2024-06-10</a:t>
+              <a:t>2024-06-12</a:t>
             </a:fld>
             <a:endParaRPr lang="ko-KR" altLang="en-US"/>
           </a:p>
@@ -1953,7 +1960,7 @@
           <a:p>
             <a:fld id="{CBBE7988-A085-420D-9970-887AD34DCC02}" type="datetimeFigureOut">
               <a:rPr lang="ko-KR" altLang="en-US" smtClean="0"/>
-              <a:t>2024-06-10</a:t>
+              <a:t>2024-06-12</a:t>
             </a:fld>
             <a:endParaRPr lang="ko-KR" altLang="en-US"/>
           </a:p>
@@ -2066,7 +2073,7 @@
           <a:p>
             <a:fld id="{CBBE7988-A085-420D-9970-887AD34DCC02}" type="datetimeFigureOut">
               <a:rPr lang="ko-KR" altLang="en-US" smtClean="0"/>
-              <a:t>2024-06-10</a:t>
+              <a:t>2024-06-12</a:t>
             </a:fld>
             <a:endParaRPr lang="ko-KR" altLang="en-US"/>
           </a:p>
@@ -2377,7 +2384,7 @@
           <a:p>
             <a:fld id="{CBBE7988-A085-420D-9970-887AD34DCC02}" type="datetimeFigureOut">
               <a:rPr lang="ko-KR" altLang="en-US" smtClean="0"/>
-              <a:t>2024-06-10</a:t>
+              <a:t>2024-06-12</a:t>
             </a:fld>
             <a:endParaRPr lang="ko-KR" altLang="en-US"/>
           </a:p>
@@ -2665,7 +2672,7 @@
           <a:p>
             <a:fld id="{CBBE7988-A085-420D-9970-887AD34DCC02}" type="datetimeFigureOut">
               <a:rPr lang="ko-KR" altLang="en-US" smtClean="0"/>
-              <a:t>2024-06-10</a:t>
+              <a:t>2024-06-12</a:t>
             </a:fld>
             <a:endParaRPr lang="ko-KR" altLang="en-US"/>
           </a:p>
@@ -2906,7 +2913,7 @@
           <a:p>
             <a:fld id="{CBBE7988-A085-420D-9970-887AD34DCC02}" type="datetimeFigureOut">
               <a:rPr lang="ko-KR" altLang="en-US" smtClean="0"/>
-              <a:t>2024-06-10</a:t>
+              <a:t>2024-06-12</a:t>
             </a:fld>
             <a:endParaRPr lang="ko-KR" altLang="en-US"/>
           </a:p>
@@ -3352,18 +3359,17 @@
           <a:lstStyle/>
           <a:p>
             <a:r>
+              <a:rPr lang="ko-KR" altLang="en-US" sz="5400" dirty="0"/>
+              <a:t>포탈</a:t>
+            </a:r>
+            <a:r>
               <a:rPr lang="en-US" altLang="ko-KR" sz="5400" dirty="0"/>
-              <a:t>Portal</a:t>
+              <a:t>2 </a:t>
             </a:r>
             <a:r>
               <a:rPr lang="ko-KR" altLang="en-US" sz="5400" dirty="0"/>
-              <a:t> </a:t>
-            </a:r>
-            <a:r>
-              <a:rPr lang="en-US" altLang="ko-KR" sz="5400" dirty="0"/>
-              <a:t>Concept Game Dev</a:t>
-            </a:r>
-            <a:endParaRPr lang="ko-KR" altLang="en-US" sz="5400" dirty="0"/>
+              <a:t>모작 개발</a:t>
+            </a:r>
           </a:p>
         </p:txBody>
       </p:sp>
@@ -3426,96 +3432,47 @@
           <a:chExt cx="0" cy="0"/>
         </a:xfrm>
       </p:grpSpPr>
-      <p:pic>
-        <p:nvPicPr>
-          <p:cNvPr id="1026" name="Picture 2" descr="Portal 2 Review - Gamereactor">
-            <a:extLst>
-              <a:ext uri="{FF2B5EF4-FFF2-40B4-BE49-F238E27FC236}">
-                <a16:creationId xmlns:a16="http://schemas.microsoft.com/office/drawing/2014/main" id="{F58FFC5C-30B5-46D6-9990-E40531DFA89D}"/>
-              </a:ext>
-            </a:extLst>
-          </p:cNvPr>
-          <p:cNvPicPr>
-            <a:picLocks noChangeAspect="1" noChangeArrowheads="1"/>
-          </p:cNvPicPr>
+      <p:sp>
+        <p:nvSpPr>
+          <p:cNvPr id="4" name="직사각형 3">
+            <a:extLst>
+              <a:ext uri="{FF2B5EF4-FFF2-40B4-BE49-F238E27FC236}">
+                <a16:creationId xmlns:a16="http://schemas.microsoft.com/office/drawing/2014/main" id="{C05D4DE0-133C-4C36-AE41-FF995ABFE18E}"/>
+              </a:ext>
+            </a:extLst>
+          </p:cNvPr>
+          <p:cNvSpPr/>
           <p:nvPr/>
-        </p:nvPicPr>
-        <p:blipFill>
-          <a:blip r:embed="rId2">
-            <a:extLst>
-              <a:ext uri="{28A0092B-C50C-407E-A947-70E740481C1C}">
-                <a14:useLocalDpi xmlns:a14="http://schemas.microsoft.com/office/drawing/2010/main" val="0"/>
-              </a:ext>
-            </a:extLst>
-          </a:blip>
-          <a:srcRect/>
-          <a:stretch>
-            <a:fillRect/>
-          </a:stretch>
-        </p:blipFill>
-        <p:spPr bwMode="auto">
+        </p:nvSpPr>
+        <p:spPr>
           <a:xfrm>
-            <a:off x="2539766" y="1206354"/>
-            <a:ext cx="7112467" cy="4445292"/>
+            <a:off x="3184016" y="3244334"/>
+            <a:ext cx="5823967" cy="369332"/>
           </a:xfrm>
           <a:prstGeom prst="rect">
             <a:avLst/>
           </a:prstGeom>
-          <a:noFill/>
-          <a:extLst>
-            <a:ext uri="{909E8E84-426E-40DD-AFC4-6F175D3DCCD1}">
-              <a14:hiddenFill xmlns:a14="http://schemas.microsoft.com/office/drawing/2010/main">
-                <a:solidFill>
-                  <a:srgbClr val="FFFFFF"/>
-                </a:solidFill>
-              </a14:hiddenFill>
-            </a:ext>
-          </a:extLst>
         </p:spPr>
-      </p:pic>
-      <p:sp>
-        <p:nvSpPr>
-          <p:cNvPr id="4" name="TextBox 3">
-            <a:extLst>
-              <a:ext uri="{FF2B5EF4-FFF2-40B4-BE49-F238E27FC236}">
-                <a16:creationId xmlns:a16="http://schemas.microsoft.com/office/drawing/2014/main" id="{E6CF69E4-5811-478C-913E-A5F4203CBE8D}"/>
-              </a:ext>
-            </a:extLst>
-          </p:cNvPr>
-          <p:cNvSpPr txBox="1"/>
-          <p:nvPr/>
-        </p:nvSpPr>
-        <p:spPr>
-          <a:xfrm>
-            <a:off x="721452" y="612396"/>
-            <a:ext cx="2172749" cy="369332"/>
-          </a:xfrm>
-          <a:prstGeom prst="rect">
-            <a:avLst/>
-          </a:prstGeom>
-          <a:noFill/>
-        </p:spPr>
-        <p:txBody>
-          <a:bodyPr wrap="square" rtlCol="0">
+        <p:txBody>
+          <a:bodyPr wrap="none">
             <a:spAutoFit/>
           </a:bodyPr>
           <a:lstStyle/>
           <a:p>
             <a:r>
-              <a:rPr lang="en-US" altLang="ko-KR" dirty="0"/>
-              <a:t>Fps camera </a:t>
-            </a:r>
-            <a:r>
-              <a:rPr lang="ko-KR" altLang="en-US" dirty="0"/>
-              <a:t>스타일</a:t>
-            </a:r>
+              <a:rPr lang="ko-KR" altLang="en-US" dirty="0">
+                <a:hlinkClick r:id="rId2"/>
+              </a:rPr>
+              <a:t>https://youtu.be/KCYr5pFC6Sw?si=A2qLvAna4d-UsT6B</a:t>
+            </a:r>
+            <a:endParaRPr lang="ko-KR" altLang="en-US" dirty="0"/>
           </a:p>
         </p:txBody>
       </p:sp>
     </p:spTree>
     <p:extLst>
       <p:ext uri="{BB962C8B-B14F-4D97-AF65-F5344CB8AC3E}">
-        <p14:creationId xmlns:p14="http://schemas.microsoft.com/office/powerpoint/2010/main" val="4144520311"/>
+        <p14:creationId xmlns:p14="http://schemas.microsoft.com/office/powerpoint/2010/main" val="68536424"/>
       </p:ext>
     </p:extLst>
   </p:cSld>
@@ -3544,6 +3501,122 @@
       </p:grpSpPr>
       <p:pic>
         <p:nvPicPr>
+          <p:cNvPr id="1026" name="Picture 2" descr="Portal 2 Review - Gamereactor">
+            <a:extLst>
+              <a:ext uri="{FF2B5EF4-FFF2-40B4-BE49-F238E27FC236}">
+                <a16:creationId xmlns:a16="http://schemas.microsoft.com/office/drawing/2014/main" id="{F58FFC5C-30B5-46D6-9990-E40531DFA89D}"/>
+              </a:ext>
+            </a:extLst>
+          </p:cNvPr>
+          <p:cNvPicPr>
+            <a:picLocks noChangeAspect="1" noChangeArrowheads="1"/>
+          </p:cNvPicPr>
+          <p:nvPr/>
+        </p:nvPicPr>
+        <p:blipFill>
+          <a:blip r:embed="rId2">
+            <a:extLst>
+              <a:ext uri="{28A0092B-C50C-407E-A947-70E740481C1C}">
+                <a14:useLocalDpi xmlns:a14="http://schemas.microsoft.com/office/drawing/2010/main" val="0"/>
+              </a:ext>
+            </a:extLst>
+          </a:blip>
+          <a:srcRect/>
+          <a:stretch>
+            <a:fillRect/>
+          </a:stretch>
+        </p:blipFill>
+        <p:spPr bwMode="auto">
+          <a:xfrm>
+            <a:off x="2539766" y="1206354"/>
+            <a:ext cx="7112467" cy="4445292"/>
+          </a:xfrm>
+          <a:prstGeom prst="rect">
+            <a:avLst/>
+          </a:prstGeom>
+          <a:noFill/>
+          <a:extLst>
+            <a:ext uri="{909E8E84-426E-40DD-AFC4-6F175D3DCCD1}">
+              <a14:hiddenFill xmlns:a14="http://schemas.microsoft.com/office/drawing/2010/main">
+                <a:solidFill>
+                  <a:srgbClr val="FFFFFF"/>
+                </a:solidFill>
+              </a14:hiddenFill>
+            </a:ext>
+          </a:extLst>
+        </p:spPr>
+      </p:pic>
+      <p:sp>
+        <p:nvSpPr>
+          <p:cNvPr id="4" name="TextBox 3">
+            <a:extLst>
+              <a:ext uri="{FF2B5EF4-FFF2-40B4-BE49-F238E27FC236}">
+                <a16:creationId xmlns:a16="http://schemas.microsoft.com/office/drawing/2014/main" id="{E6CF69E4-5811-478C-913E-A5F4203CBE8D}"/>
+              </a:ext>
+            </a:extLst>
+          </p:cNvPr>
+          <p:cNvSpPr txBox="1"/>
+          <p:nvPr/>
+        </p:nvSpPr>
+        <p:spPr>
+          <a:xfrm>
+            <a:off x="721452" y="612396"/>
+            <a:ext cx="2172749" cy="369332"/>
+          </a:xfrm>
+          <a:prstGeom prst="rect">
+            <a:avLst/>
+          </a:prstGeom>
+          <a:noFill/>
+        </p:spPr>
+        <p:txBody>
+          <a:bodyPr wrap="square" rtlCol="0">
+            <a:spAutoFit/>
+          </a:bodyPr>
+          <a:lstStyle/>
+          <a:p>
+            <a:r>
+              <a:rPr lang="en-US" altLang="ko-KR" dirty="0"/>
+              <a:t>Fps camera </a:t>
+            </a:r>
+            <a:r>
+              <a:rPr lang="ko-KR" altLang="en-US" dirty="0"/>
+              <a:t>스타일</a:t>
+            </a:r>
+          </a:p>
+        </p:txBody>
+      </p:sp>
+    </p:spTree>
+    <p:extLst>
+      <p:ext uri="{BB962C8B-B14F-4D97-AF65-F5344CB8AC3E}">
+        <p14:creationId xmlns:p14="http://schemas.microsoft.com/office/powerpoint/2010/main" val="4144520311"/>
+      </p:ext>
+    </p:extLst>
+  </p:cSld>
+  <p:clrMapOvr>
+    <a:masterClrMapping/>
+  </p:clrMapOvr>
+</p:sld>
+</file>
+
+<file path=ppt/slides/slide4.xml><?xml version="1.0" encoding="utf-8"?>
+<p:sld xmlns:a="http://schemas.openxmlformats.org/drawingml/2006/main" xmlns:r="http://schemas.openxmlformats.org/officeDocument/2006/relationships" xmlns:p="http://schemas.openxmlformats.org/presentationml/2006/main">
+  <p:cSld>
+    <p:spTree>
+      <p:nvGrpSpPr>
+        <p:cNvPr id="1" name=""/>
+        <p:cNvGrpSpPr/>
+        <p:nvPr/>
+      </p:nvGrpSpPr>
+      <p:grpSpPr>
+        <a:xfrm>
+          <a:off x="0" y="0"/>
+          <a:ext cx="0" cy="0"/>
+          <a:chOff x="0" y="0"/>
+          <a:chExt cx="0" cy="0"/>
+        </a:xfrm>
+      </p:grpSpPr>
+      <p:pic>
+        <p:nvPicPr>
           <p:cNvPr id="2050" name="Picture 2" descr="Portals - Portal Wiki">
             <a:extLst>
               <a:ext uri="{FF2B5EF4-FFF2-40B4-BE49-F238E27FC236}">
@@ -3589,10 +3662,745 @@
           </a:extLst>
         </p:spPr>
       </p:pic>
+      <p:pic>
+        <p:nvPicPr>
+          <p:cNvPr id="2" name="그림 1">
+            <a:extLst>
+              <a:ext uri="{FF2B5EF4-FFF2-40B4-BE49-F238E27FC236}">
+                <a16:creationId xmlns:a16="http://schemas.microsoft.com/office/drawing/2014/main" id="{22E43BF7-B282-46E9-95F0-42A36C7E06D8}"/>
+              </a:ext>
+            </a:extLst>
+          </p:cNvPr>
+          <p:cNvPicPr>
+            <a:picLocks noChangeAspect="1"/>
+          </p:cNvPicPr>
+          <p:nvPr/>
+        </p:nvPicPr>
+        <p:blipFill>
+          <a:blip r:embed="rId3"/>
+          <a:stretch>
+            <a:fillRect/>
+          </a:stretch>
+        </p:blipFill>
+        <p:spPr>
+          <a:xfrm>
+            <a:off x="3242810" y="1921079"/>
+            <a:ext cx="7464338" cy="4198690"/>
+          </a:xfrm>
+          <a:prstGeom prst="rect">
+            <a:avLst/>
+          </a:prstGeom>
+        </p:spPr>
+      </p:pic>
+      <p:sp>
+        <p:nvSpPr>
+          <p:cNvPr id="7" name="TextBox 6">
+            <a:extLst>
+              <a:ext uri="{FF2B5EF4-FFF2-40B4-BE49-F238E27FC236}">
+                <a16:creationId xmlns:a16="http://schemas.microsoft.com/office/drawing/2014/main" id="{B8E70807-DF0A-4B5D-9488-F2B33A896880}"/>
+              </a:ext>
+            </a:extLst>
+          </p:cNvPr>
+          <p:cNvSpPr txBox="1"/>
+          <p:nvPr/>
+        </p:nvSpPr>
+        <p:spPr>
+          <a:xfrm>
+            <a:off x="3808602" y="394283"/>
+            <a:ext cx="5315366" cy="369332"/>
+          </a:xfrm>
+          <a:prstGeom prst="rect">
+            <a:avLst/>
+          </a:prstGeom>
+          <a:noFill/>
+        </p:spPr>
+        <p:txBody>
+          <a:bodyPr wrap="none" rtlCol="0">
+            <a:spAutoFit/>
+          </a:bodyPr>
+          <a:lstStyle/>
+          <a:p>
+            <a:r>
+              <a:rPr lang="en-US" altLang="ko-KR" dirty="0">
+                <a:hlinkClick r:id="rId4"/>
+              </a:rPr>
+              <a:t>https://www.youtube.com/watch?v=TkzASwVgnj8</a:t>
+            </a:r>
+            <a:endParaRPr lang="ko-KR" altLang="en-US" dirty="0"/>
+          </a:p>
+        </p:txBody>
+      </p:sp>
     </p:spTree>
     <p:extLst>
       <p:ext uri="{BB962C8B-B14F-4D97-AF65-F5344CB8AC3E}">
         <p14:creationId xmlns:p14="http://schemas.microsoft.com/office/powerpoint/2010/main" val="3908584087"/>
+      </p:ext>
+    </p:extLst>
+  </p:cSld>
+  <p:clrMapOvr>
+    <a:masterClrMapping/>
+  </p:clrMapOvr>
+</p:sld>
+</file>
+
+<file path=ppt/slides/slide5.xml><?xml version="1.0" encoding="utf-8"?>
+<p:sld xmlns:a="http://schemas.openxmlformats.org/drawingml/2006/main" xmlns:r="http://schemas.openxmlformats.org/officeDocument/2006/relationships" xmlns:p="http://schemas.openxmlformats.org/presentationml/2006/main">
+  <p:cSld>
+    <p:spTree>
+      <p:nvGrpSpPr>
+        <p:cNvPr id="1" name=""/>
+        <p:cNvGrpSpPr/>
+        <p:nvPr/>
+      </p:nvGrpSpPr>
+      <p:grpSpPr>
+        <a:xfrm>
+          <a:off x="0" y="0"/>
+          <a:ext cx="0" cy="0"/>
+          <a:chOff x="0" y="0"/>
+          <a:chExt cx="0" cy="0"/>
+        </a:xfrm>
+      </p:grpSpPr>
+      <p:sp>
+        <p:nvSpPr>
+          <p:cNvPr id="6" name="직사각형 5">
+            <a:extLst>
+              <a:ext uri="{FF2B5EF4-FFF2-40B4-BE49-F238E27FC236}">
+                <a16:creationId xmlns:a16="http://schemas.microsoft.com/office/drawing/2014/main" id="{076C22E0-534C-4505-B2E1-2CD4EFE06281}"/>
+              </a:ext>
+            </a:extLst>
+          </p:cNvPr>
+          <p:cNvSpPr/>
+          <p:nvPr/>
+        </p:nvSpPr>
+        <p:spPr>
+          <a:xfrm>
+            <a:off x="654341" y="931395"/>
+            <a:ext cx="2617366" cy="570451"/>
+          </a:xfrm>
+          <a:prstGeom prst="rect">
+            <a:avLst/>
+          </a:prstGeom>
+          <a:solidFill>
+            <a:schemeClr val="bg1"/>
+          </a:solidFill>
+        </p:spPr>
+        <p:style>
+          <a:lnRef idx="2">
+            <a:schemeClr val="accent1">
+              <a:shade val="50000"/>
+            </a:schemeClr>
+          </a:lnRef>
+          <a:fillRef idx="1">
+            <a:schemeClr val="accent1"/>
+          </a:fillRef>
+          <a:effectRef idx="0">
+            <a:schemeClr val="accent1"/>
+          </a:effectRef>
+          <a:fontRef idx="minor">
+            <a:schemeClr val="lt1"/>
+          </a:fontRef>
+        </p:style>
+        <p:txBody>
+          <a:bodyPr rtlCol="0" anchor="ctr"/>
+          <a:lstStyle/>
+          <a:p>
+            <a:pPr algn="ctr"/>
+            <a:r>
+              <a:rPr lang="ko-KR" altLang="en-US" dirty="0">
+                <a:solidFill>
+                  <a:schemeClr val="tx1"/>
+                </a:solidFill>
+              </a:rPr>
+              <a:t>플레이어 이동 코드</a:t>
+            </a:r>
+          </a:p>
+        </p:txBody>
+      </p:sp>
+      <p:sp>
+        <p:nvSpPr>
+          <p:cNvPr id="14" name="직사각형 13">
+            <a:extLst>
+              <a:ext uri="{FF2B5EF4-FFF2-40B4-BE49-F238E27FC236}">
+                <a16:creationId xmlns:a16="http://schemas.microsoft.com/office/drawing/2014/main" id="{88459A3F-A991-46A5-9448-04B47DC3FA46}"/>
+              </a:ext>
+            </a:extLst>
+          </p:cNvPr>
+          <p:cNvSpPr/>
+          <p:nvPr/>
+        </p:nvSpPr>
+        <p:spPr>
+          <a:xfrm>
+            <a:off x="654341" y="1721359"/>
+            <a:ext cx="2617366" cy="570451"/>
+          </a:xfrm>
+          <a:prstGeom prst="rect">
+            <a:avLst/>
+          </a:prstGeom>
+          <a:solidFill>
+            <a:schemeClr val="bg1"/>
+          </a:solidFill>
+        </p:spPr>
+        <p:style>
+          <a:lnRef idx="2">
+            <a:schemeClr val="accent1">
+              <a:shade val="50000"/>
+            </a:schemeClr>
+          </a:lnRef>
+          <a:fillRef idx="1">
+            <a:schemeClr val="accent1"/>
+          </a:fillRef>
+          <a:effectRef idx="0">
+            <a:schemeClr val="accent1"/>
+          </a:effectRef>
+          <a:fontRef idx="minor">
+            <a:schemeClr val="lt1"/>
+          </a:fontRef>
+        </p:style>
+        <p:txBody>
+          <a:bodyPr rtlCol="0" anchor="ctr"/>
+          <a:lstStyle/>
+          <a:p>
+            <a:pPr algn="ctr"/>
+            <a:r>
+              <a:rPr lang="en-US" altLang="ko-KR" dirty="0">
+                <a:solidFill>
+                  <a:schemeClr val="tx1"/>
+                </a:solidFill>
+              </a:rPr>
+              <a:t>1</a:t>
+            </a:r>
+            <a:r>
+              <a:rPr lang="ko-KR" altLang="en-US" dirty="0">
+                <a:solidFill>
+                  <a:schemeClr val="tx1"/>
+                </a:solidFill>
+              </a:rPr>
+              <a:t>인칭 카메라 설정</a:t>
+            </a:r>
+          </a:p>
+        </p:txBody>
+      </p:sp>
+      <p:sp>
+        <p:nvSpPr>
+          <p:cNvPr id="17" name="직사각형 16">
+            <a:extLst>
+              <a:ext uri="{FF2B5EF4-FFF2-40B4-BE49-F238E27FC236}">
+                <a16:creationId xmlns:a16="http://schemas.microsoft.com/office/drawing/2014/main" id="{88631D84-284A-4599-A5E4-EBE30A9A5EB7}"/>
+              </a:ext>
+            </a:extLst>
+          </p:cNvPr>
+          <p:cNvSpPr/>
+          <p:nvPr/>
+        </p:nvSpPr>
+        <p:spPr>
+          <a:xfrm>
+            <a:off x="654341" y="2511323"/>
+            <a:ext cx="2617366" cy="570451"/>
+          </a:xfrm>
+          <a:prstGeom prst="rect">
+            <a:avLst/>
+          </a:prstGeom>
+          <a:solidFill>
+            <a:schemeClr val="bg1"/>
+          </a:solidFill>
+        </p:spPr>
+        <p:style>
+          <a:lnRef idx="2">
+            <a:schemeClr val="accent1">
+              <a:shade val="50000"/>
+            </a:schemeClr>
+          </a:lnRef>
+          <a:fillRef idx="1">
+            <a:schemeClr val="accent1"/>
+          </a:fillRef>
+          <a:effectRef idx="0">
+            <a:schemeClr val="accent1"/>
+          </a:effectRef>
+          <a:fontRef idx="minor">
+            <a:schemeClr val="lt1"/>
+          </a:fontRef>
+        </p:style>
+        <p:txBody>
+          <a:bodyPr rtlCol="0" anchor="ctr"/>
+          <a:lstStyle/>
+          <a:p>
+            <a:pPr algn="ctr"/>
+            <a:r>
+              <a:rPr lang="ko-KR" altLang="en-US" dirty="0">
+                <a:solidFill>
+                  <a:schemeClr val="tx1"/>
+                </a:solidFill>
+              </a:rPr>
+              <a:t>총기 부착 </a:t>
+            </a:r>
+            <a:r>
+              <a:rPr lang="en-US" altLang="ko-KR" dirty="0">
+                <a:solidFill>
+                  <a:schemeClr val="tx1"/>
+                </a:solidFill>
+              </a:rPr>
+              <a:t>+ </a:t>
+            </a:r>
+            <a:r>
+              <a:rPr lang="ko-KR" altLang="en-US" dirty="0">
+                <a:solidFill>
+                  <a:schemeClr val="tx1"/>
+                </a:solidFill>
+              </a:rPr>
+              <a:t>발사</a:t>
+            </a:r>
+          </a:p>
+        </p:txBody>
+      </p:sp>
+      <p:sp>
+        <p:nvSpPr>
+          <p:cNvPr id="18" name="직사각형 17">
+            <a:extLst>
+              <a:ext uri="{FF2B5EF4-FFF2-40B4-BE49-F238E27FC236}">
+                <a16:creationId xmlns:a16="http://schemas.microsoft.com/office/drawing/2014/main" id="{DDFB62E0-C3D6-4507-A472-44373CF533EC}"/>
+              </a:ext>
+            </a:extLst>
+          </p:cNvPr>
+          <p:cNvSpPr/>
+          <p:nvPr/>
+        </p:nvSpPr>
+        <p:spPr>
+          <a:xfrm>
+            <a:off x="654341" y="3301287"/>
+            <a:ext cx="2617366" cy="570451"/>
+          </a:xfrm>
+          <a:prstGeom prst="rect">
+            <a:avLst/>
+          </a:prstGeom>
+          <a:solidFill>
+            <a:schemeClr val="bg1"/>
+          </a:solidFill>
+        </p:spPr>
+        <p:style>
+          <a:lnRef idx="2">
+            <a:schemeClr val="accent1">
+              <a:shade val="50000"/>
+            </a:schemeClr>
+          </a:lnRef>
+          <a:fillRef idx="1">
+            <a:schemeClr val="accent1"/>
+          </a:fillRef>
+          <a:effectRef idx="0">
+            <a:schemeClr val="accent1"/>
+          </a:effectRef>
+          <a:fontRef idx="minor">
+            <a:schemeClr val="lt1"/>
+          </a:fontRef>
+        </p:style>
+        <p:txBody>
+          <a:bodyPr rtlCol="0" anchor="ctr"/>
+          <a:lstStyle/>
+          <a:p>
+            <a:pPr algn="ctr"/>
+            <a:r>
+              <a:rPr lang="ko-KR" altLang="en-US" dirty="0">
+                <a:solidFill>
+                  <a:schemeClr val="tx1"/>
+                </a:solidFill>
+              </a:rPr>
+              <a:t>포탈 로직 구현</a:t>
+            </a:r>
+          </a:p>
+        </p:txBody>
+      </p:sp>
+      <p:sp>
+        <p:nvSpPr>
+          <p:cNvPr id="19" name="직사각형 18">
+            <a:extLst>
+              <a:ext uri="{FF2B5EF4-FFF2-40B4-BE49-F238E27FC236}">
+                <a16:creationId xmlns:a16="http://schemas.microsoft.com/office/drawing/2014/main" id="{81592983-4CC7-40A3-809E-D08706C37FAE}"/>
+              </a:ext>
+            </a:extLst>
+          </p:cNvPr>
+          <p:cNvSpPr/>
+          <p:nvPr/>
+        </p:nvSpPr>
+        <p:spPr>
+          <a:xfrm>
+            <a:off x="654341" y="4091251"/>
+            <a:ext cx="2617366" cy="570451"/>
+          </a:xfrm>
+          <a:prstGeom prst="rect">
+            <a:avLst/>
+          </a:prstGeom>
+          <a:solidFill>
+            <a:schemeClr val="bg1"/>
+          </a:solidFill>
+        </p:spPr>
+        <p:style>
+          <a:lnRef idx="2">
+            <a:schemeClr val="accent1">
+              <a:shade val="50000"/>
+            </a:schemeClr>
+          </a:lnRef>
+          <a:fillRef idx="1">
+            <a:schemeClr val="accent1"/>
+          </a:fillRef>
+          <a:effectRef idx="0">
+            <a:schemeClr val="accent1"/>
+          </a:effectRef>
+          <a:fontRef idx="minor">
+            <a:schemeClr val="lt1"/>
+          </a:fontRef>
+        </p:style>
+        <p:txBody>
+          <a:bodyPr rtlCol="0" anchor="ctr"/>
+          <a:lstStyle/>
+          <a:p>
+            <a:pPr algn="ctr"/>
+            <a:r>
+              <a:rPr lang="ko-KR" altLang="en-US" dirty="0">
+                <a:solidFill>
+                  <a:schemeClr val="tx1"/>
+                </a:solidFill>
+              </a:rPr>
+              <a:t>적 구현</a:t>
+            </a:r>
+          </a:p>
+        </p:txBody>
+      </p:sp>
+      <p:sp>
+        <p:nvSpPr>
+          <p:cNvPr id="20" name="직사각형 19">
+            <a:extLst>
+              <a:ext uri="{FF2B5EF4-FFF2-40B4-BE49-F238E27FC236}">
+                <a16:creationId xmlns:a16="http://schemas.microsoft.com/office/drawing/2014/main" id="{6B6C1CF6-63E6-44BA-BD05-247E52F8F57C}"/>
+              </a:ext>
+            </a:extLst>
+          </p:cNvPr>
+          <p:cNvSpPr/>
+          <p:nvPr/>
+        </p:nvSpPr>
+        <p:spPr>
+          <a:xfrm>
+            <a:off x="654341" y="4881215"/>
+            <a:ext cx="2617366" cy="570451"/>
+          </a:xfrm>
+          <a:prstGeom prst="rect">
+            <a:avLst/>
+          </a:prstGeom>
+          <a:solidFill>
+            <a:schemeClr val="bg1"/>
+          </a:solidFill>
+        </p:spPr>
+        <p:style>
+          <a:lnRef idx="2">
+            <a:schemeClr val="accent1">
+              <a:shade val="50000"/>
+            </a:schemeClr>
+          </a:lnRef>
+          <a:fillRef idx="1">
+            <a:schemeClr val="accent1"/>
+          </a:fillRef>
+          <a:effectRef idx="0">
+            <a:schemeClr val="accent1"/>
+          </a:effectRef>
+          <a:fontRef idx="minor">
+            <a:schemeClr val="lt1"/>
+          </a:fontRef>
+        </p:style>
+        <p:txBody>
+          <a:bodyPr rtlCol="0" anchor="ctr"/>
+          <a:lstStyle/>
+          <a:p>
+            <a:pPr algn="ctr"/>
+            <a:r>
+              <a:rPr lang="ko-KR" altLang="en-US" dirty="0">
+                <a:solidFill>
+                  <a:schemeClr val="tx1"/>
+                </a:solidFill>
+              </a:rPr>
+              <a:t>맵 구현</a:t>
+            </a:r>
+          </a:p>
+        </p:txBody>
+      </p:sp>
+      <p:sp>
+        <p:nvSpPr>
+          <p:cNvPr id="23" name="TextBox 22">
+            <a:extLst>
+              <a:ext uri="{FF2B5EF4-FFF2-40B4-BE49-F238E27FC236}">
+                <a16:creationId xmlns:a16="http://schemas.microsoft.com/office/drawing/2014/main" id="{67019216-C040-4C8E-9CBB-A14F6CE7D2AD}"/>
+              </a:ext>
+            </a:extLst>
+          </p:cNvPr>
+          <p:cNvSpPr txBox="1"/>
+          <p:nvPr/>
+        </p:nvSpPr>
+        <p:spPr>
+          <a:xfrm>
+            <a:off x="3624044" y="2511323"/>
+            <a:ext cx="3092513" cy="461665"/>
+          </a:xfrm>
+          <a:prstGeom prst="rect">
+            <a:avLst/>
+          </a:prstGeom>
+          <a:noFill/>
+        </p:spPr>
+        <p:txBody>
+          <a:bodyPr wrap="none" rtlCol="0">
+            <a:spAutoFit/>
+          </a:bodyPr>
+          <a:lstStyle/>
+          <a:p>
+            <a:pPr marL="171450" indent="-171450">
+              <a:buFontTx/>
+              <a:buChar char="-"/>
+            </a:pPr>
+            <a:r>
+              <a:rPr lang="ko-KR" altLang="en-US" sz="1200" dirty="0"/>
+              <a:t>플레이어 뼈대에 맞게끔 총기 위치 조정</a:t>
+            </a:r>
+            <a:endParaRPr lang="en-US" altLang="ko-KR" sz="1200" dirty="0"/>
+          </a:p>
+          <a:p>
+            <a:pPr marL="171450" indent="-171450">
+              <a:buFontTx/>
+              <a:buChar char="-"/>
+            </a:pPr>
+            <a:r>
+              <a:rPr lang="en-US" altLang="ko-KR" sz="1200" dirty="0"/>
+              <a:t>1</a:t>
+            </a:r>
+            <a:r>
+              <a:rPr lang="ko-KR" altLang="en-US" sz="1200" dirty="0"/>
+              <a:t>인칭 시야에서 보이는 총 조정</a:t>
+            </a:r>
+          </a:p>
+        </p:txBody>
+      </p:sp>
+      <p:sp>
+        <p:nvSpPr>
+          <p:cNvPr id="24" name="TextBox 23">
+            <a:extLst>
+              <a:ext uri="{FF2B5EF4-FFF2-40B4-BE49-F238E27FC236}">
+                <a16:creationId xmlns:a16="http://schemas.microsoft.com/office/drawing/2014/main" id="{A9FFC9B3-9C4D-407B-9F46-A73021224E2F}"/>
+              </a:ext>
+            </a:extLst>
+          </p:cNvPr>
+          <p:cNvSpPr txBox="1"/>
+          <p:nvPr/>
+        </p:nvSpPr>
+        <p:spPr>
+          <a:xfrm>
+            <a:off x="3624044" y="3301287"/>
+            <a:ext cx="4868640" cy="461665"/>
+          </a:xfrm>
+          <a:prstGeom prst="rect">
+            <a:avLst/>
+          </a:prstGeom>
+          <a:noFill/>
+        </p:spPr>
+        <p:txBody>
+          <a:bodyPr wrap="none" rtlCol="0">
+            <a:spAutoFit/>
+          </a:bodyPr>
+          <a:lstStyle/>
+          <a:p>
+            <a:pPr marL="171450" indent="-171450">
+              <a:buFontTx/>
+              <a:buChar char="-"/>
+            </a:pPr>
+            <a:r>
+              <a:rPr lang="ko-KR" altLang="en-US" sz="1200" dirty="0"/>
+              <a:t>장전</a:t>
+            </a:r>
+            <a:r>
+              <a:rPr lang="en-US" altLang="ko-KR" sz="1200" dirty="0"/>
+              <a:t> x, </a:t>
+            </a:r>
+            <a:r>
+              <a:rPr lang="ko-KR" altLang="en-US" sz="1200" dirty="0"/>
+              <a:t>포탈 </a:t>
+            </a:r>
+            <a:r>
+              <a:rPr lang="en-US" altLang="ko-KR" sz="1200" dirty="0"/>
+              <a:t>(1</a:t>
+            </a:r>
+            <a:r>
+              <a:rPr lang="ko-KR" altLang="en-US" sz="1200" dirty="0"/>
+              <a:t>번</a:t>
+            </a:r>
+            <a:r>
+              <a:rPr lang="en-US" altLang="ko-KR" sz="1200" dirty="0"/>
+              <a:t>,2</a:t>
+            </a:r>
+            <a:r>
+              <a:rPr lang="ko-KR" altLang="en-US" sz="1200" dirty="0"/>
+              <a:t>번</a:t>
+            </a:r>
+            <a:r>
+              <a:rPr lang="en-US" altLang="ko-KR" sz="1200" dirty="0"/>
+              <a:t>) 2</a:t>
+            </a:r>
+            <a:r>
+              <a:rPr lang="ko-KR" altLang="en-US" sz="1200" dirty="0"/>
+              <a:t>번까지 쏘고 재사용 시 </a:t>
+            </a:r>
+            <a:r>
+              <a:rPr lang="en-US" altLang="ko-KR" sz="1200" dirty="0"/>
+              <a:t>1</a:t>
+            </a:r>
+            <a:r>
+              <a:rPr lang="ko-KR" altLang="en-US" sz="1200" dirty="0"/>
+              <a:t>번 소멸 </a:t>
+            </a:r>
+            <a:r>
+              <a:rPr lang="en-US" altLang="ko-KR" sz="1200" dirty="0"/>
+              <a:t>+ </a:t>
+            </a:r>
+            <a:r>
+              <a:rPr lang="ko-KR" altLang="en-US" sz="1200" dirty="0"/>
+              <a:t>재생성</a:t>
+            </a:r>
+            <a:endParaRPr lang="en-US" altLang="ko-KR" sz="1200" dirty="0"/>
+          </a:p>
+          <a:p>
+            <a:pPr marL="171450" indent="-171450">
+              <a:buFontTx/>
+              <a:buChar char="-"/>
+            </a:pPr>
+            <a:r>
+              <a:rPr lang="ko-KR" altLang="en-US" sz="1200" dirty="0" err="1"/>
+              <a:t>ㅇ</a:t>
+            </a:r>
+            <a:endParaRPr lang="ko-KR" altLang="en-US" sz="1200" dirty="0"/>
+          </a:p>
+        </p:txBody>
+      </p:sp>
+      <p:sp>
+        <p:nvSpPr>
+          <p:cNvPr id="25" name="TextBox 24">
+            <a:extLst>
+              <a:ext uri="{FF2B5EF4-FFF2-40B4-BE49-F238E27FC236}">
+                <a16:creationId xmlns:a16="http://schemas.microsoft.com/office/drawing/2014/main" id="{3097725C-933F-4E2D-B4E0-8171B06994AF}"/>
+              </a:ext>
+            </a:extLst>
+          </p:cNvPr>
+          <p:cNvSpPr txBox="1"/>
+          <p:nvPr/>
+        </p:nvSpPr>
+        <p:spPr>
+          <a:xfrm>
+            <a:off x="3624044" y="4145643"/>
+            <a:ext cx="1478290" cy="276999"/>
+          </a:xfrm>
+          <a:prstGeom prst="rect">
+            <a:avLst/>
+          </a:prstGeom>
+          <a:noFill/>
+        </p:spPr>
+        <p:txBody>
+          <a:bodyPr wrap="none" rtlCol="0">
+            <a:spAutoFit/>
+          </a:bodyPr>
+          <a:lstStyle/>
+          <a:p>
+            <a:pPr marL="171450" indent="-171450">
+              <a:buFontTx/>
+              <a:buChar char="-"/>
+            </a:pPr>
+            <a:r>
+              <a:rPr lang="ko-KR" altLang="en-US" sz="1200" dirty="0"/>
+              <a:t>레이저 쏘는 적</a:t>
+            </a:r>
+            <a:r>
+              <a:rPr lang="en-US" altLang="ko-KR" sz="1200" dirty="0"/>
+              <a:t>, </a:t>
+            </a:r>
+            <a:endParaRPr lang="ko-KR" altLang="en-US" sz="1200" dirty="0"/>
+          </a:p>
+        </p:txBody>
+      </p:sp>
+      <p:sp>
+        <p:nvSpPr>
+          <p:cNvPr id="26" name="TextBox 25">
+            <a:extLst>
+              <a:ext uri="{FF2B5EF4-FFF2-40B4-BE49-F238E27FC236}">
+                <a16:creationId xmlns:a16="http://schemas.microsoft.com/office/drawing/2014/main" id="{1896469E-79AB-45D7-9112-076251124E2F}"/>
+              </a:ext>
+            </a:extLst>
+          </p:cNvPr>
+          <p:cNvSpPr txBox="1"/>
+          <p:nvPr/>
+        </p:nvSpPr>
+        <p:spPr>
+          <a:xfrm>
+            <a:off x="3624043" y="1721359"/>
+            <a:ext cx="665567" cy="276999"/>
+          </a:xfrm>
+          <a:prstGeom prst="rect">
+            <a:avLst/>
+          </a:prstGeom>
+          <a:noFill/>
+        </p:spPr>
+        <p:txBody>
+          <a:bodyPr wrap="none" rtlCol="0">
+            <a:spAutoFit/>
+          </a:bodyPr>
+          <a:lstStyle/>
+          <a:p>
+            <a:pPr marL="171450" indent="-171450">
+              <a:buFontTx/>
+              <a:buChar char="-"/>
+            </a:pPr>
+            <a:r>
+              <a:rPr lang="ko-KR" altLang="en-US" sz="1200" dirty="0" err="1"/>
+              <a:t>ㅇㅇ</a:t>
+            </a:r>
+            <a:endParaRPr lang="ko-KR" altLang="en-US" sz="1200" dirty="0"/>
+          </a:p>
+        </p:txBody>
+      </p:sp>
+      <p:sp>
+        <p:nvSpPr>
+          <p:cNvPr id="27" name="TextBox 26">
+            <a:extLst>
+              <a:ext uri="{FF2B5EF4-FFF2-40B4-BE49-F238E27FC236}">
+                <a16:creationId xmlns:a16="http://schemas.microsoft.com/office/drawing/2014/main" id="{4123E083-697F-4A54-B8B0-6C9692B83D5E}"/>
+              </a:ext>
+            </a:extLst>
+          </p:cNvPr>
+          <p:cNvSpPr txBox="1"/>
+          <p:nvPr/>
+        </p:nvSpPr>
+        <p:spPr>
+          <a:xfrm>
+            <a:off x="3624044" y="931395"/>
+            <a:ext cx="665567" cy="276999"/>
+          </a:xfrm>
+          <a:prstGeom prst="rect">
+            <a:avLst/>
+          </a:prstGeom>
+          <a:noFill/>
+        </p:spPr>
+        <p:txBody>
+          <a:bodyPr wrap="none" rtlCol="0">
+            <a:spAutoFit/>
+          </a:bodyPr>
+          <a:lstStyle/>
+          <a:p>
+            <a:pPr marL="171450" indent="-171450">
+              <a:buFontTx/>
+              <a:buChar char="-"/>
+            </a:pPr>
+            <a:r>
+              <a:rPr lang="ko-KR" altLang="en-US" sz="1200" dirty="0" err="1"/>
+              <a:t>ㅇㅇ</a:t>
+            </a:r>
+            <a:endParaRPr lang="ko-KR" altLang="en-US" sz="1200" dirty="0"/>
+          </a:p>
+        </p:txBody>
+      </p:sp>
+    </p:spTree>
+    <p:extLst>
+      <p:ext uri="{BB962C8B-B14F-4D97-AF65-F5344CB8AC3E}">
+        <p14:creationId xmlns:p14="http://schemas.microsoft.com/office/powerpoint/2010/main" val="3557975402"/>
       </p:ext>
     </p:extLst>
   </p:cSld>

--- a/Assets/PROJECT UST/Anothers/ppt.pptx
+++ b/Assets/PROJECT UST/Anothers/ppt.pptx
@@ -1,15 +1,17 @@
 
 <file path=ppt/presentation.xml><?xml version="1.0" encoding="utf-8"?>
-<p:presentation xmlns:a="http://schemas.openxmlformats.org/drawingml/2006/main" xmlns:r="http://schemas.openxmlformats.org/officeDocument/2006/relationships" xmlns:p="http://schemas.openxmlformats.org/presentationml/2006/main" saveSubsetFonts="1">
+<p:presentation xmlns:r="http://schemas.openxmlformats.org/officeDocument/2006/relationships" xmlns:c="http://schemas.openxmlformats.org/drawingml/2006/chart" xmlns:a="http://schemas.openxmlformats.org/drawingml/2006/main" xmlns:dgm="http://schemas.openxmlformats.org/drawingml/2006/diagram" xmlns:dsp="http://schemas.microsoft.com/office/drawing/2008/diagram" xmlns:p="http://schemas.openxmlformats.org/presentationml/2006/main" saveSubsetFonts="1">
   <p:sldMasterIdLst>
-    <p:sldMasterId id="2147483648" r:id="rId1"/>
+    <p:sldMasterId id="2147483662" r:id="rId1"/>
   </p:sldMasterIdLst>
   <p:sldIdLst>
     <p:sldId id="256" r:id="rId2"/>
-    <p:sldId id="260" r:id="rId3"/>
-    <p:sldId id="257" r:id="rId4"/>
-    <p:sldId id="258" r:id="rId5"/>
-    <p:sldId id="259" r:id="rId6"/>
+    <p:sldId id="257" r:id="rId3"/>
+    <p:sldId id="258" r:id="rId4"/>
+    <p:sldId id="259" r:id="rId5"/>
+    <p:sldId id="260" r:id="rId6"/>
+    <p:sldId id="261" r:id="rId7"/>
+    <p:sldId id="262" r:id="rId8"/>
   </p:sldIdLst>
   <p:sldSz cx="12192000" cy="6858000"/>
   <p:notesSz cx="6858000" cy="9144000"/>
@@ -108,11 +110,6 @@
       </a:defRPr>
     </a:lvl9pPr>
   </p:defaultTextStyle>
-  <p:extLst>
-    <p:ext uri="{EFAFB233-063F-42B5-8137-9DF3F51BA10A}">
-      <p15:sldGuideLst xmlns:p15="http://schemas.microsoft.com/office/powerpoint/2012/main"/>
-    </p:ext>
-  </p:extLst>
 </p:presentation>
 </file>
 
@@ -3416,7 +3413,7 @@
 </file>
 
 <file path=ppt/slides/slide2.xml><?xml version="1.0" encoding="utf-8"?>
-<p:sld xmlns:a="http://schemas.openxmlformats.org/drawingml/2006/main" xmlns:r="http://schemas.openxmlformats.org/officeDocument/2006/relationships" xmlns:p="http://schemas.openxmlformats.org/presentationml/2006/main">
+<p:sld xmlns:r="http://schemas.openxmlformats.org/officeDocument/2006/relationships" xmlns:c="http://schemas.openxmlformats.org/drawingml/2006/chart" xmlns:a="http://schemas.openxmlformats.org/drawingml/2006/main" xmlns:dgm="http://schemas.openxmlformats.org/drawingml/2006/diagram" xmlns:dsp="http://schemas.microsoft.com/office/drawing/2008/diagram" xmlns:p="http://schemas.openxmlformats.org/presentationml/2006/main">
   <p:cSld>
     <p:spTree>
       <p:nvGrpSpPr>
@@ -3434,20 +3431,14 @@
       </p:grpSpPr>
       <p:sp>
         <p:nvSpPr>
-          <p:cNvPr id="4" name="직사각형 3">
-            <a:extLst>
-              <a:ext uri="{FF2B5EF4-FFF2-40B4-BE49-F238E27FC236}">
-                <a16:creationId xmlns:a16="http://schemas.microsoft.com/office/drawing/2014/main" id="{C05D4DE0-133C-4C36-AE41-FF995ABFE18E}"/>
-              </a:ext>
-            </a:extLst>
-          </p:cNvPr>
+          <p:cNvPr id="4" name="직사각형 3"/>
           <p:cNvSpPr/>
           <p:nvPr/>
         </p:nvSpPr>
         <p:spPr>
           <a:xfrm>
-            <a:off x="3184016" y="3244334"/>
-            <a:ext cx="5823967" cy="369332"/>
+            <a:off x="517015" y="414048"/>
+            <a:ext cx="5813299" cy="369332"/>
           </a:xfrm>
           <a:prstGeom prst="rect">
             <a:avLst/>
@@ -3459,31 +3450,61 @@
           </a:bodyPr>
           <a:lstStyle/>
           <a:p>
-            <a:r>
-              <a:rPr lang="ko-KR" altLang="en-US" dirty="0">
+            <a:pPr lvl="0">
+              <a:defRPr/>
+            </a:pPr>
+            <a:r>
+              <a:rPr lang="ko-KR" altLang="en-US">
                 <a:hlinkClick r:id="rId2"/>
               </a:rPr>
               <a:t>https://youtu.be/KCYr5pFC6Sw?si=A2qLvAna4d-UsT6B</a:t>
             </a:r>
-            <a:endParaRPr lang="ko-KR" altLang="en-US" dirty="0"/>
-          </a:p>
-        </p:txBody>
-      </p:sp>
+            <a:endParaRPr lang="ko-KR" altLang="en-US"/>
+          </a:p>
+        </p:txBody>
+      </p:sp>
+      <p:pic>
+        <p:nvPicPr>
+          <p:cNvPr id="6" name=""/>
+          <p:cNvPicPr>
+            <a:picLocks noChangeAspect="1"/>
+          </p:cNvPicPr>
+          <p:nvPr/>
+        </p:nvPicPr>
+        <p:blipFill rotWithShape="1">
+          <a:blip r:embed="rId3"/>
+          <a:stretch>
+            <a:fillRect/>
+          </a:stretch>
+        </p:blipFill>
+        <p:spPr>
+          <a:xfrm>
+            <a:off x="1423852" y="947398"/>
+            <a:ext cx="8648092" cy="5457029"/>
+          </a:xfrm>
+          <a:prstGeom prst="rect">
+            <a:avLst/>
+          </a:prstGeom>
+        </p:spPr>
+      </p:pic>
     </p:spTree>
-    <p:extLst>
-      <p:ext uri="{BB962C8B-B14F-4D97-AF65-F5344CB8AC3E}">
-        <p14:creationId xmlns:p14="http://schemas.microsoft.com/office/powerpoint/2010/main" val="68536424"/>
-      </p:ext>
-    </p:extLst>
   </p:cSld>
   <p:clrMapOvr>
     <a:masterClrMapping/>
   </p:clrMapOvr>
+  <mc:AlternateContent xmlns:mc="http://schemas.openxmlformats.org/markup-compatibility/2006">
+    <mc:Choice xmlns:p14="http://schemas.microsoft.com/office/powerpoint/2010/main" Requires="p14">
+      <p:transition xmlns:mc="http://schemas.openxmlformats.org/markup-compatibility/2006" xmlns:p14="http://schemas.microsoft.com/office/powerpoint/2010/main" mc:Ignorable="p14" p14:dur="500"/>
+    </mc:Choice>
+    <mc:Fallback>
+      <p:transition/>
+    </mc:Fallback>
+  </mc:AlternateContent>
 </p:sld>
 </file>
 
 <file path=ppt/slides/slide3.xml><?xml version="1.0" encoding="utf-8"?>
-<p:sld xmlns:a="http://schemas.openxmlformats.org/drawingml/2006/main" xmlns:r="http://schemas.openxmlformats.org/officeDocument/2006/relationships" xmlns:p="http://schemas.openxmlformats.org/presentationml/2006/main">
+<p:sld xmlns:r="http://schemas.openxmlformats.org/officeDocument/2006/relationships" xmlns:c="http://schemas.openxmlformats.org/drawingml/2006/chart" xmlns:a="http://schemas.openxmlformats.org/drawingml/2006/main" xmlns:dgm="http://schemas.openxmlformats.org/drawingml/2006/diagram" xmlns:dsp="http://schemas.microsoft.com/office/drawing/2008/diagram" xmlns:p="http://schemas.openxmlformats.org/presentationml/2006/main">
   <p:cSld>
     <p:spTree>
       <p:nvGrpSpPr>
@@ -3499,106 +3520,170 @@
           <a:chExt cx="0" cy="0"/>
         </a:xfrm>
       </p:grpSpPr>
+      <p:sp>
+        <p:nvSpPr>
+          <p:cNvPr id="4" name=""/>
+          <p:cNvSpPr txBox="1"/>
+          <p:nvPr/>
+        </p:nvSpPr>
+        <p:spPr>
+          <a:xfrm>
+            <a:off x="400955" y="217079"/>
+            <a:ext cx="6019801" cy="640080"/>
+          </a:xfrm>
+          <a:prstGeom prst="rect">
+            <a:avLst/>
+          </a:prstGeom>
+        </p:spPr>
+        <p:txBody>
+          <a:bodyPr wrap="square">
+            <a:spAutoFit/>
+          </a:bodyPr>
+          <a:p>
+            <a:pPr>
+              <a:defRPr/>
+            </a:pPr>
+            <a:r>
+              <a:rPr lang="en-US" altLang="en-US">
+                <a:hlinkClick r:id="rId2" tooltip="Perfect Wepon Aiming IK"/>
+              </a:rPr>
+              <a:t>https://www.youtube.com/watch?v=luBBz5oeR4Q&amp;t=112s</a:t>
+            </a:r>
+            <a:endParaRPr lang="en-US" altLang="en-US"/>
+          </a:p>
+        </p:txBody>
+      </p:sp>
       <p:pic>
         <p:nvPicPr>
-          <p:cNvPr id="1026" name="Picture 2" descr="Portal 2 Review - Gamereactor">
-            <a:extLst>
-              <a:ext uri="{FF2B5EF4-FFF2-40B4-BE49-F238E27FC236}">
-                <a16:creationId xmlns:a16="http://schemas.microsoft.com/office/drawing/2014/main" id="{F58FFC5C-30B5-46D6-9990-E40531DFA89D}"/>
-              </a:ext>
-            </a:extLst>
-          </p:cNvPr>
+          <p:cNvPr id="5" name=""/>
           <p:cNvPicPr>
-            <a:picLocks noChangeAspect="1" noChangeArrowheads="1"/>
+            <a:picLocks noChangeAspect="1"/>
           </p:cNvPicPr>
           <p:nvPr/>
         </p:nvPicPr>
-        <p:blipFill>
-          <a:blip r:embed="rId2">
-            <a:extLst>
-              <a:ext uri="{28A0092B-C50C-407E-A947-70E740481C1C}">
-                <a14:useLocalDpi xmlns:a14="http://schemas.microsoft.com/office/drawing/2010/main" val="0"/>
-              </a:ext>
-            </a:extLst>
-          </a:blip>
-          <a:srcRect/>
+        <p:blipFill rotWithShape="1">
+          <a:blip r:embed="rId3"/>
           <a:stretch>
             <a:fillRect/>
           </a:stretch>
         </p:blipFill>
-        <p:spPr bwMode="auto">
+        <p:spPr>
           <a:xfrm>
-            <a:off x="2539766" y="1206354"/>
-            <a:ext cx="7112467" cy="4445292"/>
+            <a:off x="944631" y="1063425"/>
+            <a:ext cx="9413737" cy="5649431"/>
           </a:xfrm>
           <a:prstGeom prst="rect">
             <a:avLst/>
           </a:prstGeom>
-          <a:noFill/>
-          <a:extLst>
-            <a:ext uri="{909E8E84-426E-40DD-AFC4-6F175D3DCCD1}">
-              <a14:hiddenFill xmlns:a14="http://schemas.microsoft.com/office/drawing/2010/main">
-                <a:solidFill>
-                  <a:srgbClr val="FFFFFF"/>
-                </a:solidFill>
-              </a14:hiddenFill>
-            </a:ext>
-          </a:extLst>
         </p:spPr>
       </p:pic>
-      <p:sp>
-        <p:nvSpPr>
-          <p:cNvPr id="4" name="TextBox 3">
-            <a:extLst>
-              <a:ext uri="{FF2B5EF4-FFF2-40B4-BE49-F238E27FC236}">
-                <a16:creationId xmlns:a16="http://schemas.microsoft.com/office/drawing/2014/main" id="{E6CF69E4-5811-478C-913E-A5F4203CBE8D}"/>
-              </a:ext>
-            </a:extLst>
-          </p:cNvPr>
+    </p:spTree>
+  </p:cSld>
+  <p:clrMapOvr>
+    <a:masterClrMapping/>
+  </p:clrMapOvr>
+  <mc:AlternateContent xmlns:mc="http://schemas.openxmlformats.org/markup-compatibility/2006">
+    <mc:Choice xmlns:p14="http://schemas.microsoft.com/office/powerpoint/2010/main" Requires="p14">
+      <p:transition xmlns:mc="http://schemas.openxmlformats.org/markup-compatibility/2006" xmlns:p14="http://schemas.microsoft.com/office/powerpoint/2010/main" mc:Ignorable="p14" p14:dur="500"/>
+    </mc:Choice>
+    <mc:Fallback>
+      <p:transition/>
+    </mc:Fallback>
+  </mc:AlternateContent>
+</p:sld>
+</file>
+
+<file path=ppt/slides/slide4.xml><?xml version="1.0" encoding="utf-8"?>
+<p:sld xmlns:r="http://schemas.openxmlformats.org/officeDocument/2006/relationships" xmlns:c="http://schemas.openxmlformats.org/drawingml/2006/chart" xmlns:a="http://schemas.openxmlformats.org/drawingml/2006/main" xmlns:dgm="http://schemas.openxmlformats.org/drawingml/2006/diagram" xmlns:dsp="http://schemas.microsoft.com/office/drawing/2008/diagram" xmlns:p="http://schemas.openxmlformats.org/presentationml/2006/main">
+  <p:cSld>
+    <p:spTree>
+      <p:nvGrpSpPr>
+        <p:cNvPr id="1" name=""/>
+        <p:cNvGrpSpPr/>
+        <p:nvPr/>
+      </p:nvGrpSpPr>
+      <p:grpSpPr>
+        <a:xfrm>
+          <a:off x="0" y="0"/>
+          <a:ext cx="0" cy="0"/>
+          <a:chOff x="0" y="0"/>
+          <a:chExt cx="0" cy="0"/>
+        </a:xfrm>
+      </p:grpSpPr>
+      <p:sp>
+        <p:nvSpPr>
+          <p:cNvPr id="4" name=""/>
           <p:cNvSpPr txBox="1"/>
           <p:nvPr/>
         </p:nvSpPr>
         <p:spPr>
           <a:xfrm>
-            <a:off x="721452" y="612396"/>
-            <a:ext cx="2172749" cy="369332"/>
+            <a:off x="403450" y="262436"/>
+            <a:ext cx="6105526" cy="640534"/>
           </a:xfrm>
           <a:prstGeom prst="rect">
             <a:avLst/>
           </a:prstGeom>
-          <a:noFill/>
         </p:spPr>
         <p:txBody>
-          <a:bodyPr wrap="square" rtlCol="0">
+          <a:bodyPr wrap="square">
             <a:spAutoFit/>
           </a:bodyPr>
-          <a:lstStyle/>
-          <a:p>
-            <a:r>
-              <a:rPr lang="en-US" altLang="ko-KR" dirty="0"/>
-              <a:t>Fps camera </a:t>
-            </a:r>
-            <a:r>
-              <a:rPr lang="ko-KR" altLang="en-US" dirty="0"/>
-              <a:t>스타일</a:t>
-            </a:r>
-          </a:p>
-        </p:txBody>
-      </p:sp>
+          <a:p>
+            <a:pPr>
+              <a:defRPr/>
+            </a:pPr>
+            <a:r>
+              <a:rPr lang="en-US" altLang="ko-KR">
+                <a:hlinkClick r:id="rId2"/>
+              </a:rPr>
+              <a:t>https://www.youtube.com/watch?v=LEwYmFT3xDk&amp;t=297s</a:t>
+            </a:r>
+            <a:endParaRPr lang="en-US" altLang="ko-KR"/>
+          </a:p>
+        </p:txBody>
+      </p:sp>
+      <p:pic>
+        <p:nvPicPr>
+          <p:cNvPr id="5" name=""/>
+          <p:cNvPicPr>
+            <a:picLocks noChangeAspect="1"/>
+          </p:cNvPicPr>
+          <p:nvPr/>
+        </p:nvPicPr>
+        <p:blipFill rotWithShape="1">
+          <a:blip r:embed="rId3"/>
+          <a:stretch>
+            <a:fillRect/>
+          </a:stretch>
+        </p:blipFill>
+        <p:spPr>
+          <a:xfrm>
+            <a:off x="1049497" y="1064165"/>
+            <a:ext cx="8532720" cy="5372861"/>
+          </a:xfrm>
+          <a:prstGeom prst="rect">
+            <a:avLst/>
+          </a:prstGeom>
+        </p:spPr>
+      </p:pic>
     </p:spTree>
-    <p:extLst>
-      <p:ext uri="{BB962C8B-B14F-4D97-AF65-F5344CB8AC3E}">
-        <p14:creationId xmlns:p14="http://schemas.microsoft.com/office/powerpoint/2010/main" val="4144520311"/>
-      </p:ext>
-    </p:extLst>
   </p:cSld>
   <p:clrMapOvr>
     <a:masterClrMapping/>
   </p:clrMapOvr>
+  <mc:AlternateContent xmlns:mc="http://schemas.openxmlformats.org/markup-compatibility/2006">
+    <mc:Choice xmlns:p14="http://schemas.microsoft.com/office/powerpoint/2010/main" Requires="p14">
+      <p:transition xmlns:mc="http://schemas.openxmlformats.org/markup-compatibility/2006" xmlns:p14="http://schemas.microsoft.com/office/powerpoint/2010/main" mc:Ignorable="p14" p14:dur="500"/>
+    </mc:Choice>
+    <mc:Fallback>
+      <p:transition/>
+    </mc:Fallback>
+  </mc:AlternateContent>
 </p:sld>
 </file>
 
-<file path=ppt/slides/slide4.xml><?xml version="1.0" encoding="utf-8"?>
+<file path=ppt/slides/slide5.xml><?xml version="1.0" encoding="utf-8"?>
 <p:sld xmlns:a="http://schemas.openxmlformats.org/drawingml/2006/main" xmlns:r="http://schemas.openxmlformats.org/officeDocument/2006/relationships" xmlns:p="http://schemas.openxmlformats.org/presentationml/2006/main">
   <p:cSld>
     <p:spTree>
@@ -3743,8 +3828,8 @@
 </p:sld>
 </file>
 
-<file path=ppt/slides/slide5.xml><?xml version="1.0" encoding="utf-8"?>
-<p:sld xmlns:a="http://schemas.openxmlformats.org/drawingml/2006/main" xmlns:r="http://schemas.openxmlformats.org/officeDocument/2006/relationships" xmlns:p="http://schemas.openxmlformats.org/presentationml/2006/main">
+<file path=ppt/slides/slide6.xml><?xml version="1.0" encoding="utf-8"?>
+<p:sld xmlns:r="http://schemas.openxmlformats.org/officeDocument/2006/relationships" xmlns:c="http://schemas.openxmlformats.org/drawingml/2006/chart" xmlns:a="http://schemas.openxmlformats.org/drawingml/2006/main" xmlns:dgm="http://schemas.openxmlformats.org/drawingml/2006/diagram" xmlns:dsp="http://schemas.microsoft.com/office/drawing/2008/diagram" xmlns:p="http://schemas.openxmlformats.org/presentationml/2006/main">
   <p:cSld>
     <p:spTree>
       <p:nvGrpSpPr>
@@ -3760,15 +3845,105 @@
           <a:chExt cx="0" cy="0"/>
         </a:xfrm>
       </p:grpSpPr>
-      <p:sp>
-        <p:nvSpPr>
-          <p:cNvPr id="6" name="직사각형 5">
-            <a:extLst>
-              <a:ext uri="{FF2B5EF4-FFF2-40B4-BE49-F238E27FC236}">
-                <a16:creationId xmlns:a16="http://schemas.microsoft.com/office/drawing/2014/main" id="{076C22E0-534C-4505-B2E1-2CD4EFE06281}"/>
-              </a:ext>
-            </a:extLst>
-          </p:cNvPr>
+      <p:pic>
+        <p:nvPicPr>
+          <p:cNvPr id="1026" name="Picture 2" descr="Portal 2 Review - Gamereactor"/>
+          <p:cNvPicPr>
+            <a:picLocks noChangeAspect="1" noChangeArrowheads="1"/>
+          </p:cNvPicPr>
+          <p:nvPr/>
+        </p:nvPicPr>
+        <p:blipFill rotWithShape="1">
+          <a:blip r:embed="rId2"/>
+          <a:srcRect/>
+          <a:stretch>
+            <a:fillRect/>
+          </a:stretch>
+        </p:blipFill>
+        <p:spPr>
+          <a:xfrm>
+            <a:off x="2539766" y="1206354"/>
+            <a:ext cx="7112467" cy="4445292"/>
+          </a:xfrm>
+          <a:prstGeom prst="rect">
+            <a:avLst/>
+          </a:prstGeom>
+          <a:noFill/>
+        </p:spPr>
+      </p:pic>
+      <p:sp>
+        <p:nvSpPr>
+          <p:cNvPr id="4" name="TextBox 3"/>
+          <p:cNvSpPr txBox="1"/>
+          <p:nvPr/>
+        </p:nvSpPr>
+        <p:spPr>
+          <a:xfrm>
+            <a:off x="721452" y="612396"/>
+            <a:ext cx="2172749" cy="369332"/>
+          </a:xfrm>
+          <a:prstGeom prst="rect">
+            <a:avLst/>
+          </a:prstGeom>
+          <a:noFill/>
+        </p:spPr>
+        <p:txBody>
+          <a:bodyPr wrap="square">
+            <a:spAutoFit/>
+          </a:bodyPr>
+          <a:lstStyle/>
+          <a:p>
+            <a:pPr lvl="0">
+              <a:defRPr/>
+            </a:pPr>
+            <a:r>
+              <a:rPr lang="en-US" altLang="ko-KR"/>
+              <a:t>Fps camera </a:t>
+            </a:r>
+            <a:r>
+              <a:rPr lang="ko-KR" altLang="en-US"/>
+              <a:t>스타일</a:t>
+            </a:r>
+            <a:endParaRPr lang="ko-KR" altLang="en-US"/>
+          </a:p>
+        </p:txBody>
+      </p:sp>
+    </p:spTree>
+  </p:cSld>
+  <p:clrMapOvr>
+    <a:masterClrMapping/>
+  </p:clrMapOvr>
+  <mc:AlternateContent xmlns:mc="http://schemas.openxmlformats.org/markup-compatibility/2006">
+    <mc:Choice xmlns:p14="http://schemas.microsoft.com/office/powerpoint/2010/main" Requires="p14">
+      <p:transition xmlns:mc="http://schemas.openxmlformats.org/markup-compatibility/2006" xmlns:p14="http://schemas.microsoft.com/office/powerpoint/2010/main" mc:Ignorable="p14" p14:dur="500"/>
+    </mc:Choice>
+    <mc:Fallback>
+      <p:transition/>
+    </mc:Fallback>
+  </mc:AlternateContent>
+</p:sld>
+</file>
+
+<file path=ppt/slides/slide7.xml><?xml version="1.0" encoding="utf-8"?>
+<p:sld xmlns:r="http://schemas.openxmlformats.org/officeDocument/2006/relationships" xmlns:c="http://schemas.openxmlformats.org/drawingml/2006/chart" xmlns:a="http://schemas.openxmlformats.org/drawingml/2006/main" xmlns:dgm="http://schemas.openxmlformats.org/drawingml/2006/diagram" xmlns:dsp="http://schemas.microsoft.com/office/drawing/2008/diagram" xmlns:p="http://schemas.openxmlformats.org/presentationml/2006/main">
+  <p:cSld>
+    <p:spTree>
+      <p:nvGrpSpPr>
+        <p:cNvPr id="1" name=""/>
+        <p:cNvGrpSpPr/>
+        <p:nvPr/>
+      </p:nvGrpSpPr>
+      <p:grpSpPr>
+        <a:xfrm>
+          <a:off x="0" y="0"/>
+          <a:ext cx="0" cy="0"/>
+          <a:chOff x="0" y="0"/>
+          <a:chExt cx="0" cy="0"/>
+        </a:xfrm>
+      </p:grpSpPr>
+      <p:sp>
+        <p:nvSpPr>
+          <p:cNvPr id="6" name="직사각형 5"/>
           <p:cNvSpPr/>
           <p:nvPr/>
         </p:nvSpPr>
@@ -3801,30 +3976,31 @@
           </a:fontRef>
         </p:style>
         <p:txBody>
-          <a:bodyPr rtlCol="0" anchor="ctr"/>
-          <a:lstStyle/>
-          <a:p>
-            <a:pPr algn="ctr"/>
-            <a:r>
-              <a:rPr lang="ko-KR" altLang="en-US" dirty="0">
+          <a:bodyPr anchor="ctr"/>
+          <a:lstStyle/>
+          <a:p>
+            <a:pPr algn="ctr">
+              <a:defRPr/>
+            </a:pPr>
+            <a:r>
+              <a:rPr lang="ko-KR" altLang="en-US">
                 <a:solidFill>
                   <a:schemeClr val="tx1"/>
                 </a:solidFill>
               </a:rPr>
               <a:t>플레이어 이동 코드</a:t>
             </a:r>
-          </a:p>
-        </p:txBody>
-      </p:sp>
-      <p:sp>
-        <p:nvSpPr>
-          <p:cNvPr id="14" name="직사각형 13">
-            <a:extLst>
-              <a:ext uri="{FF2B5EF4-FFF2-40B4-BE49-F238E27FC236}">
-                <a16:creationId xmlns:a16="http://schemas.microsoft.com/office/drawing/2014/main" id="{88459A3F-A991-46A5-9448-04B47DC3FA46}"/>
-              </a:ext>
-            </a:extLst>
-          </p:cNvPr>
+            <a:endParaRPr lang="ko-KR" altLang="en-US">
+              <a:solidFill>
+                <a:schemeClr val="tx1"/>
+              </a:solidFill>
+            </a:endParaRPr>
+          </a:p>
+        </p:txBody>
+      </p:sp>
+      <p:sp>
+        <p:nvSpPr>
+          <p:cNvPr id="14" name="직사각형 13"/>
           <p:cNvSpPr/>
           <p:nvPr/>
         </p:nvSpPr>
@@ -3857,12 +4033,14 @@
           </a:fontRef>
         </p:style>
         <p:txBody>
-          <a:bodyPr rtlCol="0" anchor="ctr"/>
-          <a:lstStyle/>
-          <a:p>
-            <a:pPr algn="ctr"/>
-            <a:r>
-              <a:rPr lang="en-US" altLang="ko-KR" dirty="0">
+          <a:bodyPr anchor="ctr"/>
+          <a:lstStyle/>
+          <a:p>
+            <a:pPr algn="ctr">
+              <a:defRPr/>
+            </a:pPr>
+            <a:r>
+              <a:rPr lang="en-US" altLang="ko-KR">
                 <a:solidFill>
                   <a:schemeClr val="tx1"/>
                 </a:solidFill>
@@ -3870,25 +4048,24 @@
               <a:t>1</a:t>
             </a:r>
             <a:r>
-              <a:rPr lang="ko-KR" altLang="en-US" dirty="0">
+              <a:rPr lang="ko-KR" altLang="en-US">
                 <a:solidFill>
                   <a:schemeClr val="tx1"/>
                 </a:solidFill>
               </a:rPr>
               <a:t>인칭 카메라 설정</a:t>
             </a:r>
-          </a:p>
-        </p:txBody>
-      </p:sp>
-      <p:sp>
-        <p:nvSpPr>
-          <p:cNvPr id="17" name="직사각형 16">
-            <a:extLst>
-              <a:ext uri="{FF2B5EF4-FFF2-40B4-BE49-F238E27FC236}">
-                <a16:creationId xmlns:a16="http://schemas.microsoft.com/office/drawing/2014/main" id="{88631D84-284A-4599-A5E4-EBE30A9A5EB7}"/>
-              </a:ext>
-            </a:extLst>
-          </p:cNvPr>
+            <a:endParaRPr lang="ko-KR" altLang="en-US">
+              <a:solidFill>
+                <a:schemeClr val="tx1"/>
+              </a:solidFill>
+            </a:endParaRPr>
+          </a:p>
+        </p:txBody>
+      </p:sp>
+      <p:sp>
+        <p:nvSpPr>
+          <p:cNvPr id="17" name="직사각형 16"/>
           <p:cNvSpPr/>
           <p:nvPr/>
         </p:nvSpPr>
@@ -3921,12 +4098,14 @@
           </a:fontRef>
         </p:style>
         <p:txBody>
-          <a:bodyPr rtlCol="0" anchor="ctr"/>
-          <a:lstStyle/>
-          <a:p>
-            <a:pPr algn="ctr"/>
-            <a:r>
-              <a:rPr lang="ko-KR" altLang="en-US" dirty="0">
+          <a:bodyPr anchor="ctr"/>
+          <a:lstStyle/>
+          <a:p>
+            <a:pPr algn="ctr">
+              <a:defRPr/>
+            </a:pPr>
+            <a:r>
+              <a:rPr lang="ko-KR" altLang="en-US">
                 <a:solidFill>
                   <a:schemeClr val="tx1"/>
                 </a:solidFill>
@@ -3934,7 +4113,7 @@
               <a:t>총기 부착 </a:t>
             </a:r>
             <a:r>
-              <a:rPr lang="en-US" altLang="ko-KR" dirty="0">
+              <a:rPr lang="en-US" altLang="ko-KR">
                 <a:solidFill>
                   <a:schemeClr val="tx1"/>
                 </a:solidFill>
@@ -3942,25 +4121,24 @@
               <a:t>+ </a:t>
             </a:r>
             <a:r>
-              <a:rPr lang="ko-KR" altLang="en-US" dirty="0">
+              <a:rPr lang="ko-KR" altLang="en-US">
                 <a:solidFill>
                   <a:schemeClr val="tx1"/>
                 </a:solidFill>
               </a:rPr>
               <a:t>발사</a:t>
             </a:r>
-          </a:p>
-        </p:txBody>
-      </p:sp>
-      <p:sp>
-        <p:nvSpPr>
-          <p:cNvPr id="18" name="직사각형 17">
-            <a:extLst>
-              <a:ext uri="{FF2B5EF4-FFF2-40B4-BE49-F238E27FC236}">
-                <a16:creationId xmlns:a16="http://schemas.microsoft.com/office/drawing/2014/main" id="{DDFB62E0-C3D6-4507-A472-44373CF533EC}"/>
-              </a:ext>
-            </a:extLst>
-          </p:cNvPr>
+            <a:endParaRPr lang="ko-KR" altLang="en-US">
+              <a:solidFill>
+                <a:schemeClr val="tx1"/>
+              </a:solidFill>
+            </a:endParaRPr>
+          </a:p>
+        </p:txBody>
+      </p:sp>
+      <p:sp>
+        <p:nvSpPr>
+          <p:cNvPr id="18" name="직사각형 17"/>
           <p:cNvSpPr/>
           <p:nvPr/>
         </p:nvSpPr>
@@ -3993,30 +4171,31 @@
           </a:fontRef>
         </p:style>
         <p:txBody>
-          <a:bodyPr rtlCol="0" anchor="ctr"/>
-          <a:lstStyle/>
-          <a:p>
-            <a:pPr algn="ctr"/>
-            <a:r>
-              <a:rPr lang="ko-KR" altLang="en-US" dirty="0">
+          <a:bodyPr anchor="ctr"/>
+          <a:lstStyle/>
+          <a:p>
+            <a:pPr algn="ctr">
+              <a:defRPr/>
+            </a:pPr>
+            <a:r>
+              <a:rPr lang="ko-KR" altLang="en-US">
                 <a:solidFill>
                   <a:schemeClr val="tx1"/>
                 </a:solidFill>
               </a:rPr>
-              <a:t>포탈 로직 구현</a:t>
-            </a:r>
-          </a:p>
-        </p:txBody>
-      </p:sp>
-      <p:sp>
-        <p:nvSpPr>
-          <p:cNvPr id="19" name="직사각형 18">
-            <a:extLst>
-              <a:ext uri="{FF2B5EF4-FFF2-40B4-BE49-F238E27FC236}">
-                <a16:creationId xmlns:a16="http://schemas.microsoft.com/office/drawing/2014/main" id="{81592983-4CC7-40A3-809E-D08706C37FAE}"/>
-              </a:ext>
-            </a:extLst>
-          </p:cNvPr>
+              <a:t>로직 구현</a:t>
+            </a:r>
+            <a:endParaRPr lang="ko-KR" altLang="en-US">
+              <a:solidFill>
+                <a:schemeClr val="tx1"/>
+              </a:solidFill>
+            </a:endParaRPr>
+          </a:p>
+        </p:txBody>
+      </p:sp>
+      <p:sp>
+        <p:nvSpPr>
+          <p:cNvPr id="19" name="직사각형 18"/>
           <p:cNvSpPr/>
           <p:nvPr/>
         </p:nvSpPr>
@@ -4049,30 +4228,31 @@
           </a:fontRef>
         </p:style>
         <p:txBody>
-          <a:bodyPr rtlCol="0" anchor="ctr"/>
-          <a:lstStyle/>
-          <a:p>
-            <a:pPr algn="ctr"/>
-            <a:r>
-              <a:rPr lang="ko-KR" altLang="en-US" dirty="0">
+          <a:bodyPr anchor="ctr"/>
+          <a:lstStyle/>
+          <a:p>
+            <a:pPr algn="ctr">
+              <a:defRPr/>
+            </a:pPr>
+            <a:r>
+              <a:rPr lang="ko-KR" altLang="en-US">
                 <a:solidFill>
                   <a:schemeClr val="tx1"/>
                 </a:solidFill>
               </a:rPr>
               <a:t>적 구현</a:t>
             </a:r>
-          </a:p>
-        </p:txBody>
-      </p:sp>
-      <p:sp>
-        <p:nvSpPr>
-          <p:cNvPr id="20" name="직사각형 19">
-            <a:extLst>
-              <a:ext uri="{FF2B5EF4-FFF2-40B4-BE49-F238E27FC236}">
-                <a16:creationId xmlns:a16="http://schemas.microsoft.com/office/drawing/2014/main" id="{6B6C1CF6-63E6-44BA-BD05-247E52F8F57C}"/>
-              </a:ext>
-            </a:extLst>
-          </p:cNvPr>
+            <a:endParaRPr lang="ko-KR" altLang="en-US">
+              <a:solidFill>
+                <a:schemeClr val="tx1"/>
+              </a:solidFill>
+            </a:endParaRPr>
+          </a:p>
+        </p:txBody>
+      </p:sp>
+      <p:sp>
+        <p:nvSpPr>
+          <p:cNvPr id="20" name="직사각형 19"/>
           <p:cNvSpPr/>
           <p:nvPr/>
         </p:nvSpPr>
@@ -4105,37 +4285,38 @@
           </a:fontRef>
         </p:style>
         <p:txBody>
-          <a:bodyPr rtlCol="0" anchor="ctr"/>
-          <a:lstStyle/>
-          <a:p>
-            <a:pPr algn="ctr"/>
-            <a:r>
-              <a:rPr lang="ko-KR" altLang="en-US" dirty="0">
+          <a:bodyPr anchor="ctr"/>
+          <a:lstStyle/>
+          <a:p>
+            <a:pPr algn="ctr">
+              <a:defRPr/>
+            </a:pPr>
+            <a:r>
+              <a:rPr lang="ko-KR" altLang="en-US">
                 <a:solidFill>
                   <a:schemeClr val="tx1"/>
                 </a:solidFill>
               </a:rPr>
               <a:t>맵 구현</a:t>
             </a:r>
-          </a:p>
-        </p:txBody>
-      </p:sp>
-      <p:sp>
-        <p:nvSpPr>
-          <p:cNvPr id="23" name="TextBox 22">
-            <a:extLst>
-              <a:ext uri="{FF2B5EF4-FFF2-40B4-BE49-F238E27FC236}">
-                <a16:creationId xmlns:a16="http://schemas.microsoft.com/office/drawing/2014/main" id="{67019216-C040-4C8E-9CBB-A14F6CE7D2AD}"/>
-              </a:ext>
-            </a:extLst>
-          </p:cNvPr>
+            <a:endParaRPr lang="ko-KR" altLang="en-US">
+              <a:solidFill>
+                <a:schemeClr val="tx1"/>
+              </a:solidFill>
+            </a:endParaRPr>
+          </a:p>
+        </p:txBody>
+      </p:sp>
+      <p:sp>
+        <p:nvSpPr>
+          <p:cNvPr id="23" name="TextBox 22"/>
           <p:cNvSpPr txBox="1"/>
           <p:nvPr/>
         </p:nvSpPr>
         <p:spPr>
           <a:xfrm>
             <a:off x="3624044" y="2511323"/>
-            <a:ext cx="3092513" cy="461665"/>
+            <a:ext cx="3068220" cy="449046"/>
           </a:xfrm>
           <a:prstGeom prst="rect">
             <a:avLst/>
@@ -4143,7 +4324,7 @@
           <a:noFill/>
         </p:spPr>
         <p:txBody>
-          <a:bodyPr wrap="none" rtlCol="0">
+          <a:bodyPr wrap="none">
             <a:spAutoFit/>
           </a:bodyPr>
           <a:lstStyle/>
@@ -4151,45 +4332,42 @@
             <a:pPr marL="171450" indent="-171450">
               <a:buFontTx/>
               <a:buChar char="-"/>
+              <a:defRPr/>
             </a:pPr>
             <a:r>
-              <a:rPr lang="ko-KR" altLang="en-US" sz="1200" dirty="0"/>
+              <a:rPr lang="ko-KR" altLang="en-US" sz="1200"/>
               <a:t>플레이어 뼈대에 맞게끔 총기 위치 조정</a:t>
             </a:r>
-            <a:endParaRPr lang="en-US" altLang="ko-KR" sz="1200" dirty="0"/>
+            <a:endParaRPr lang="ko-KR" altLang="en-US" sz="1200"/>
           </a:p>
           <a:p>
             <a:pPr marL="171450" indent="-171450">
               <a:buFontTx/>
               <a:buChar char="-"/>
+              <a:defRPr/>
             </a:pPr>
             <a:r>
-              <a:rPr lang="en-US" altLang="ko-KR" sz="1200" dirty="0"/>
+              <a:rPr lang="en-US" altLang="ko-KR" sz="1200"/>
               <a:t>1</a:t>
             </a:r>
             <a:r>
-              <a:rPr lang="ko-KR" altLang="en-US" sz="1200" dirty="0"/>
+              <a:rPr lang="ko-KR" altLang="en-US" sz="1200"/>
               <a:t>인칭 시야에서 보이는 총 조정</a:t>
             </a:r>
-          </a:p>
-        </p:txBody>
-      </p:sp>
-      <p:sp>
-        <p:nvSpPr>
-          <p:cNvPr id="24" name="TextBox 23">
-            <a:extLst>
-              <a:ext uri="{FF2B5EF4-FFF2-40B4-BE49-F238E27FC236}">
-                <a16:creationId xmlns:a16="http://schemas.microsoft.com/office/drawing/2014/main" id="{A9FFC9B3-9C4D-407B-9F46-A73021224E2F}"/>
-              </a:ext>
-            </a:extLst>
-          </p:cNvPr>
+            <a:endParaRPr lang="ko-KR" altLang="en-US" sz="1200"/>
+          </a:p>
+        </p:txBody>
+      </p:sp>
+      <p:sp>
+        <p:nvSpPr>
+          <p:cNvPr id="24" name="TextBox 23"/>
           <p:cNvSpPr txBox="1"/>
           <p:nvPr/>
         </p:nvSpPr>
         <p:spPr>
           <a:xfrm>
             <a:off x="3624044" y="3301287"/>
-            <a:ext cx="4868640" cy="461665"/>
+            <a:ext cx="5278021" cy="640158"/>
           </a:xfrm>
           <a:prstGeom prst="rect">
             <a:avLst/>
@@ -4197,7 +4375,7 @@
           <a:noFill/>
         </p:spPr>
         <p:txBody>
-          <a:bodyPr wrap="none" rtlCol="0">
+          <a:bodyPr wrap="none">
             <a:spAutoFit/>
           </a:bodyPr>
           <a:lstStyle/>
@@ -4205,90 +4383,138 @@
             <a:pPr marL="171450" indent="-171450">
               <a:buFontTx/>
               <a:buChar char="-"/>
+              <a:defRPr/>
             </a:pPr>
             <a:r>
-              <a:rPr lang="ko-KR" altLang="en-US" sz="1200" dirty="0"/>
-              <a:t>장전</a:t>
-            </a:r>
-            <a:r>
-              <a:rPr lang="en-US" altLang="ko-KR" sz="1200" dirty="0"/>
+              <a:rPr lang="en-US" altLang="ko-KR" sz="1200"/>
+              <a:t>(</a:t>
+            </a:r>
+            <a:r>
+              <a:rPr lang="ko-KR" altLang="en-US" sz="1200"/>
+              <a:t>포탈</a:t>
+            </a:r>
+            <a:r>
+              <a:rPr lang="en-US" altLang="ko-KR" sz="1200"/>
+              <a:t>)</a:t>
+            </a:r>
+            <a:r>
+              <a:rPr lang="ko-KR" altLang="en-US" sz="1200"/>
+              <a:t> 장전</a:t>
+            </a:r>
+            <a:r>
+              <a:rPr lang="en-US" altLang="ko-KR" sz="1200"/>
               <a:t> x, </a:t>
             </a:r>
             <a:r>
-              <a:rPr lang="ko-KR" altLang="en-US" sz="1200" dirty="0"/>
+              <a:rPr lang="ko-KR" altLang="en-US" sz="1200"/>
               <a:t>포탈 </a:t>
             </a:r>
             <a:r>
-              <a:rPr lang="en-US" altLang="ko-KR" sz="1200" dirty="0"/>
+              <a:rPr lang="en-US" altLang="ko-KR" sz="1200"/>
               <a:t>(1</a:t>
             </a:r>
             <a:r>
-              <a:rPr lang="ko-KR" altLang="en-US" sz="1200" dirty="0"/>
+              <a:rPr lang="ko-KR" altLang="en-US" sz="1200"/>
               <a:t>번</a:t>
             </a:r>
             <a:r>
-              <a:rPr lang="en-US" altLang="ko-KR" sz="1200" dirty="0"/>
+              <a:rPr lang="en-US" altLang="ko-KR" sz="1200"/>
               <a:t>,2</a:t>
             </a:r>
             <a:r>
-              <a:rPr lang="ko-KR" altLang="en-US" sz="1200" dirty="0"/>
+              <a:rPr lang="ko-KR" altLang="en-US" sz="1200"/>
               <a:t>번</a:t>
             </a:r>
             <a:r>
-              <a:rPr lang="en-US" altLang="ko-KR" sz="1200" dirty="0"/>
+              <a:rPr lang="en-US" altLang="ko-KR" sz="1200"/>
               <a:t>) 2</a:t>
             </a:r>
             <a:r>
-              <a:rPr lang="ko-KR" altLang="en-US" sz="1200" dirty="0"/>
+              <a:rPr lang="ko-KR" altLang="en-US" sz="1200"/>
               <a:t>번까지 쏘고 재사용 시 </a:t>
             </a:r>
             <a:r>
-              <a:rPr lang="en-US" altLang="ko-KR" sz="1200" dirty="0"/>
+              <a:rPr lang="en-US" altLang="ko-KR" sz="1200"/>
               <a:t>1</a:t>
             </a:r>
             <a:r>
-              <a:rPr lang="ko-KR" altLang="en-US" sz="1200" dirty="0"/>
+              <a:rPr lang="ko-KR" altLang="en-US" sz="1200"/>
               <a:t>번 소멸 </a:t>
             </a:r>
             <a:r>
-              <a:rPr lang="en-US" altLang="ko-KR" sz="1200" dirty="0"/>
+              <a:rPr lang="en-US" altLang="ko-KR" sz="1200"/>
               <a:t>+ </a:t>
             </a:r>
             <a:r>
-              <a:rPr lang="ko-KR" altLang="en-US" sz="1200" dirty="0"/>
+              <a:rPr lang="ko-KR" altLang="en-US" sz="1200"/>
               <a:t>재생성</a:t>
             </a:r>
-            <a:endParaRPr lang="en-US" altLang="ko-KR" sz="1200" dirty="0"/>
+            <a:endParaRPr lang="ko-KR" altLang="en-US" sz="1200"/>
           </a:p>
           <a:p>
             <a:pPr marL="171450" indent="-171450">
               <a:buFontTx/>
               <a:buChar char="-"/>
+              <a:defRPr/>
             </a:pPr>
             <a:r>
-              <a:rPr lang="ko-KR" altLang="en-US" sz="1200" dirty="0" err="1"/>
-              <a:t>ㅇ</a:t>
-            </a:r>
-            <a:endParaRPr lang="ko-KR" altLang="en-US" sz="1200" dirty="0"/>
-          </a:p>
-        </p:txBody>
-      </p:sp>
-      <p:sp>
-        <p:nvSpPr>
-          <p:cNvPr id="25" name="TextBox 24">
-            <a:extLst>
-              <a:ext uri="{FF2B5EF4-FFF2-40B4-BE49-F238E27FC236}">
-                <a16:creationId xmlns:a16="http://schemas.microsoft.com/office/drawing/2014/main" id="{3097725C-933F-4E2D-B4E0-8171B06994AF}"/>
-              </a:ext>
-            </a:extLst>
-          </p:cNvPr>
+              <a:rPr lang="en-US" altLang="ko-KR" sz="1200"/>
+              <a:t>(</a:t>
+            </a:r>
+            <a:r>
+              <a:rPr lang="ko-KR" altLang="en-US" sz="1200"/>
+              <a:t>그랩</a:t>
+            </a:r>
+            <a:r>
+              <a:rPr lang="en-US" altLang="ko-KR" sz="1200"/>
+              <a:t>)</a:t>
+            </a:r>
+            <a:r>
+              <a:rPr lang="ko-KR" altLang="en-US" sz="1200"/>
+              <a:t> 터렛 그랩</a:t>
+            </a:r>
+            <a:r>
+              <a:rPr lang="en-US" altLang="ko-KR" sz="1200"/>
+              <a:t>,</a:t>
+            </a:r>
+            <a:r>
+              <a:rPr lang="ko-KR" altLang="en-US" sz="1200"/>
+              <a:t> 감자 그랩</a:t>
+            </a:r>
+            <a:r>
+              <a:rPr lang="en-US" altLang="ko-KR" sz="1200"/>
+              <a:t>,</a:t>
+            </a:r>
+            <a:r>
+              <a:rPr lang="ko-KR" altLang="en-US" sz="1200"/>
+              <a:t> 박스 그랩</a:t>
+            </a:r>
+            <a:endParaRPr lang="ko-KR" altLang="en-US" sz="1200"/>
+          </a:p>
+          <a:p>
+            <a:pPr marL="171450" indent="-171450">
+              <a:buFontTx/>
+              <a:buChar char="-"/>
+              <a:defRPr/>
+            </a:pPr>
+            <a:r>
+              <a:rPr lang="ko-KR" altLang="en-US" sz="1200"/>
+              <a:t>박스 버튼 위에 올려두면 버튼 작동</a:t>
+            </a:r>
+            <a:endParaRPr lang="ko-KR" altLang="en-US" sz="1200"/>
+          </a:p>
+        </p:txBody>
+      </p:sp>
+      <p:sp>
+        <p:nvSpPr>
+          <p:cNvPr id="25" name="TextBox 24"/>
           <p:cNvSpPr txBox="1"/>
           <p:nvPr/>
         </p:nvSpPr>
         <p:spPr>
           <a:xfrm>
             <a:off x="3624044" y="4145643"/>
-            <a:ext cx="1478290" cy="276999"/>
+            <a:ext cx="4068346" cy="276999"/>
           </a:xfrm>
           <a:prstGeom prst="rect">
             <a:avLst/>
@@ -4296,7 +4522,7 @@
           <a:noFill/>
         </p:spPr>
         <p:txBody>
-          <a:bodyPr wrap="none" rtlCol="0">
+          <a:bodyPr wrap="none">
             <a:spAutoFit/>
           </a:bodyPr>
           <a:lstStyle/>
@@ -4304,35 +4530,54 @@
             <a:pPr marL="171450" indent="-171450">
               <a:buFontTx/>
               <a:buChar char="-"/>
+              <a:defRPr/>
             </a:pPr>
             <a:r>
-              <a:rPr lang="ko-KR" altLang="en-US" sz="1200" dirty="0"/>
-              <a:t>레이저 쏘는 적</a:t>
-            </a:r>
-            <a:r>
-              <a:rPr lang="en-US" altLang="ko-KR" sz="1200" dirty="0"/>
-              <a:t>, </a:t>
-            </a:r>
-            <a:endParaRPr lang="ko-KR" altLang="en-US" sz="1200" dirty="0"/>
-          </a:p>
-        </p:txBody>
-      </p:sp>
-      <p:sp>
-        <p:nvSpPr>
-          <p:cNvPr id="26" name="TextBox 25">
-            <a:extLst>
-              <a:ext uri="{FF2B5EF4-FFF2-40B4-BE49-F238E27FC236}">
-                <a16:creationId xmlns:a16="http://schemas.microsoft.com/office/drawing/2014/main" id="{1896469E-79AB-45D7-9112-076251124E2F}"/>
-              </a:ext>
-            </a:extLst>
-          </p:cNvPr>
+              <a:rPr lang="ko-KR" altLang="en-US" sz="1200"/>
+              <a:t>레이저 쏘는 터렛</a:t>
+            </a:r>
+            <a:r>
+              <a:rPr lang="en-US" altLang="ko-KR" sz="1200"/>
+              <a:t>(</a:t>
+            </a:r>
+            <a:r>
+              <a:rPr lang="ko-KR" altLang="en-US" sz="1200"/>
+              <a:t>레이저</a:t>
+            </a:r>
+            <a:r>
+              <a:rPr lang="en-US" altLang="ko-KR" sz="1200"/>
+              <a:t>(</a:t>
+            </a:r>
+            <a:r>
+              <a:rPr lang="ko-KR" altLang="en-US" sz="1200"/>
+              <a:t>기즈모</a:t>
+            </a:r>
+            <a:r>
+              <a:rPr lang="en-US" altLang="ko-KR" sz="1200"/>
+              <a:t>)</a:t>
+            </a:r>
+            <a:r>
+              <a:rPr lang="ko-KR" altLang="en-US" sz="1200"/>
+              <a:t> 에 닿으면 총알 난사</a:t>
+            </a:r>
+            <a:r>
+              <a:rPr lang="en-US" altLang="ko-KR" sz="1200"/>
+              <a:t>)</a:t>
+            </a:r>
+            <a:endParaRPr lang="en-US" altLang="ko-KR" sz="1200"/>
+          </a:p>
+        </p:txBody>
+      </p:sp>
+      <p:sp>
+        <p:nvSpPr>
+          <p:cNvPr id="26" name="TextBox 25"/>
           <p:cNvSpPr txBox="1"/>
           <p:nvPr/>
         </p:nvSpPr>
         <p:spPr>
           <a:xfrm>
             <a:off x="3624043" y="1721359"/>
-            <a:ext cx="665567" cy="276999"/>
+            <a:ext cx="1077497" cy="267461"/>
           </a:xfrm>
           <a:prstGeom prst="rect">
             <a:avLst/>
@@ -4340,7 +4585,7 @@
           <a:noFill/>
         </p:spPr>
         <p:txBody>
-          <a:bodyPr wrap="none" rtlCol="0">
+          <a:bodyPr wrap="none">
             <a:spAutoFit/>
           </a:bodyPr>
           <a:lstStyle/>
@@ -4348,31 +4593,30 @@
             <a:pPr marL="171450" indent="-171450">
               <a:buFontTx/>
               <a:buChar char="-"/>
+              <a:defRPr/>
             </a:pPr>
             <a:r>
-              <a:rPr lang="ko-KR" altLang="en-US" sz="1200" dirty="0" err="1"/>
-              <a:t>ㅇㅇ</a:t>
-            </a:r>
-            <a:endParaRPr lang="ko-KR" altLang="en-US" sz="1200" dirty="0"/>
-          </a:p>
-        </p:txBody>
-      </p:sp>
-      <p:sp>
-        <p:nvSpPr>
-          <p:cNvPr id="27" name="TextBox 26">
-            <a:extLst>
-              <a:ext uri="{FF2B5EF4-FFF2-40B4-BE49-F238E27FC236}">
-                <a16:creationId xmlns:a16="http://schemas.microsoft.com/office/drawing/2014/main" id="{4123E083-697F-4A54-B8B0-6C9692B83D5E}"/>
-              </a:ext>
-            </a:extLst>
-          </p:cNvPr>
+              <a:rPr lang="en-US" altLang="ko-KR" sz="1200"/>
+              <a:t>fps</a:t>
+            </a:r>
+            <a:r>
+              <a:rPr lang="ko-KR" altLang="en-US" sz="1200"/>
+              <a:t> 카메라</a:t>
+            </a:r>
+            <a:endParaRPr lang="ko-KR" altLang="en-US" sz="1200"/>
+          </a:p>
+        </p:txBody>
+      </p:sp>
+      <p:sp>
+        <p:nvSpPr>
+          <p:cNvPr id="27" name="TextBox 26"/>
           <p:cNvSpPr txBox="1"/>
           <p:nvPr/>
         </p:nvSpPr>
         <p:spPr>
           <a:xfrm>
             <a:off x="3624044" y="931395"/>
-            <a:ext cx="665567" cy="276999"/>
+            <a:ext cx="1534696" cy="447825"/>
           </a:xfrm>
           <a:prstGeom prst="rect">
             <a:avLst/>
@@ -4380,7 +4624,7 @@
           <a:noFill/>
         </p:spPr>
         <p:txBody>
-          <a:bodyPr wrap="none" rtlCol="0">
+          <a:bodyPr wrap="none">
             <a:spAutoFit/>
           </a:bodyPr>
           <a:lstStyle/>
@@ -4388,75 +4632,91 @@
             <a:pPr marL="171450" indent="-171450">
               <a:buFontTx/>
               <a:buChar char="-"/>
+              <a:defRPr/>
             </a:pPr>
             <a:r>
-              <a:rPr lang="ko-KR" altLang="en-US" sz="1200" dirty="0" err="1"/>
-              <a:t>ㅇㅇ</a:t>
-            </a:r>
-            <a:endParaRPr lang="ko-KR" altLang="en-US" sz="1200" dirty="0"/>
+              <a:rPr lang="ko-KR" altLang="en-US" sz="1200"/>
+              <a:t>플레이어 이동</a:t>
+            </a:r>
+            <a:endParaRPr lang="ko-KR" altLang="en-US" sz="1200"/>
+          </a:p>
+          <a:p>
+            <a:pPr marL="171450" indent="-171450">
+              <a:buFontTx/>
+              <a:buChar char="-"/>
+              <a:defRPr/>
+            </a:pPr>
+            <a:r>
+              <a:rPr lang="ko-KR" altLang="en-US" sz="1200"/>
+              <a:t>애니메이션 연결 </a:t>
+            </a:r>
+            <a:endParaRPr lang="en-US" altLang="ko-KR" sz="1200"/>
           </a:p>
         </p:txBody>
       </p:sp>
     </p:spTree>
-    <p:extLst>
-      <p:ext uri="{BB962C8B-B14F-4D97-AF65-F5344CB8AC3E}">
-        <p14:creationId xmlns:p14="http://schemas.microsoft.com/office/powerpoint/2010/main" val="3557975402"/>
-      </p:ext>
-    </p:extLst>
   </p:cSld>
   <p:clrMapOvr>
     <a:masterClrMapping/>
   </p:clrMapOvr>
+  <mc:AlternateContent xmlns:mc="http://schemas.openxmlformats.org/markup-compatibility/2006">
+    <mc:Choice xmlns:p14="http://schemas.microsoft.com/office/powerpoint/2010/main" Requires="p14">
+      <p:transition xmlns:mc="http://schemas.openxmlformats.org/markup-compatibility/2006" xmlns:p14="http://schemas.microsoft.com/office/powerpoint/2010/main" mc:Ignorable="p14" p14:dur="500"/>
+    </mc:Choice>
+    <mc:Fallback>
+      <p:transition/>
+    </mc:Fallback>
+  </mc:AlternateContent>
 </p:sld>
 </file>
 
 <file path=ppt/theme/theme1.xml><?xml version="1.0" encoding="utf-8"?>
-<a:theme xmlns:a="http://schemas.openxmlformats.org/drawingml/2006/main" name="Office 테마">
+<a:theme xmlns:r="http://schemas.openxmlformats.org/officeDocument/2006/relationships" xmlns:c="http://schemas.openxmlformats.org/drawingml/2006/chart" xmlns:dgm="http://schemas.openxmlformats.org/drawingml/2006/diagram" xmlns:dsp="http://schemas.microsoft.com/office/drawing/2008/diagram" xmlns:a="http://schemas.openxmlformats.org/drawingml/2006/main" xmlns:pic="http://schemas.openxmlformats.org/drawingml/2006/picture" xmlns:wp="http://schemas.openxmlformats.org/drawingml/2006/wordprocessingDrawing" xmlns:xdr="http://schemas.openxmlformats.org/drawingml/2006/spreadsheetDrawing" name="Office 테마">
   <a:themeElements>
     <a:clrScheme name="Office">
       <a:dk1>
         <a:sysClr val="windowText" lastClr="000000"/>
       </a:dk1>
       <a:lt1>
-        <a:sysClr val="window" lastClr="FFFFFF"/>
+        <a:sysClr val="window" lastClr="ffffff"/>
       </a:lt1>
       <a:dk2>
-        <a:srgbClr val="44546A"/>
+        <a:srgbClr val="44546a"/>
       </a:dk2>
       <a:lt2>
-        <a:srgbClr val="E7E6E6"/>
+        <a:srgbClr val="e7e6e6"/>
       </a:lt2>
       <a:accent1>
-        <a:srgbClr val="4472C4"/>
+        <a:srgbClr val="4472c4"/>
       </a:accent1>
       <a:accent2>
-        <a:srgbClr val="ED7D31"/>
+        <a:srgbClr val="ed7d31"/>
       </a:accent2>
       <a:accent3>
-        <a:srgbClr val="A5A5A5"/>
+        <a:srgbClr val="a5a5a5"/>
       </a:accent3>
       <a:accent4>
-        <a:srgbClr val="FFC000"/>
+        <a:srgbClr val="ffc000"/>
       </a:accent4>
       <a:accent5>
-        <a:srgbClr val="5B9BD5"/>
+        <a:srgbClr val="5b9bd5"/>
       </a:accent5>
       <a:accent6>
-        <a:srgbClr val="70AD47"/>
+        <a:srgbClr val="70ad47"/>
       </a:accent6>
       <a:hlink>
-        <a:srgbClr val="0563C1"/>
+        <a:srgbClr val="0563c1"/>
       </a:hlink>
       <a:folHlink>
-        <a:srgbClr val="954F72"/>
+        <a:srgbClr val="954f72"/>
       </a:folHlink>
     </a:clrScheme>
     <a:fontScheme name="Office">
       <a:majorFont>
-        <a:latin typeface="맑은 고딕" panose="020F0302020204030204"/>
+        <a:latin typeface="맑은 고딕" panose="20"/>
         <a:ea typeface=""/>
         <a:cs typeface=""/>
-        <a:font script="Jpan" typeface="游ゴシック Light"/>
+        <a:font script="Jpan" typeface="Yu Gothic Light"/>
         <a:font script="Hang" typeface="맑은 고딕"/>
         <a:font script="Hans" typeface="等线 Light"/>
         <a:font script="Hant" typeface="新細明體"/>
@@ -4505,10 +4765,10 @@
         <a:font script="Tfng" typeface="Ebrima"/>
       </a:majorFont>
       <a:minorFont>
-        <a:latin typeface="맑은 고딕" panose="020F0502020204030204"/>
+        <a:latin typeface="맑은 고딕" panose="20"/>
         <a:ea typeface=""/>
         <a:cs typeface=""/>
-        <a:font script="Jpan" typeface="游ゴシック"/>
+        <a:font script="Jpan" typeface="Yu Gothic"/>
         <a:font script="Hang" typeface="맑은 고딕"/>
         <a:font script="Hans" typeface="等线"/>
         <a:font script="Hant" typeface="新細明體"/>
@@ -4621,21 +4881,21 @@
             <a:schemeClr val="phClr"/>
           </a:solidFill>
           <a:prstDash val="solid"/>
-          <a:miter lim="800000"/>
+          <a:miter/>
         </a:ln>
         <a:ln w="12700" cap="flat" cmpd="sng" algn="ctr">
           <a:solidFill>
             <a:schemeClr val="phClr"/>
           </a:solidFill>
           <a:prstDash val="solid"/>
-          <a:miter lim="800000"/>
+          <a:miter/>
         </a:ln>
         <a:ln w="19050" cap="flat" cmpd="sng" algn="ctr">
           <a:solidFill>
             <a:schemeClr val="phClr"/>
           </a:solidFill>
           <a:prstDash val="solid"/>
-          <a:miter lim="800000"/>
+          <a:miter/>
         </a:ln>
       </a:lnStyleLst>
       <a:effectStyleLst>
@@ -4695,12 +4955,5 @@
       </a:bgFillStyleLst>
     </a:fmtScheme>
   </a:themeElements>
-  <a:objectDefaults/>
-  <a:extraClrSchemeLst/>
-  <a:extLst>
-    <a:ext uri="{05A4C25C-085E-4340-85A3-A5531E510DB2}">
-      <thm15:themeFamily xmlns:thm15="http://schemas.microsoft.com/office/thememl/2012/main" name="Office Theme" id="{62F939B6-93AF-4DB8-9C6B-D6C7DFDC589F}" vid="{4A3C46E8-61CC-4603-A589-7422A47A8E4A}"/>
-    </a:ext>
-  </a:extLst>
 </a:theme>
 </file>
--- a/Assets/PROJECT UST/Anothers/ppt.pptx
+++ b/Assets/PROJECT UST/Anothers/ppt.pptx
@@ -1,6 +1,6 @@
 
 <file path=ppt/presentation.xml><?xml version="1.0" encoding="utf-8"?>
-<p:presentation xmlns:r="http://schemas.openxmlformats.org/officeDocument/2006/relationships" xmlns:c="http://schemas.openxmlformats.org/drawingml/2006/chart" xmlns:a="http://schemas.openxmlformats.org/drawingml/2006/main" xmlns:dgm="http://schemas.openxmlformats.org/drawingml/2006/diagram" xmlns:dsp="http://schemas.microsoft.com/office/drawing/2008/diagram" xmlns:p="http://schemas.openxmlformats.org/presentationml/2006/main" saveSubsetFonts="1">
+<p:presentation xmlns:a="http://schemas.openxmlformats.org/drawingml/2006/main" xmlns:r="http://schemas.openxmlformats.org/officeDocument/2006/relationships" xmlns:p="http://schemas.openxmlformats.org/presentationml/2006/main" saveSubsetFonts="1">
   <p:sldMasterIdLst>
     <p:sldMasterId id="2147483662" r:id="rId1"/>
   </p:sldMasterIdLst>
@@ -12,6 +12,7 @@
     <p:sldId id="260" r:id="rId6"/>
     <p:sldId id="261" r:id="rId7"/>
     <p:sldId id="262" r:id="rId8"/>
+    <p:sldId id="263" r:id="rId9"/>
   </p:sldIdLst>
   <p:sldSz cx="12192000" cy="6858000"/>
   <p:notesSz cx="6858000" cy="9144000"/>
@@ -110,6 +111,11 @@
       </a:defRPr>
     </a:lvl9pPr>
   </p:defaultTextStyle>
+  <p:extLst>
+    <p:ext uri="{EFAFB233-063F-42B5-8137-9DF3F51BA10A}">
+      <p15:sldGuideLst xmlns:p15="http://schemas.microsoft.com/office/powerpoint/2012/main"/>
+    </p:ext>
+  </p:extLst>
 </p:presentation>
 </file>
 
@@ -260,7 +266,7 @@
           <a:p>
             <a:fld id="{CBBE7988-A085-420D-9970-887AD34DCC02}" type="datetimeFigureOut">
               <a:rPr lang="ko-KR" altLang="en-US" smtClean="0"/>
-              <a:t>2024-06-12</a:t>
+              <a:t>2024-06-21</a:t>
             </a:fld>
             <a:endParaRPr lang="ko-KR" altLang="en-US"/>
           </a:p>
@@ -458,7 +464,7 @@
           <a:p>
             <a:fld id="{CBBE7988-A085-420D-9970-887AD34DCC02}" type="datetimeFigureOut">
               <a:rPr lang="ko-KR" altLang="en-US" smtClean="0"/>
-              <a:t>2024-06-12</a:t>
+              <a:t>2024-06-21</a:t>
             </a:fld>
             <a:endParaRPr lang="ko-KR" altLang="en-US"/>
           </a:p>
@@ -666,7 +672,7 @@
           <a:p>
             <a:fld id="{CBBE7988-A085-420D-9970-887AD34DCC02}" type="datetimeFigureOut">
               <a:rPr lang="ko-KR" altLang="en-US" smtClean="0"/>
-              <a:t>2024-06-12</a:t>
+              <a:t>2024-06-21</a:t>
             </a:fld>
             <a:endParaRPr lang="ko-KR" altLang="en-US"/>
           </a:p>
@@ -864,7 +870,7 @@
           <a:p>
             <a:fld id="{CBBE7988-A085-420D-9970-887AD34DCC02}" type="datetimeFigureOut">
               <a:rPr lang="ko-KR" altLang="en-US" smtClean="0"/>
-              <a:t>2024-06-12</a:t>
+              <a:t>2024-06-21</a:t>
             </a:fld>
             <a:endParaRPr lang="ko-KR" altLang="en-US"/>
           </a:p>
@@ -1139,7 +1145,7 @@
           <a:p>
             <a:fld id="{CBBE7988-A085-420D-9970-887AD34DCC02}" type="datetimeFigureOut">
               <a:rPr lang="ko-KR" altLang="en-US" smtClean="0"/>
-              <a:t>2024-06-12</a:t>
+              <a:t>2024-06-21</a:t>
             </a:fld>
             <a:endParaRPr lang="ko-KR" altLang="en-US"/>
           </a:p>
@@ -1404,7 +1410,7 @@
           <a:p>
             <a:fld id="{CBBE7988-A085-420D-9970-887AD34DCC02}" type="datetimeFigureOut">
               <a:rPr lang="ko-KR" altLang="en-US" smtClean="0"/>
-              <a:t>2024-06-12</a:t>
+              <a:t>2024-06-21</a:t>
             </a:fld>
             <a:endParaRPr lang="ko-KR" altLang="en-US"/>
           </a:p>
@@ -1816,7 +1822,7 @@
           <a:p>
             <a:fld id="{CBBE7988-A085-420D-9970-887AD34DCC02}" type="datetimeFigureOut">
               <a:rPr lang="ko-KR" altLang="en-US" smtClean="0"/>
-              <a:t>2024-06-12</a:t>
+              <a:t>2024-06-21</a:t>
             </a:fld>
             <a:endParaRPr lang="ko-KR" altLang="en-US"/>
           </a:p>
@@ -1957,7 +1963,7 @@
           <a:p>
             <a:fld id="{CBBE7988-A085-420D-9970-887AD34DCC02}" type="datetimeFigureOut">
               <a:rPr lang="ko-KR" altLang="en-US" smtClean="0"/>
-              <a:t>2024-06-12</a:t>
+              <a:t>2024-06-21</a:t>
             </a:fld>
             <a:endParaRPr lang="ko-KR" altLang="en-US"/>
           </a:p>
@@ -2070,7 +2076,7 @@
           <a:p>
             <a:fld id="{CBBE7988-A085-420D-9970-887AD34DCC02}" type="datetimeFigureOut">
               <a:rPr lang="ko-KR" altLang="en-US" smtClean="0"/>
-              <a:t>2024-06-12</a:t>
+              <a:t>2024-06-21</a:t>
             </a:fld>
             <a:endParaRPr lang="ko-KR" altLang="en-US"/>
           </a:p>
@@ -2381,7 +2387,7 @@
           <a:p>
             <a:fld id="{CBBE7988-A085-420D-9970-887AD34DCC02}" type="datetimeFigureOut">
               <a:rPr lang="ko-KR" altLang="en-US" smtClean="0"/>
-              <a:t>2024-06-12</a:t>
+              <a:t>2024-06-21</a:t>
             </a:fld>
             <a:endParaRPr lang="ko-KR" altLang="en-US"/>
           </a:p>
@@ -2669,7 +2675,7 @@
           <a:p>
             <a:fld id="{CBBE7988-A085-420D-9970-887AD34DCC02}" type="datetimeFigureOut">
               <a:rPr lang="ko-KR" altLang="en-US" smtClean="0"/>
-              <a:t>2024-06-12</a:t>
+              <a:t>2024-06-21</a:t>
             </a:fld>
             <a:endParaRPr lang="ko-KR" altLang="en-US"/>
           </a:p>
@@ -2910,7 +2916,7 @@
           <a:p>
             <a:fld id="{CBBE7988-A085-420D-9970-887AD34DCC02}" type="datetimeFigureOut">
               <a:rPr lang="ko-KR" altLang="en-US" smtClean="0"/>
-              <a:t>2024-06-12</a:t>
+              <a:t>2024-06-21</a:t>
             </a:fld>
             <a:endParaRPr lang="ko-KR" altLang="en-US"/>
           </a:p>
@@ -3413,7 +3419,7 @@
 </file>
 
 <file path=ppt/slides/slide2.xml><?xml version="1.0" encoding="utf-8"?>
-<p:sld xmlns:r="http://schemas.openxmlformats.org/officeDocument/2006/relationships" xmlns:c="http://schemas.openxmlformats.org/drawingml/2006/chart" xmlns:a="http://schemas.openxmlformats.org/drawingml/2006/main" xmlns:dgm="http://schemas.openxmlformats.org/drawingml/2006/diagram" xmlns:dsp="http://schemas.microsoft.com/office/drawing/2008/diagram" xmlns:p="http://schemas.openxmlformats.org/presentationml/2006/main">
+<p:sld xmlns:a="http://schemas.openxmlformats.org/drawingml/2006/main" xmlns:r="http://schemas.openxmlformats.org/officeDocument/2006/relationships" xmlns:p="http://schemas.openxmlformats.org/presentationml/2006/main">
   <p:cSld>
     <p:spTree>
       <p:nvGrpSpPr>
@@ -3465,7 +3471,7 @@
       </p:sp>
       <p:pic>
         <p:nvPicPr>
-          <p:cNvPr id="6" name=""/>
+          <p:cNvPr id="6" name="그림 5"/>
           <p:cNvPicPr>
             <a:picLocks noChangeAspect="1"/>
           </p:cNvPicPr>
@@ -3492,11 +3498,11 @@
   <p:clrMapOvr>
     <a:masterClrMapping/>
   </p:clrMapOvr>
-  <mc:AlternateContent xmlns:mc="http://schemas.openxmlformats.org/markup-compatibility/2006">
-    <mc:Choice xmlns:p14="http://schemas.microsoft.com/office/powerpoint/2010/main" Requires="p14">
-      <p:transition xmlns:mc="http://schemas.openxmlformats.org/markup-compatibility/2006" xmlns:p14="http://schemas.microsoft.com/office/powerpoint/2010/main" mc:Ignorable="p14" p14:dur="500"/>
+  <mc:AlternateContent xmlns:mc="http://schemas.openxmlformats.org/markup-compatibility/2006" xmlns:p14="http://schemas.microsoft.com/office/powerpoint/2010/main">
+    <mc:Choice Requires="p14">
+      <p:transition/>
     </mc:Choice>
-    <mc:Fallback>
+    <mc:Fallback xmlns:dsp="http://schemas.microsoft.com/office/drawing/2008/diagram" xmlns:dgm="http://schemas.openxmlformats.org/drawingml/2006/diagram" xmlns:c="http://schemas.openxmlformats.org/drawingml/2006/chart" xmlns="">
       <p:transition/>
     </mc:Fallback>
   </mc:AlternateContent>
@@ -3504,7 +3510,7 @@
 </file>
 
 <file path=ppt/slides/slide3.xml><?xml version="1.0" encoding="utf-8"?>
-<p:sld xmlns:r="http://schemas.openxmlformats.org/officeDocument/2006/relationships" xmlns:c="http://schemas.openxmlformats.org/drawingml/2006/chart" xmlns:a="http://schemas.openxmlformats.org/drawingml/2006/main" xmlns:dgm="http://schemas.openxmlformats.org/drawingml/2006/diagram" xmlns:dsp="http://schemas.microsoft.com/office/drawing/2008/diagram" xmlns:p="http://schemas.openxmlformats.org/presentationml/2006/main">
+<p:sld xmlns:a="http://schemas.openxmlformats.org/drawingml/2006/main" xmlns:r="http://schemas.openxmlformats.org/officeDocument/2006/relationships" xmlns:p="http://schemas.openxmlformats.org/presentationml/2006/main">
   <p:cSld>
     <p:spTree>
       <p:nvGrpSpPr>
@@ -3522,7 +3528,7 @@
       </p:grpSpPr>
       <p:sp>
         <p:nvSpPr>
-          <p:cNvPr id="4" name=""/>
+          <p:cNvPr id="4" name="TextBox 3"/>
           <p:cNvSpPr txBox="1"/>
           <p:nvPr/>
         </p:nvSpPr>
@@ -3539,6 +3545,7 @@
           <a:bodyPr wrap="square">
             <a:spAutoFit/>
           </a:bodyPr>
+          <a:lstStyle/>
           <a:p>
             <a:pPr>
               <a:defRPr/>
@@ -3555,7 +3562,7 @@
       </p:sp>
       <p:pic>
         <p:nvPicPr>
-          <p:cNvPr id="5" name=""/>
+          <p:cNvPr id="5" name="그림 4"/>
           <p:cNvPicPr>
             <a:picLocks noChangeAspect="1"/>
           </p:cNvPicPr>
@@ -3582,11 +3589,11 @@
   <p:clrMapOvr>
     <a:masterClrMapping/>
   </p:clrMapOvr>
-  <mc:AlternateContent xmlns:mc="http://schemas.openxmlformats.org/markup-compatibility/2006">
-    <mc:Choice xmlns:p14="http://schemas.microsoft.com/office/powerpoint/2010/main" Requires="p14">
-      <p:transition xmlns:mc="http://schemas.openxmlformats.org/markup-compatibility/2006" xmlns:p14="http://schemas.microsoft.com/office/powerpoint/2010/main" mc:Ignorable="p14" p14:dur="500"/>
+  <mc:AlternateContent xmlns:mc="http://schemas.openxmlformats.org/markup-compatibility/2006" xmlns:p14="http://schemas.microsoft.com/office/powerpoint/2010/main">
+    <mc:Choice Requires="p14">
+      <p:transition/>
     </mc:Choice>
-    <mc:Fallback>
+    <mc:Fallback xmlns:dsp="http://schemas.microsoft.com/office/drawing/2008/diagram" xmlns:dgm="http://schemas.openxmlformats.org/drawingml/2006/diagram" xmlns:c="http://schemas.openxmlformats.org/drawingml/2006/chart" xmlns="">
       <p:transition/>
     </mc:Fallback>
   </mc:AlternateContent>
@@ -3594,7 +3601,7 @@
 </file>
 
 <file path=ppt/slides/slide4.xml><?xml version="1.0" encoding="utf-8"?>
-<p:sld xmlns:r="http://schemas.openxmlformats.org/officeDocument/2006/relationships" xmlns:c="http://schemas.openxmlformats.org/drawingml/2006/chart" xmlns:a="http://schemas.openxmlformats.org/drawingml/2006/main" xmlns:dgm="http://schemas.openxmlformats.org/drawingml/2006/diagram" xmlns:dsp="http://schemas.microsoft.com/office/drawing/2008/diagram" xmlns:p="http://schemas.openxmlformats.org/presentationml/2006/main">
+<p:sld xmlns:a="http://schemas.openxmlformats.org/drawingml/2006/main" xmlns:r="http://schemas.openxmlformats.org/officeDocument/2006/relationships" xmlns:p="http://schemas.openxmlformats.org/presentationml/2006/main">
   <p:cSld>
     <p:spTree>
       <p:nvGrpSpPr>
@@ -3612,7 +3619,7 @@
       </p:grpSpPr>
       <p:sp>
         <p:nvSpPr>
-          <p:cNvPr id="4" name=""/>
+          <p:cNvPr id="4" name="TextBox 3"/>
           <p:cNvSpPr txBox="1"/>
           <p:nvPr/>
         </p:nvSpPr>
@@ -3629,6 +3636,7 @@
           <a:bodyPr wrap="square">
             <a:spAutoFit/>
           </a:bodyPr>
+          <a:lstStyle/>
           <a:p>
             <a:pPr>
               <a:defRPr/>
@@ -3645,7 +3653,7 @@
       </p:sp>
       <p:pic>
         <p:nvPicPr>
-          <p:cNvPr id="5" name=""/>
+          <p:cNvPr id="5" name="그림 4"/>
           <p:cNvPicPr>
             <a:picLocks noChangeAspect="1"/>
           </p:cNvPicPr>
@@ -3672,11 +3680,11 @@
   <p:clrMapOvr>
     <a:masterClrMapping/>
   </p:clrMapOvr>
-  <mc:AlternateContent xmlns:mc="http://schemas.openxmlformats.org/markup-compatibility/2006">
-    <mc:Choice xmlns:p14="http://schemas.microsoft.com/office/powerpoint/2010/main" Requires="p14">
-      <p:transition xmlns:mc="http://schemas.openxmlformats.org/markup-compatibility/2006" xmlns:p14="http://schemas.microsoft.com/office/powerpoint/2010/main" mc:Ignorable="p14" p14:dur="500"/>
+  <mc:AlternateContent xmlns:mc="http://schemas.openxmlformats.org/markup-compatibility/2006" xmlns:p14="http://schemas.microsoft.com/office/powerpoint/2010/main">
+    <mc:Choice Requires="p14">
+      <p:transition/>
     </mc:Choice>
-    <mc:Fallback>
+    <mc:Fallback xmlns:dsp="http://schemas.microsoft.com/office/drawing/2008/diagram" xmlns:dgm="http://schemas.openxmlformats.org/drawingml/2006/diagram" xmlns:c="http://schemas.openxmlformats.org/drawingml/2006/chart" xmlns="">
       <p:transition/>
     </mc:Fallback>
   </mc:AlternateContent>
@@ -3829,7 +3837,7 @@
 </file>
 
 <file path=ppt/slides/slide6.xml><?xml version="1.0" encoding="utf-8"?>
-<p:sld xmlns:r="http://schemas.openxmlformats.org/officeDocument/2006/relationships" xmlns:c="http://schemas.openxmlformats.org/drawingml/2006/chart" xmlns:a="http://schemas.openxmlformats.org/drawingml/2006/main" xmlns:dgm="http://schemas.openxmlformats.org/drawingml/2006/diagram" xmlns:dsp="http://schemas.microsoft.com/office/drawing/2008/diagram" xmlns:p="http://schemas.openxmlformats.org/presentationml/2006/main">
+<p:sld xmlns:a="http://schemas.openxmlformats.org/drawingml/2006/main" xmlns:r="http://schemas.openxmlformats.org/officeDocument/2006/relationships" xmlns:p="http://schemas.openxmlformats.org/presentationml/2006/main">
   <p:cSld>
     <p:spTree>
       <p:nvGrpSpPr>
@@ -3904,7 +3912,6 @@
               <a:rPr lang="ko-KR" altLang="en-US"/>
               <a:t>스타일</a:t>
             </a:r>
-            <a:endParaRPr lang="ko-KR" altLang="en-US"/>
           </a:p>
         </p:txBody>
       </p:sp>
@@ -3913,11 +3920,11 @@
   <p:clrMapOvr>
     <a:masterClrMapping/>
   </p:clrMapOvr>
-  <mc:AlternateContent xmlns:mc="http://schemas.openxmlformats.org/markup-compatibility/2006">
-    <mc:Choice xmlns:p14="http://schemas.microsoft.com/office/powerpoint/2010/main" Requires="p14">
-      <p:transition xmlns:mc="http://schemas.openxmlformats.org/markup-compatibility/2006" xmlns:p14="http://schemas.microsoft.com/office/powerpoint/2010/main" mc:Ignorable="p14" p14:dur="500"/>
+  <mc:AlternateContent xmlns:mc="http://schemas.openxmlformats.org/markup-compatibility/2006" xmlns:p14="http://schemas.microsoft.com/office/powerpoint/2010/main">
+    <mc:Choice Requires="p14">
+      <p:transition/>
     </mc:Choice>
-    <mc:Fallback>
+    <mc:Fallback xmlns:dsp="http://schemas.microsoft.com/office/drawing/2008/diagram" xmlns:dgm="http://schemas.openxmlformats.org/drawingml/2006/diagram" xmlns:c="http://schemas.openxmlformats.org/drawingml/2006/chart" xmlns="">
       <p:transition/>
     </mc:Fallback>
   </mc:AlternateContent>
@@ -3925,7 +3932,7 @@
 </file>
 
 <file path=ppt/slides/slide7.xml><?xml version="1.0" encoding="utf-8"?>
-<p:sld xmlns:r="http://schemas.openxmlformats.org/officeDocument/2006/relationships" xmlns:c="http://schemas.openxmlformats.org/drawingml/2006/chart" xmlns:a="http://schemas.openxmlformats.org/drawingml/2006/main" xmlns:dgm="http://schemas.openxmlformats.org/drawingml/2006/diagram" xmlns:dsp="http://schemas.microsoft.com/office/drawing/2008/diagram" xmlns:p="http://schemas.openxmlformats.org/presentationml/2006/main">
+<p:sld xmlns:a="http://schemas.openxmlformats.org/drawingml/2006/main" xmlns:r="http://schemas.openxmlformats.org/officeDocument/2006/relationships" xmlns:p="http://schemas.openxmlformats.org/presentationml/2006/main">
   <p:cSld>
     <p:spTree>
       <p:nvGrpSpPr>
@@ -3990,11 +3997,6 @@
               </a:rPr>
               <a:t>플레이어 이동 코드</a:t>
             </a:r>
-            <a:endParaRPr lang="ko-KR" altLang="en-US">
-              <a:solidFill>
-                <a:schemeClr val="tx1"/>
-              </a:solidFill>
-            </a:endParaRPr>
           </a:p>
         </p:txBody>
       </p:sp>
@@ -4055,11 +4057,6 @@
               </a:rPr>
               <a:t>인칭 카메라 설정</a:t>
             </a:r>
-            <a:endParaRPr lang="ko-KR" altLang="en-US">
-              <a:solidFill>
-                <a:schemeClr val="tx1"/>
-              </a:solidFill>
-            </a:endParaRPr>
           </a:p>
         </p:txBody>
       </p:sp>
@@ -4128,11 +4125,6 @@
               </a:rPr>
               <a:t>발사</a:t>
             </a:r>
-            <a:endParaRPr lang="ko-KR" altLang="en-US">
-              <a:solidFill>
-                <a:schemeClr val="tx1"/>
-              </a:solidFill>
-            </a:endParaRPr>
           </a:p>
         </p:txBody>
       </p:sp>
@@ -4185,11 +4177,6 @@
               </a:rPr>
               <a:t>로직 구현</a:t>
             </a:r>
-            <a:endParaRPr lang="ko-KR" altLang="en-US">
-              <a:solidFill>
-                <a:schemeClr val="tx1"/>
-              </a:solidFill>
-            </a:endParaRPr>
           </a:p>
         </p:txBody>
       </p:sp>
@@ -4242,11 +4229,6 @@
               </a:rPr>
               <a:t>적 구현</a:t>
             </a:r>
-            <a:endParaRPr lang="ko-KR" altLang="en-US">
-              <a:solidFill>
-                <a:schemeClr val="tx1"/>
-              </a:solidFill>
-            </a:endParaRPr>
           </a:p>
         </p:txBody>
       </p:sp>
@@ -4299,11 +4281,6 @@
               </a:rPr>
               <a:t>맵 구현</a:t>
             </a:r>
-            <a:endParaRPr lang="ko-KR" altLang="en-US">
-              <a:solidFill>
-                <a:schemeClr val="tx1"/>
-              </a:solidFill>
-            </a:endParaRPr>
           </a:p>
         </p:txBody>
       </p:sp>
@@ -4338,7 +4315,6 @@
               <a:rPr lang="ko-KR" altLang="en-US" sz="1200"/>
               <a:t>플레이어 뼈대에 맞게끔 총기 위치 조정</a:t>
             </a:r>
-            <a:endParaRPr lang="ko-KR" altLang="en-US" sz="1200"/>
           </a:p>
           <a:p>
             <a:pPr marL="171450" indent="-171450">
@@ -4354,7 +4330,6 @@
               <a:rPr lang="ko-KR" altLang="en-US" sz="1200"/>
               <a:t>인칭 시야에서 보이는 총 조정</a:t>
             </a:r>
-            <a:endParaRPr lang="ko-KR" altLang="en-US" sz="1200"/>
           </a:p>
         </p:txBody>
       </p:sp>
@@ -4449,7 +4424,6 @@
               <a:rPr lang="ko-KR" altLang="en-US" sz="1200"/>
               <a:t>재생성</a:t>
             </a:r>
-            <a:endParaRPr lang="ko-KR" altLang="en-US" sz="1200"/>
           </a:p>
           <a:p>
             <a:pPr marL="171450" indent="-171450">
@@ -4489,7 +4463,6 @@
               <a:rPr lang="ko-KR" altLang="en-US" sz="1200"/>
               <a:t> 박스 그랩</a:t>
             </a:r>
-            <a:endParaRPr lang="ko-KR" altLang="en-US" sz="1200"/>
           </a:p>
           <a:p>
             <a:pPr marL="171450" indent="-171450">
@@ -4501,7 +4474,6 @@
               <a:rPr lang="ko-KR" altLang="en-US" sz="1200"/>
               <a:t>박스 버튼 위에 올려두면 버튼 작동</a:t>
             </a:r>
-            <a:endParaRPr lang="ko-KR" altLang="en-US" sz="1200"/>
           </a:p>
         </p:txBody>
       </p:sp>
@@ -4564,7 +4536,6 @@
               <a:rPr lang="en-US" altLang="ko-KR" sz="1200"/>
               <a:t>)</a:t>
             </a:r>
-            <a:endParaRPr lang="en-US" altLang="ko-KR" sz="1200"/>
           </a:p>
         </p:txBody>
       </p:sp>
@@ -4603,7 +4574,6 @@
               <a:rPr lang="ko-KR" altLang="en-US" sz="1200"/>
               <a:t> 카메라</a:t>
             </a:r>
-            <a:endParaRPr lang="ko-KR" altLang="en-US" sz="1200"/>
           </a:p>
         </p:txBody>
       </p:sp>
@@ -4638,7 +4608,6 @@
               <a:rPr lang="ko-KR" altLang="en-US" sz="1200"/>
               <a:t>플레이어 이동</a:t>
             </a:r>
-            <a:endParaRPr lang="ko-KR" altLang="en-US" sz="1200"/>
           </a:p>
           <a:p>
             <a:pPr marL="171450" indent="-171450">
@@ -4659,61 +4628,336 @@
   <p:clrMapOvr>
     <a:masterClrMapping/>
   </p:clrMapOvr>
-  <mc:AlternateContent xmlns:mc="http://schemas.openxmlformats.org/markup-compatibility/2006">
-    <mc:Choice xmlns:p14="http://schemas.microsoft.com/office/powerpoint/2010/main" Requires="p14">
-      <p:transition xmlns:mc="http://schemas.openxmlformats.org/markup-compatibility/2006" xmlns:p14="http://schemas.microsoft.com/office/powerpoint/2010/main" mc:Ignorable="p14" p14:dur="500"/>
+  <mc:AlternateContent xmlns:mc="http://schemas.openxmlformats.org/markup-compatibility/2006" xmlns:p14="http://schemas.microsoft.com/office/powerpoint/2010/main">
+    <mc:Choice Requires="p14">
+      <p:transition/>
     </mc:Choice>
-    <mc:Fallback>
+    <mc:Fallback xmlns:dsp="http://schemas.microsoft.com/office/drawing/2008/diagram" xmlns:dgm="http://schemas.openxmlformats.org/drawingml/2006/diagram" xmlns:c="http://schemas.openxmlformats.org/drawingml/2006/chart" xmlns="">
       <p:transition/>
     </mc:Fallback>
   </mc:AlternateContent>
 </p:sld>
 </file>
 
+<file path=ppt/slides/slide8.xml><?xml version="1.0" encoding="utf-8"?>
+<p:sld xmlns:a="http://schemas.openxmlformats.org/drawingml/2006/main" xmlns:r="http://schemas.openxmlformats.org/officeDocument/2006/relationships" xmlns:p="http://schemas.openxmlformats.org/presentationml/2006/main">
+  <p:cSld>
+    <p:spTree>
+      <p:nvGrpSpPr>
+        <p:cNvPr id="1" name=""/>
+        <p:cNvGrpSpPr/>
+        <p:nvPr/>
+      </p:nvGrpSpPr>
+      <p:grpSpPr>
+        <a:xfrm>
+          <a:off x="0" y="0"/>
+          <a:ext cx="0" cy="0"/>
+          <a:chOff x="0" y="0"/>
+          <a:chExt cx="0" cy="0"/>
+        </a:xfrm>
+      </p:grpSpPr>
+      <p:sp>
+        <p:nvSpPr>
+          <p:cNvPr id="4" name="TextBox 3">
+            <a:extLst>
+              <a:ext uri="{FF2B5EF4-FFF2-40B4-BE49-F238E27FC236}">
+                <a16:creationId xmlns:a16="http://schemas.microsoft.com/office/drawing/2014/main" id="{1571E6E3-791A-4B5A-95AD-449DB877DEAB}"/>
+              </a:ext>
+            </a:extLst>
+          </p:cNvPr>
+          <p:cNvSpPr txBox="1"/>
+          <p:nvPr/>
+        </p:nvSpPr>
+        <p:spPr>
+          <a:xfrm>
+            <a:off x="453006" y="385894"/>
+            <a:ext cx="912366" cy="369332"/>
+          </a:xfrm>
+          <a:prstGeom prst="rect">
+            <a:avLst/>
+          </a:prstGeom>
+          <a:noFill/>
+        </p:spPr>
+        <p:txBody>
+          <a:bodyPr wrap="none" rtlCol="0">
+            <a:spAutoFit/>
+          </a:bodyPr>
+          <a:lstStyle/>
+          <a:p>
+            <a:r>
+              <a:rPr lang="en-US" altLang="ko-KR" dirty="0"/>
+              <a:t>To do :</a:t>
+            </a:r>
+            <a:endParaRPr lang="ko-KR" altLang="en-US" dirty="0"/>
+          </a:p>
+        </p:txBody>
+      </p:sp>
+      <p:sp>
+        <p:nvSpPr>
+          <p:cNvPr id="5" name="TextBox 4">
+            <a:extLst>
+              <a:ext uri="{FF2B5EF4-FFF2-40B4-BE49-F238E27FC236}">
+                <a16:creationId xmlns:a16="http://schemas.microsoft.com/office/drawing/2014/main" id="{93B16ED1-B962-4E34-B428-394CD1C78B86}"/>
+              </a:ext>
+            </a:extLst>
+          </p:cNvPr>
+          <p:cNvSpPr txBox="1"/>
+          <p:nvPr/>
+        </p:nvSpPr>
+        <p:spPr>
+          <a:xfrm>
+            <a:off x="453006" y="1082180"/>
+            <a:ext cx="11132190" cy="3293209"/>
+          </a:xfrm>
+          <a:prstGeom prst="rect">
+            <a:avLst/>
+          </a:prstGeom>
+          <a:noFill/>
+        </p:spPr>
+        <p:txBody>
+          <a:bodyPr wrap="square" rtlCol="0">
+            <a:spAutoFit/>
+          </a:bodyPr>
+          <a:lstStyle/>
+          <a:p>
+            <a:r>
+              <a:rPr lang="ko-KR" altLang="en-US" sz="1600" dirty="0"/>
+              <a:t>플레이어 </a:t>
+            </a:r>
+            <a:r>
+              <a:rPr lang="en-US" altLang="ko-KR" sz="1600" dirty="0" err="1"/>
+              <a:t>wasd</a:t>
+            </a:r>
+            <a:r>
+              <a:rPr lang="en-US" altLang="ko-KR" sz="1600" dirty="0"/>
+              <a:t>  </a:t>
+            </a:r>
+            <a:r>
+              <a:rPr lang="ko-KR" altLang="en-US" sz="1600" dirty="0"/>
+              <a:t>이동</a:t>
+            </a:r>
+            <a:r>
+              <a:rPr lang="en-US" altLang="ko-KR" sz="1600" dirty="0"/>
+              <a:t>, </a:t>
+            </a:r>
+            <a:r>
+              <a:rPr lang="ko-KR" altLang="en-US" sz="1600" dirty="0"/>
+              <a:t>점프 </a:t>
+            </a:r>
+            <a:r>
+              <a:rPr lang="en-US" altLang="ko-KR" sz="1600" dirty="0"/>
+              <a:t>			--------------</a:t>
+            </a:r>
+            <a:r>
+              <a:rPr lang="en-US" altLang="ko-KR" sz="1600" dirty="0">
+                <a:sym typeface="Wingdings" panose="05000000000000000000" pitchFamily="2" charset="2"/>
+              </a:rPr>
+              <a:t>          0</a:t>
+            </a:r>
+            <a:endParaRPr lang="en-US" altLang="ko-KR" sz="1600" dirty="0"/>
+          </a:p>
+          <a:p>
+            <a:r>
+              <a:rPr lang="en-US" altLang="ko-KR" sz="1600" dirty="0"/>
+              <a:t>	 </a:t>
+            </a:r>
+          </a:p>
+          <a:p>
+            <a:r>
+              <a:rPr lang="ko-KR" altLang="en-US" sz="1600" dirty="0"/>
+              <a:t>포탈 로직 구현</a:t>
+            </a:r>
+            <a:r>
+              <a:rPr lang="en-US" altLang="ko-KR" sz="1600" dirty="0"/>
+              <a:t>				--------------</a:t>
+            </a:r>
+            <a:r>
+              <a:rPr lang="en-US" altLang="ko-KR" sz="1600" dirty="0">
+                <a:sym typeface="Wingdings" panose="05000000000000000000" pitchFamily="2" charset="2"/>
+              </a:rPr>
+              <a:t>          0</a:t>
+            </a:r>
+            <a:endParaRPr lang="en-US" altLang="ko-KR" sz="1600" dirty="0"/>
+          </a:p>
+          <a:p>
+            <a:endParaRPr lang="en-US" altLang="ko-KR" sz="1600" dirty="0"/>
+          </a:p>
+          <a:p>
+            <a:r>
+              <a:rPr lang="ko-KR" altLang="en-US" sz="1600" dirty="0"/>
+              <a:t>포탈 건 생성 </a:t>
+            </a:r>
+            <a:r>
+              <a:rPr lang="en-US" altLang="ko-KR" sz="1600" dirty="0"/>
+              <a:t>				--------------</a:t>
+            </a:r>
+            <a:r>
+              <a:rPr lang="en-US" altLang="ko-KR" sz="1600" dirty="0">
+                <a:sym typeface="Wingdings" panose="05000000000000000000" pitchFamily="2" charset="2"/>
+              </a:rPr>
+              <a:t>          </a:t>
+            </a:r>
+            <a:endParaRPr lang="en-US" altLang="ko-KR" sz="1600" dirty="0"/>
+          </a:p>
+          <a:p>
+            <a:endParaRPr lang="en-US" altLang="ko-KR" sz="1600" dirty="0"/>
+          </a:p>
+          <a:p>
+            <a:r>
+              <a:rPr lang="ko-KR" altLang="en-US" sz="1600" dirty="0" err="1"/>
+              <a:t>그랩</a:t>
+            </a:r>
+            <a:r>
+              <a:rPr lang="ko-KR" altLang="en-US" sz="1600" dirty="0"/>
+              <a:t> 기능 </a:t>
+            </a:r>
+            <a:r>
+              <a:rPr lang="en-US" altLang="ko-KR" sz="1600" dirty="0"/>
+              <a:t>				--------------</a:t>
+            </a:r>
+            <a:r>
+              <a:rPr lang="en-US" altLang="ko-KR" sz="1600" dirty="0">
+                <a:sym typeface="Wingdings" panose="05000000000000000000" pitchFamily="2" charset="2"/>
+              </a:rPr>
+              <a:t></a:t>
+            </a:r>
+            <a:endParaRPr lang="en-US" altLang="ko-KR" sz="1600" dirty="0"/>
+          </a:p>
+          <a:p>
+            <a:endParaRPr lang="en-US" altLang="ko-KR" sz="1600" dirty="0"/>
+          </a:p>
+          <a:p>
+            <a:r>
+              <a:rPr lang="en-US" altLang="ko-KR" sz="1600" dirty="0"/>
+              <a:t>UI (</a:t>
+            </a:r>
+            <a:r>
+              <a:rPr lang="ko-KR" altLang="en-US" sz="1600" dirty="0" err="1"/>
+              <a:t>조준점</a:t>
+            </a:r>
+            <a:r>
+              <a:rPr lang="ko-KR" altLang="en-US" sz="1600" dirty="0"/>
+              <a:t> 포탈 파랑 주황 색 모양</a:t>
+            </a:r>
+            <a:r>
+              <a:rPr lang="en-US" altLang="ko-KR" sz="1600" dirty="0"/>
+              <a:t>)</a:t>
+            </a:r>
+            <a:r>
+              <a:rPr lang="ko-KR" altLang="en-US" sz="1600" dirty="0"/>
+              <a:t> </a:t>
+            </a:r>
+            <a:r>
+              <a:rPr lang="en-US" altLang="ko-KR" sz="1600" dirty="0"/>
+              <a:t>		--------------</a:t>
+            </a:r>
+            <a:r>
+              <a:rPr lang="en-US" altLang="ko-KR" sz="1600" dirty="0">
+                <a:sym typeface="Wingdings" panose="05000000000000000000" pitchFamily="2" charset="2"/>
+              </a:rPr>
+              <a:t></a:t>
+            </a:r>
+          </a:p>
+          <a:p>
+            <a:endParaRPr lang="en-US" altLang="ko-KR" sz="1600" dirty="0">
+              <a:sym typeface="Wingdings" panose="05000000000000000000" pitchFamily="2" charset="2"/>
+            </a:endParaRPr>
+          </a:p>
+          <a:p>
+            <a:r>
+              <a:rPr lang="ko-KR" altLang="en-US" sz="1600" dirty="0">
+                <a:sym typeface="Wingdings" panose="05000000000000000000" pitchFamily="2" charset="2"/>
+              </a:rPr>
+              <a:t>맵 생성</a:t>
+            </a:r>
+            <a:r>
+              <a:rPr lang="en-US" altLang="ko-KR" sz="1600" dirty="0">
+                <a:sym typeface="Wingdings" panose="05000000000000000000" pitchFamily="2" charset="2"/>
+              </a:rPr>
+              <a:t>					--------------</a:t>
+            </a:r>
+          </a:p>
+          <a:p>
+            <a:endParaRPr lang="en-US" altLang="ko-KR" sz="1600" dirty="0">
+              <a:sym typeface="Wingdings" panose="05000000000000000000" pitchFamily="2" charset="2"/>
+            </a:endParaRPr>
+          </a:p>
+          <a:p>
+            <a:r>
+              <a:rPr lang="ko-KR" altLang="en-US" sz="1600" dirty="0" err="1"/>
+              <a:t>터렛</a:t>
+            </a:r>
+            <a:r>
+              <a:rPr lang="en-US" altLang="ko-KR" sz="1600" dirty="0"/>
+              <a:t>					--------------</a:t>
+            </a:r>
+            <a:r>
+              <a:rPr lang="en-US" altLang="ko-KR" sz="1600" dirty="0">
+                <a:sym typeface="Wingdings" panose="05000000000000000000" pitchFamily="2" charset="2"/>
+              </a:rPr>
+              <a:t></a:t>
+            </a:r>
+            <a:endParaRPr lang="ko-KR" altLang="en-US" sz="1600" dirty="0"/>
+          </a:p>
+        </p:txBody>
+      </p:sp>
+    </p:spTree>
+    <p:extLst>
+      <p:ext uri="{BB962C8B-B14F-4D97-AF65-F5344CB8AC3E}">
+        <p14:creationId xmlns:p14="http://schemas.microsoft.com/office/powerpoint/2010/main" val="1982510559"/>
+      </p:ext>
+    </p:extLst>
+  </p:cSld>
+  <p:clrMapOvr>
+    <a:masterClrMapping/>
+  </p:clrMapOvr>
+</p:sld>
+</file>
+
 <file path=ppt/theme/theme1.xml><?xml version="1.0" encoding="utf-8"?>
-<a:theme xmlns:r="http://schemas.openxmlformats.org/officeDocument/2006/relationships" xmlns:c="http://schemas.openxmlformats.org/drawingml/2006/chart" xmlns:dgm="http://schemas.openxmlformats.org/drawingml/2006/diagram" xmlns:dsp="http://schemas.microsoft.com/office/drawing/2008/diagram" xmlns:a="http://schemas.openxmlformats.org/drawingml/2006/main" xmlns:pic="http://schemas.openxmlformats.org/drawingml/2006/picture" xmlns:wp="http://schemas.openxmlformats.org/drawingml/2006/wordprocessingDrawing" xmlns:xdr="http://schemas.openxmlformats.org/drawingml/2006/spreadsheetDrawing" name="Office 테마">
+<a:theme xmlns:a="http://schemas.openxmlformats.org/drawingml/2006/main" name="Office 테마">
   <a:themeElements>
     <a:clrScheme name="Office">
       <a:dk1>
         <a:sysClr val="windowText" lastClr="000000"/>
       </a:dk1>
       <a:lt1>
-        <a:sysClr val="window" lastClr="ffffff"/>
+        <a:sysClr val="window" lastClr="FFFFFF"/>
       </a:lt1>
       <a:dk2>
-        <a:srgbClr val="44546a"/>
+        <a:srgbClr val="44546A"/>
       </a:dk2>
       <a:lt2>
-        <a:srgbClr val="e7e6e6"/>
+        <a:srgbClr val="E7E6E6"/>
       </a:lt2>
       <a:accent1>
-        <a:srgbClr val="4472c4"/>
+        <a:srgbClr val="4472C4"/>
       </a:accent1>
       <a:accent2>
-        <a:srgbClr val="ed7d31"/>
+        <a:srgbClr val="ED7D31"/>
       </a:accent2>
       <a:accent3>
-        <a:srgbClr val="a5a5a5"/>
+        <a:srgbClr val="A5A5A5"/>
       </a:accent3>
       <a:accent4>
-        <a:srgbClr val="ffc000"/>
+        <a:srgbClr val="FFC000"/>
       </a:accent4>
       <a:accent5>
-        <a:srgbClr val="5b9bd5"/>
+        <a:srgbClr val="5B9BD5"/>
       </a:accent5>
       <a:accent6>
-        <a:srgbClr val="70ad47"/>
+        <a:srgbClr val="70AD47"/>
       </a:accent6>
       <a:hlink>
-        <a:srgbClr val="0563c1"/>
+        <a:srgbClr val="0563C1"/>
       </a:hlink>
       <a:folHlink>
-        <a:srgbClr val="954f72"/>
+        <a:srgbClr val="954F72"/>
       </a:folHlink>
     </a:clrScheme>
     <a:fontScheme name="Office">
       <a:majorFont>
-        <a:latin typeface="맑은 고딕" panose="20"/>
+        <a:latin typeface="맑은 고딕" panose="20000000000000000000"/>
         <a:ea typeface=""/>
         <a:cs typeface=""/>
         <a:font script="Jpan" typeface="Yu Gothic Light"/>
@@ -4765,7 +5009,7 @@
         <a:font script="Tfng" typeface="Ebrima"/>
       </a:majorFont>
       <a:minorFont>
-        <a:latin typeface="맑은 고딕" panose="20"/>
+        <a:latin typeface="맑은 고딕" panose="20000000000000000000"/>
         <a:ea typeface=""/>
         <a:cs typeface=""/>
         <a:font script="Jpan" typeface="Yu Gothic"/>
@@ -4955,5 +5199,7 @@
       </a:bgFillStyleLst>
     </a:fmtScheme>
   </a:themeElements>
+  <a:objectDefaults/>
+  <a:extraClrSchemeLst/>
 </a:theme>
 </file>
--- a/Assets/PROJECT UST/Anothers/ppt.pptx
+++ b/Assets/PROJECT UST/Anothers/ppt.pptx
@@ -9,10 +9,13 @@
     <p:sldId id="257" r:id="rId3"/>
     <p:sldId id="258" r:id="rId4"/>
     <p:sldId id="259" r:id="rId5"/>
-    <p:sldId id="260" r:id="rId6"/>
-    <p:sldId id="261" r:id="rId7"/>
-    <p:sldId id="262" r:id="rId8"/>
-    <p:sldId id="263" r:id="rId9"/>
+    <p:sldId id="266" r:id="rId6"/>
+    <p:sldId id="260" r:id="rId7"/>
+    <p:sldId id="261" r:id="rId8"/>
+    <p:sldId id="264" r:id="rId9"/>
+    <p:sldId id="265" r:id="rId10"/>
+    <p:sldId id="262" r:id="rId11"/>
+    <p:sldId id="263" r:id="rId12"/>
   </p:sldIdLst>
   <p:sldSz cx="12192000" cy="6858000"/>
   <p:notesSz cx="6858000" cy="9144000"/>
@@ -3418,6 +3421,989 @@
 </p:sld>
 </file>
 
+<file path=ppt/slides/slide10.xml><?xml version="1.0" encoding="utf-8"?>
+<p:sld xmlns:a="http://schemas.openxmlformats.org/drawingml/2006/main" xmlns:r="http://schemas.openxmlformats.org/officeDocument/2006/relationships" xmlns:p="http://schemas.openxmlformats.org/presentationml/2006/main">
+  <p:cSld>
+    <p:spTree>
+      <p:nvGrpSpPr>
+        <p:cNvPr id="1" name=""/>
+        <p:cNvGrpSpPr/>
+        <p:nvPr/>
+      </p:nvGrpSpPr>
+      <p:grpSpPr>
+        <a:xfrm>
+          <a:off x="0" y="0"/>
+          <a:ext cx="0" cy="0"/>
+          <a:chOff x="0" y="0"/>
+          <a:chExt cx="0" cy="0"/>
+        </a:xfrm>
+      </p:grpSpPr>
+      <p:sp>
+        <p:nvSpPr>
+          <p:cNvPr id="6" name="직사각형 5"/>
+          <p:cNvSpPr/>
+          <p:nvPr/>
+        </p:nvSpPr>
+        <p:spPr>
+          <a:xfrm>
+            <a:off x="654341" y="931395"/>
+            <a:ext cx="2617366" cy="570451"/>
+          </a:xfrm>
+          <a:prstGeom prst="rect">
+            <a:avLst/>
+          </a:prstGeom>
+          <a:solidFill>
+            <a:schemeClr val="bg1"/>
+          </a:solidFill>
+        </p:spPr>
+        <p:style>
+          <a:lnRef idx="2">
+            <a:schemeClr val="accent1">
+              <a:shade val="50000"/>
+            </a:schemeClr>
+          </a:lnRef>
+          <a:fillRef idx="1">
+            <a:schemeClr val="accent1"/>
+          </a:fillRef>
+          <a:effectRef idx="0">
+            <a:schemeClr val="accent1"/>
+          </a:effectRef>
+          <a:fontRef idx="minor">
+            <a:schemeClr val="lt1"/>
+          </a:fontRef>
+        </p:style>
+        <p:txBody>
+          <a:bodyPr anchor="ctr"/>
+          <a:lstStyle/>
+          <a:p>
+            <a:pPr algn="ctr">
+              <a:defRPr/>
+            </a:pPr>
+            <a:r>
+              <a:rPr lang="ko-KR" altLang="en-US">
+                <a:solidFill>
+                  <a:schemeClr val="tx1"/>
+                </a:solidFill>
+              </a:rPr>
+              <a:t>플레이어 이동 코드</a:t>
+            </a:r>
+          </a:p>
+        </p:txBody>
+      </p:sp>
+      <p:sp>
+        <p:nvSpPr>
+          <p:cNvPr id="14" name="직사각형 13"/>
+          <p:cNvSpPr/>
+          <p:nvPr/>
+        </p:nvSpPr>
+        <p:spPr>
+          <a:xfrm>
+            <a:off x="654341" y="1721359"/>
+            <a:ext cx="2617366" cy="570451"/>
+          </a:xfrm>
+          <a:prstGeom prst="rect">
+            <a:avLst/>
+          </a:prstGeom>
+          <a:solidFill>
+            <a:schemeClr val="bg1"/>
+          </a:solidFill>
+        </p:spPr>
+        <p:style>
+          <a:lnRef idx="2">
+            <a:schemeClr val="accent1">
+              <a:shade val="50000"/>
+            </a:schemeClr>
+          </a:lnRef>
+          <a:fillRef idx="1">
+            <a:schemeClr val="accent1"/>
+          </a:fillRef>
+          <a:effectRef idx="0">
+            <a:schemeClr val="accent1"/>
+          </a:effectRef>
+          <a:fontRef idx="minor">
+            <a:schemeClr val="lt1"/>
+          </a:fontRef>
+        </p:style>
+        <p:txBody>
+          <a:bodyPr anchor="ctr"/>
+          <a:lstStyle/>
+          <a:p>
+            <a:pPr algn="ctr">
+              <a:defRPr/>
+            </a:pPr>
+            <a:r>
+              <a:rPr lang="en-US" altLang="ko-KR">
+                <a:solidFill>
+                  <a:schemeClr val="tx1"/>
+                </a:solidFill>
+              </a:rPr>
+              <a:t>1</a:t>
+            </a:r>
+            <a:r>
+              <a:rPr lang="ko-KR" altLang="en-US">
+                <a:solidFill>
+                  <a:schemeClr val="tx1"/>
+                </a:solidFill>
+              </a:rPr>
+              <a:t>인칭 카메라 설정</a:t>
+            </a:r>
+          </a:p>
+        </p:txBody>
+      </p:sp>
+      <p:sp>
+        <p:nvSpPr>
+          <p:cNvPr id="17" name="직사각형 16"/>
+          <p:cNvSpPr/>
+          <p:nvPr/>
+        </p:nvSpPr>
+        <p:spPr>
+          <a:xfrm>
+            <a:off x="654341" y="2511323"/>
+            <a:ext cx="2617366" cy="570451"/>
+          </a:xfrm>
+          <a:prstGeom prst="rect">
+            <a:avLst/>
+          </a:prstGeom>
+          <a:solidFill>
+            <a:schemeClr val="bg1"/>
+          </a:solidFill>
+        </p:spPr>
+        <p:style>
+          <a:lnRef idx="2">
+            <a:schemeClr val="accent1">
+              <a:shade val="50000"/>
+            </a:schemeClr>
+          </a:lnRef>
+          <a:fillRef idx="1">
+            <a:schemeClr val="accent1"/>
+          </a:fillRef>
+          <a:effectRef idx="0">
+            <a:schemeClr val="accent1"/>
+          </a:effectRef>
+          <a:fontRef idx="minor">
+            <a:schemeClr val="lt1"/>
+          </a:fontRef>
+        </p:style>
+        <p:txBody>
+          <a:bodyPr anchor="ctr"/>
+          <a:lstStyle/>
+          <a:p>
+            <a:pPr algn="ctr">
+              <a:defRPr/>
+            </a:pPr>
+            <a:r>
+              <a:rPr lang="ko-KR" altLang="en-US">
+                <a:solidFill>
+                  <a:schemeClr val="tx1"/>
+                </a:solidFill>
+              </a:rPr>
+              <a:t>총기 부착 </a:t>
+            </a:r>
+            <a:r>
+              <a:rPr lang="en-US" altLang="ko-KR">
+                <a:solidFill>
+                  <a:schemeClr val="tx1"/>
+                </a:solidFill>
+              </a:rPr>
+              <a:t>+ </a:t>
+            </a:r>
+            <a:r>
+              <a:rPr lang="ko-KR" altLang="en-US">
+                <a:solidFill>
+                  <a:schemeClr val="tx1"/>
+                </a:solidFill>
+              </a:rPr>
+              <a:t>발사</a:t>
+            </a:r>
+          </a:p>
+        </p:txBody>
+      </p:sp>
+      <p:sp>
+        <p:nvSpPr>
+          <p:cNvPr id="18" name="직사각형 17"/>
+          <p:cNvSpPr/>
+          <p:nvPr/>
+        </p:nvSpPr>
+        <p:spPr>
+          <a:xfrm>
+            <a:off x="654341" y="3301287"/>
+            <a:ext cx="2617366" cy="570451"/>
+          </a:xfrm>
+          <a:prstGeom prst="rect">
+            <a:avLst/>
+          </a:prstGeom>
+          <a:solidFill>
+            <a:schemeClr val="bg1"/>
+          </a:solidFill>
+        </p:spPr>
+        <p:style>
+          <a:lnRef idx="2">
+            <a:schemeClr val="accent1">
+              <a:shade val="50000"/>
+            </a:schemeClr>
+          </a:lnRef>
+          <a:fillRef idx="1">
+            <a:schemeClr val="accent1"/>
+          </a:fillRef>
+          <a:effectRef idx="0">
+            <a:schemeClr val="accent1"/>
+          </a:effectRef>
+          <a:fontRef idx="minor">
+            <a:schemeClr val="lt1"/>
+          </a:fontRef>
+        </p:style>
+        <p:txBody>
+          <a:bodyPr anchor="ctr"/>
+          <a:lstStyle/>
+          <a:p>
+            <a:pPr algn="ctr">
+              <a:defRPr/>
+            </a:pPr>
+            <a:r>
+              <a:rPr lang="ko-KR" altLang="en-US">
+                <a:solidFill>
+                  <a:schemeClr val="tx1"/>
+                </a:solidFill>
+              </a:rPr>
+              <a:t>로직 구현</a:t>
+            </a:r>
+          </a:p>
+        </p:txBody>
+      </p:sp>
+      <p:sp>
+        <p:nvSpPr>
+          <p:cNvPr id="19" name="직사각형 18"/>
+          <p:cNvSpPr/>
+          <p:nvPr/>
+        </p:nvSpPr>
+        <p:spPr>
+          <a:xfrm>
+            <a:off x="654341" y="4091251"/>
+            <a:ext cx="2617366" cy="570451"/>
+          </a:xfrm>
+          <a:prstGeom prst="rect">
+            <a:avLst/>
+          </a:prstGeom>
+          <a:solidFill>
+            <a:schemeClr val="bg1"/>
+          </a:solidFill>
+        </p:spPr>
+        <p:style>
+          <a:lnRef idx="2">
+            <a:schemeClr val="accent1">
+              <a:shade val="50000"/>
+            </a:schemeClr>
+          </a:lnRef>
+          <a:fillRef idx="1">
+            <a:schemeClr val="accent1"/>
+          </a:fillRef>
+          <a:effectRef idx="0">
+            <a:schemeClr val="accent1"/>
+          </a:effectRef>
+          <a:fontRef idx="minor">
+            <a:schemeClr val="lt1"/>
+          </a:fontRef>
+        </p:style>
+        <p:txBody>
+          <a:bodyPr anchor="ctr"/>
+          <a:lstStyle/>
+          <a:p>
+            <a:pPr algn="ctr">
+              <a:defRPr/>
+            </a:pPr>
+            <a:r>
+              <a:rPr lang="ko-KR" altLang="en-US">
+                <a:solidFill>
+                  <a:schemeClr val="tx1"/>
+                </a:solidFill>
+              </a:rPr>
+              <a:t>적 구현</a:t>
+            </a:r>
+          </a:p>
+        </p:txBody>
+      </p:sp>
+      <p:sp>
+        <p:nvSpPr>
+          <p:cNvPr id="20" name="직사각형 19"/>
+          <p:cNvSpPr/>
+          <p:nvPr/>
+        </p:nvSpPr>
+        <p:spPr>
+          <a:xfrm>
+            <a:off x="654341" y="4881215"/>
+            <a:ext cx="2617366" cy="570451"/>
+          </a:xfrm>
+          <a:prstGeom prst="rect">
+            <a:avLst/>
+          </a:prstGeom>
+          <a:solidFill>
+            <a:schemeClr val="bg1"/>
+          </a:solidFill>
+        </p:spPr>
+        <p:style>
+          <a:lnRef idx="2">
+            <a:schemeClr val="accent1">
+              <a:shade val="50000"/>
+            </a:schemeClr>
+          </a:lnRef>
+          <a:fillRef idx="1">
+            <a:schemeClr val="accent1"/>
+          </a:fillRef>
+          <a:effectRef idx="0">
+            <a:schemeClr val="accent1"/>
+          </a:effectRef>
+          <a:fontRef idx="minor">
+            <a:schemeClr val="lt1"/>
+          </a:fontRef>
+        </p:style>
+        <p:txBody>
+          <a:bodyPr anchor="ctr"/>
+          <a:lstStyle/>
+          <a:p>
+            <a:pPr algn="ctr">
+              <a:defRPr/>
+            </a:pPr>
+            <a:r>
+              <a:rPr lang="ko-KR" altLang="en-US">
+                <a:solidFill>
+                  <a:schemeClr val="tx1"/>
+                </a:solidFill>
+              </a:rPr>
+              <a:t>맵 구현</a:t>
+            </a:r>
+          </a:p>
+        </p:txBody>
+      </p:sp>
+      <p:sp>
+        <p:nvSpPr>
+          <p:cNvPr id="23" name="TextBox 22"/>
+          <p:cNvSpPr txBox="1"/>
+          <p:nvPr/>
+        </p:nvSpPr>
+        <p:spPr>
+          <a:xfrm>
+            <a:off x="3624044" y="2511323"/>
+            <a:ext cx="3068220" cy="449046"/>
+          </a:xfrm>
+          <a:prstGeom prst="rect">
+            <a:avLst/>
+          </a:prstGeom>
+          <a:noFill/>
+        </p:spPr>
+        <p:txBody>
+          <a:bodyPr wrap="none">
+            <a:spAutoFit/>
+          </a:bodyPr>
+          <a:lstStyle/>
+          <a:p>
+            <a:pPr marL="171450" indent="-171450">
+              <a:buFontTx/>
+              <a:buChar char="-"/>
+              <a:defRPr/>
+            </a:pPr>
+            <a:r>
+              <a:rPr lang="ko-KR" altLang="en-US" sz="1200"/>
+              <a:t>플레이어 뼈대에 맞게끔 총기 위치 조정</a:t>
+            </a:r>
+          </a:p>
+          <a:p>
+            <a:pPr marL="171450" indent="-171450">
+              <a:buFontTx/>
+              <a:buChar char="-"/>
+              <a:defRPr/>
+            </a:pPr>
+            <a:r>
+              <a:rPr lang="en-US" altLang="ko-KR" sz="1200"/>
+              <a:t>1</a:t>
+            </a:r>
+            <a:r>
+              <a:rPr lang="ko-KR" altLang="en-US" sz="1200"/>
+              <a:t>인칭 시야에서 보이는 총 조정</a:t>
+            </a:r>
+          </a:p>
+        </p:txBody>
+      </p:sp>
+      <p:sp>
+        <p:nvSpPr>
+          <p:cNvPr id="24" name="TextBox 23"/>
+          <p:cNvSpPr txBox="1"/>
+          <p:nvPr/>
+        </p:nvSpPr>
+        <p:spPr>
+          <a:xfrm>
+            <a:off x="3624044" y="3301287"/>
+            <a:ext cx="5278021" cy="640158"/>
+          </a:xfrm>
+          <a:prstGeom prst="rect">
+            <a:avLst/>
+          </a:prstGeom>
+          <a:noFill/>
+        </p:spPr>
+        <p:txBody>
+          <a:bodyPr wrap="none">
+            <a:spAutoFit/>
+          </a:bodyPr>
+          <a:lstStyle/>
+          <a:p>
+            <a:pPr marL="171450" indent="-171450">
+              <a:buFontTx/>
+              <a:buChar char="-"/>
+              <a:defRPr/>
+            </a:pPr>
+            <a:r>
+              <a:rPr lang="en-US" altLang="ko-KR" sz="1200"/>
+              <a:t>(</a:t>
+            </a:r>
+            <a:r>
+              <a:rPr lang="ko-KR" altLang="en-US" sz="1200"/>
+              <a:t>포탈</a:t>
+            </a:r>
+            <a:r>
+              <a:rPr lang="en-US" altLang="ko-KR" sz="1200"/>
+              <a:t>)</a:t>
+            </a:r>
+            <a:r>
+              <a:rPr lang="ko-KR" altLang="en-US" sz="1200"/>
+              <a:t> 장전</a:t>
+            </a:r>
+            <a:r>
+              <a:rPr lang="en-US" altLang="ko-KR" sz="1200"/>
+              <a:t> x, </a:t>
+            </a:r>
+            <a:r>
+              <a:rPr lang="ko-KR" altLang="en-US" sz="1200"/>
+              <a:t>포탈 </a:t>
+            </a:r>
+            <a:r>
+              <a:rPr lang="en-US" altLang="ko-KR" sz="1200"/>
+              <a:t>(1</a:t>
+            </a:r>
+            <a:r>
+              <a:rPr lang="ko-KR" altLang="en-US" sz="1200"/>
+              <a:t>번</a:t>
+            </a:r>
+            <a:r>
+              <a:rPr lang="en-US" altLang="ko-KR" sz="1200"/>
+              <a:t>,2</a:t>
+            </a:r>
+            <a:r>
+              <a:rPr lang="ko-KR" altLang="en-US" sz="1200"/>
+              <a:t>번</a:t>
+            </a:r>
+            <a:r>
+              <a:rPr lang="en-US" altLang="ko-KR" sz="1200"/>
+              <a:t>) 2</a:t>
+            </a:r>
+            <a:r>
+              <a:rPr lang="ko-KR" altLang="en-US" sz="1200"/>
+              <a:t>번까지 쏘고 재사용 시 </a:t>
+            </a:r>
+            <a:r>
+              <a:rPr lang="en-US" altLang="ko-KR" sz="1200"/>
+              <a:t>1</a:t>
+            </a:r>
+            <a:r>
+              <a:rPr lang="ko-KR" altLang="en-US" sz="1200"/>
+              <a:t>번 소멸 </a:t>
+            </a:r>
+            <a:r>
+              <a:rPr lang="en-US" altLang="ko-KR" sz="1200"/>
+              <a:t>+ </a:t>
+            </a:r>
+            <a:r>
+              <a:rPr lang="ko-KR" altLang="en-US" sz="1200"/>
+              <a:t>재생성</a:t>
+            </a:r>
+          </a:p>
+          <a:p>
+            <a:pPr marL="171450" indent="-171450">
+              <a:buFontTx/>
+              <a:buChar char="-"/>
+              <a:defRPr/>
+            </a:pPr>
+            <a:r>
+              <a:rPr lang="en-US" altLang="ko-KR" sz="1200"/>
+              <a:t>(</a:t>
+            </a:r>
+            <a:r>
+              <a:rPr lang="ko-KR" altLang="en-US" sz="1200"/>
+              <a:t>그랩</a:t>
+            </a:r>
+            <a:r>
+              <a:rPr lang="en-US" altLang="ko-KR" sz="1200"/>
+              <a:t>)</a:t>
+            </a:r>
+            <a:r>
+              <a:rPr lang="ko-KR" altLang="en-US" sz="1200"/>
+              <a:t> 터렛 그랩</a:t>
+            </a:r>
+            <a:r>
+              <a:rPr lang="en-US" altLang="ko-KR" sz="1200"/>
+              <a:t>,</a:t>
+            </a:r>
+            <a:r>
+              <a:rPr lang="ko-KR" altLang="en-US" sz="1200"/>
+              <a:t> 감자 그랩</a:t>
+            </a:r>
+            <a:r>
+              <a:rPr lang="en-US" altLang="ko-KR" sz="1200"/>
+              <a:t>,</a:t>
+            </a:r>
+            <a:r>
+              <a:rPr lang="ko-KR" altLang="en-US" sz="1200"/>
+              <a:t> 박스 그랩</a:t>
+            </a:r>
+          </a:p>
+          <a:p>
+            <a:pPr marL="171450" indent="-171450">
+              <a:buFontTx/>
+              <a:buChar char="-"/>
+              <a:defRPr/>
+            </a:pPr>
+            <a:r>
+              <a:rPr lang="ko-KR" altLang="en-US" sz="1200"/>
+              <a:t>박스 버튼 위에 올려두면 버튼 작동</a:t>
+            </a:r>
+          </a:p>
+        </p:txBody>
+      </p:sp>
+      <p:sp>
+        <p:nvSpPr>
+          <p:cNvPr id="25" name="TextBox 24"/>
+          <p:cNvSpPr txBox="1"/>
+          <p:nvPr/>
+        </p:nvSpPr>
+        <p:spPr>
+          <a:xfrm>
+            <a:off x="3624044" y="4145643"/>
+            <a:ext cx="4068346" cy="276999"/>
+          </a:xfrm>
+          <a:prstGeom prst="rect">
+            <a:avLst/>
+          </a:prstGeom>
+          <a:noFill/>
+        </p:spPr>
+        <p:txBody>
+          <a:bodyPr wrap="none">
+            <a:spAutoFit/>
+          </a:bodyPr>
+          <a:lstStyle/>
+          <a:p>
+            <a:pPr marL="171450" indent="-171450">
+              <a:buFontTx/>
+              <a:buChar char="-"/>
+              <a:defRPr/>
+            </a:pPr>
+            <a:r>
+              <a:rPr lang="ko-KR" altLang="en-US" sz="1200"/>
+              <a:t>레이저 쏘는 터렛</a:t>
+            </a:r>
+            <a:r>
+              <a:rPr lang="en-US" altLang="ko-KR" sz="1200"/>
+              <a:t>(</a:t>
+            </a:r>
+            <a:r>
+              <a:rPr lang="ko-KR" altLang="en-US" sz="1200"/>
+              <a:t>레이저</a:t>
+            </a:r>
+            <a:r>
+              <a:rPr lang="en-US" altLang="ko-KR" sz="1200"/>
+              <a:t>(</a:t>
+            </a:r>
+            <a:r>
+              <a:rPr lang="ko-KR" altLang="en-US" sz="1200"/>
+              <a:t>기즈모</a:t>
+            </a:r>
+            <a:r>
+              <a:rPr lang="en-US" altLang="ko-KR" sz="1200"/>
+              <a:t>)</a:t>
+            </a:r>
+            <a:r>
+              <a:rPr lang="ko-KR" altLang="en-US" sz="1200"/>
+              <a:t> 에 닿으면 총알 난사</a:t>
+            </a:r>
+            <a:r>
+              <a:rPr lang="en-US" altLang="ko-KR" sz="1200"/>
+              <a:t>)</a:t>
+            </a:r>
+          </a:p>
+        </p:txBody>
+      </p:sp>
+      <p:sp>
+        <p:nvSpPr>
+          <p:cNvPr id="26" name="TextBox 25"/>
+          <p:cNvSpPr txBox="1"/>
+          <p:nvPr/>
+        </p:nvSpPr>
+        <p:spPr>
+          <a:xfrm>
+            <a:off x="3624043" y="1721359"/>
+            <a:ext cx="1077497" cy="267461"/>
+          </a:xfrm>
+          <a:prstGeom prst="rect">
+            <a:avLst/>
+          </a:prstGeom>
+          <a:noFill/>
+        </p:spPr>
+        <p:txBody>
+          <a:bodyPr wrap="none">
+            <a:spAutoFit/>
+          </a:bodyPr>
+          <a:lstStyle/>
+          <a:p>
+            <a:pPr marL="171450" indent="-171450">
+              <a:buFontTx/>
+              <a:buChar char="-"/>
+              <a:defRPr/>
+            </a:pPr>
+            <a:r>
+              <a:rPr lang="en-US" altLang="ko-KR" sz="1200"/>
+              <a:t>fps</a:t>
+            </a:r>
+            <a:r>
+              <a:rPr lang="ko-KR" altLang="en-US" sz="1200"/>
+              <a:t> 카메라</a:t>
+            </a:r>
+          </a:p>
+        </p:txBody>
+      </p:sp>
+      <p:sp>
+        <p:nvSpPr>
+          <p:cNvPr id="27" name="TextBox 26"/>
+          <p:cNvSpPr txBox="1"/>
+          <p:nvPr/>
+        </p:nvSpPr>
+        <p:spPr>
+          <a:xfrm>
+            <a:off x="3624044" y="931395"/>
+            <a:ext cx="1534696" cy="447825"/>
+          </a:xfrm>
+          <a:prstGeom prst="rect">
+            <a:avLst/>
+          </a:prstGeom>
+          <a:noFill/>
+        </p:spPr>
+        <p:txBody>
+          <a:bodyPr wrap="none">
+            <a:spAutoFit/>
+          </a:bodyPr>
+          <a:lstStyle/>
+          <a:p>
+            <a:pPr marL="171450" indent="-171450">
+              <a:buFontTx/>
+              <a:buChar char="-"/>
+              <a:defRPr/>
+            </a:pPr>
+            <a:r>
+              <a:rPr lang="ko-KR" altLang="en-US" sz="1200"/>
+              <a:t>플레이어 이동</a:t>
+            </a:r>
+          </a:p>
+          <a:p>
+            <a:pPr marL="171450" indent="-171450">
+              <a:buFontTx/>
+              <a:buChar char="-"/>
+              <a:defRPr/>
+            </a:pPr>
+            <a:r>
+              <a:rPr lang="ko-KR" altLang="en-US" sz="1200"/>
+              <a:t>애니메이션 연결 </a:t>
+            </a:r>
+            <a:endParaRPr lang="en-US" altLang="ko-KR" sz="1200"/>
+          </a:p>
+        </p:txBody>
+      </p:sp>
+    </p:spTree>
+  </p:cSld>
+  <p:clrMapOvr>
+    <a:masterClrMapping/>
+  </p:clrMapOvr>
+  <mc:AlternateContent xmlns:mc="http://schemas.openxmlformats.org/markup-compatibility/2006" xmlns:p14="http://schemas.microsoft.com/office/powerpoint/2010/main">
+    <mc:Choice Requires="p14">
+      <p:transition/>
+    </mc:Choice>
+    <mc:Fallback xmlns:dsp="http://schemas.microsoft.com/office/drawing/2008/diagram" xmlns:dgm="http://schemas.openxmlformats.org/drawingml/2006/diagram" xmlns:c="http://schemas.openxmlformats.org/drawingml/2006/chart" xmlns="">
+      <p:transition/>
+    </mc:Fallback>
+  </mc:AlternateContent>
+</p:sld>
+</file>
+
+<file path=ppt/slides/slide11.xml><?xml version="1.0" encoding="utf-8"?>
+<p:sld xmlns:a="http://schemas.openxmlformats.org/drawingml/2006/main" xmlns:r="http://schemas.openxmlformats.org/officeDocument/2006/relationships" xmlns:p="http://schemas.openxmlformats.org/presentationml/2006/main">
+  <p:cSld>
+    <p:spTree>
+      <p:nvGrpSpPr>
+        <p:cNvPr id="1" name=""/>
+        <p:cNvGrpSpPr/>
+        <p:nvPr/>
+      </p:nvGrpSpPr>
+      <p:grpSpPr>
+        <a:xfrm>
+          <a:off x="0" y="0"/>
+          <a:ext cx="0" cy="0"/>
+          <a:chOff x="0" y="0"/>
+          <a:chExt cx="0" cy="0"/>
+        </a:xfrm>
+      </p:grpSpPr>
+      <p:sp>
+        <p:nvSpPr>
+          <p:cNvPr id="4" name="TextBox 3">
+            <a:extLst>
+              <a:ext uri="{FF2B5EF4-FFF2-40B4-BE49-F238E27FC236}">
+                <a16:creationId xmlns:a16="http://schemas.microsoft.com/office/drawing/2014/main" id="{1571E6E3-791A-4B5A-95AD-449DB877DEAB}"/>
+              </a:ext>
+            </a:extLst>
+          </p:cNvPr>
+          <p:cNvSpPr txBox="1"/>
+          <p:nvPr/>
+        </p:nvSpPr>
+        <p:spPr>
+          <a:xfrm>
+            <a:off x="453006" y="385894"/>
+            <a:ext cx="912366" cy="369332"/>
+          </a:xfrm>
+          <a:prstGeom prst="rect">
+            <a:avLst/>
+          </a:prstGeom>
+          <a:noFill/>
+        </p:spPr>
+        <p:txBody>
+          <a:bodyPr wrap="none" rtlCol="0">
+            <a:spAutoFit/>
+          </a:bodyPr>
+          <a:lstStyle/>
+          <a:p>
+            <a:r>
+              <a:rPr lang="en-US" altLang="ko-KR" dirty="0"/>
+              <a:t>To do :</a:t>
+            </a:r>
+            <a:endParaRPr lang="ko-KR" altLang="en-US" dirty="0"/>
+          </a:p>
+        </p:txBody>
+      </p:sp>
+      <p:sp>
+        <p:nvSpPr>
+          <p:cNvPr id="5" name="TextBox 4">
+            <a:extLst>
+              <a:ext uri="{FF2B5EF4-FFF2-40B4-BE49-F238E27FC236}">
+                <a16:creationId xmlns:a16="http://schemas.microsoft.com/office/drawing/2014/main" id="{93B16ED1-B962-4E34-B428-394CD1C78B86}"/>
+              </a:ext>
+            </a:extLst>
+          </p:cNvPr>
+          <p:cNvSpPr txBox="1"/>
+          <p:nvPr/>
+        </p:nvSpPr>
+        <p:spPr>
+          <a:xfrm>
+            <a:off x="453006" y="1082180"/>
+            <a:ext cx="11132190" cy="3293209"/>
+          </a:xfrm>
+          <a:prstGeom prst="rect">
+            <a:avLst/>
+          </a:prstGeom>
+          <a:noFill/>
+        </p:spPr>
+        <p:txBody>
+          <a:bodyPr wrap="square" rtlCol="0">
+            <a:spAutoFit/>
+          </a:bodyPr>
+          <a:lstStyle/>
+          <a:p>
+            <a:r>
+              <a:rPr lang="ko-KR" altLang="en-US" sz="1600" dirty="0"/>
+              <a:t>플레이어 </a:t>
+            </a:r>
+            <a:r>
+              <a:rPr lang="en-US" altLang="ko-KR" sz="1600" dirty="0" err="1"/>
+              <a:t>wasd</a:t>
+            </a:r>
+            <a:r>
+              <a:rPr lang="en-US" altLang="ko-KR" sz="1600" dirty="0"/>
+              <a:t>  </a:t>
+            </a:r>
+            <a:r>
+              <a:rPr lang="ko-KR" altLang="en-US" sz="1600" dirty="0"/>
+              <a:t>이동</a:t>
+            </a:r>
+            <a:r>
+              <a:rPr lang="en-US" altLang="ko-KR" sz="1600" dirty="0"/>
+              <a:t>, </a:t>
+            </a:r>
+            <a:r>
+              <a:rPr lang="ko-KR" altLang="en-US" sz="1600" dirty="0"/>
+              <a:t>점프 </a:t>
+            </a:r>
+            <a:r>
+              <a:rPr lang="en-US" altLang="ko-KR" sz="1600" dirty="0"/>
+              <a:t>			--------------</a:t>
+            </a:r>
+            <a:r>
+              <a:rPr lang="en-US" altLang="ko-KR" sz="1600" dirty="0">
+                <a:sym typeface="Wingdings" panose="05000000000000000000" pitchFamily="2" charset="2"/>
+              </a:rPr>
+              <a:t>          0</a:t>
+            </a:r>
+            <a:endParaRPr lang="en-US" altLang="ko-KR" sz="1600" dirty="0"/>
+          </a:p>
+          <a:p>
+            <a:r>
+              <a:rPr lang="en-US" altLang="ko-KR" sz="1600" dirty="0"/>
+              <a:t>	 </a:t>
+            </a:r>
+          </a:p>
+          <a:p>
+            <a:r>
+              <a:rPr lang="ko-KR" altLang="en-US" sz="1600" dirty="0"/>
+              <a:t>포탈 로직 구현</a:t>
+            </a:r>
+            <a:r>
+              <a:rPr lang="en-US" altLang="ko-KR" sz="1600" dirty="0"/>
+              <a:t>				--------------</a:t>
+            </a:r>
+            <a:r>
+              <a:rPr lang="en-US" altLang="ko-KR" sz="1600" dirty="0">
+                <a:sym typeface="Wingdings" panose="05000000000000000000" pitchFamily="2" charset="2"/>
+              </a:rPr>
+              <a:t>          0</a:t>
+            </a:r>
+            <a:endParaRPr lang="en-US" altLang="ko-KR" sz="1600" dirty="0"/>
+          </a:p>
+          <a:p>
+            <a:endParaRPr lang="en-US" altLang="ko-KR" sz="1600" dirty="0"/>
+          </a:p>
+          <a:p>
+            <a:r>
+              <a:rPr lang="ko-KR" altLang="en-US" sz="1600" dirty="0"/>
+              <a:t>포탈 건 생성 </a:t>
+            </a:r>
+            <a:r>
+              <a:rPr lang="en-US" altLang="ko-KR" sz="1600" dirty="0"/>
+              <a:t>				--------------</a:t>
+            </a:r>
+            <a:r>
+              <a:rPr lang="en-US" altLang="ko-KR" sz="1600" dirty="0">
+                <a:sym typeface="Wingdings" panose="05000000000000000000" pitchFamily="2" charset="2"/>
+              </a:rPr>
+              <a:t>          </a:t>
+            </a:r>
+            <a:endParaRPr lang="en-US" altLang="ko-KR" sz="1600" dirty="0"/>
+          </a:p>
+          <a:p>
+            <a:endParaRPr lang="en-US" altLang="ko-KR" sz="1600" dirty="0"/>
+          </a:p>
+          <a:p>
+            <a:r>
+              <a:rPr lang="ko-KR" altLang="en-US" sz="1600" dirty="0" err="1"/>
+              <a:t>그랩</a:t>
+            </a:r>
+            <a:r>
+              <a:rPr lang="ko-KR" altLang="en-US" sz="1600" dirty="0"/>
+              <a:t> 기능 </a:t>
+            </a:r>
+            <a:r>
+              <a:rPr lang="en-US" altLang="ko-KR" sz="1600" dirty="0"/>
+              <a:t>				--------------</a:t>
+            </a:r>
+            <a:r>
+              <a:rPr lang="en-US" altLang="ko-KR" sz="1600" dirty="0">
+                <a:sym typeface="Wingdings" panose="05000000000000000000" pitchFamily="2" charset="2"/>
+              </a:rPr>
+              <a:t></a:t>
+            </a:r>
+            <a:endParaRPr lang="en-US" altLang="ko-KR" sz="1600" dirty="0"/>
+          </a:p>
+          <a:p>
+            <a:endParaRPr lang="en-US" altLang="ko-KR" sz="1600" dirty="0"/>
+          </a:p>
+          <a:p>
+            <a:r>
+              <a:rPr lang="en-US" altLang="ko-KR" sz="1600" dirty="0"/>
+              <a:t>UI (</a:t>
+            </a:r>
+            <a:r>
+              <a:rPr lang="ko-KR" altLang="en-US" sz="1600" dirty="0" err="1"/>
+              <a:t>조준점</a:t>
+            </a:r>
+            <a:r>
+              <a:rPr lang="ko-KR" altLang="en-US" sz="1600" dirty="0"/>
+              <a:t> 포탈 파랑 주황 색 모양</a:t>
+            </a:r>
+            <a:r>
+              <a:rPr lang="en-US" altLang="ko-KR" sz="1600" dirty="0"/>
+              <a:t>)</a:t>
+            </a:r>
+            <a:r>
+              <a:rPr lang="ko-KR" altLang="en-US" sz="1600" dirty="0"/>
+              <a:t> </a:t>
+            </a:r>
+            <a:r>
+              <a:rPr lang="en-US" altLang="ko-KR" sz="1600" dirty="0"/>
+              <a:t>		--------------</a:t>
+            </a:r>
+            <a:r>
+              <a:rPr lang="en-US" altLang="ko-KR" sz="1600" dirty="0">
+                <a:sym typeface="Wingdings" panose="05000000000000000000" pitchFamily="2" charset="2"/>
+              </a:rPr>
+              <a:t></a:t>
+            </a:r>
+          </a:p>
+          <a:p>
+            <a:endParaRPr lang="en-US" altLang="ko-KR" sz="1600" dirty="0">
+              <a:sym typeface="Wingdings" panose="05000000000000000000" pitchFamily="2" charset="2"/>
+            </a:endParaRPr>
+          </a:p>
+          <a:p>
+            <a:r>
+              <a:rPr lang="ko-KR" altLang="en-US" sz="1600" dirty="0">
+                <a:sym typeface="Wingdings" panose="05000000000000000000" pitchFamily="2" charset="2"/>
+              </a:rPr>
+              <a:t>맵 생성</a:t>
+            </a:r>
+            <a:r>
+              <a:rPr lang="en-US" altLang="ko-KR" sz="1600" dirty="0">
+                <a:sym typeface="Wingdings" panose="05000000000000000000" pitchFamily="2" charset="2"/>
+              </a:rPr>
+              <a:t>					--------------</a:t>
+            </a:r>
+          </a:p>
+          <a:p>
+            <a:endParaRPr lang="en-US" altLang="ko-KR" sz="1600" dirty="0">
+              <a:sym typeface="Wingdings" panose="05000000000000000000" pitchFamily="2" charset="2"/>
+            </a:endParaRPr>
+          </a:p>
+          <a:p>
+            <a:r>
+              <a:rPr lang="ko-KR" altLang="en-US" sz="1600" dirty="0" err="1"/>
+              <a:t>터렛</a:t>
+            </a:r>
+            <a:r>
+              <a:rPr lang="en-US" altLang="ko-KR" sz="1600" dirty="0"/>
+              <a:t>					--------------</a:t>
+            </a:r>
+            <a:r>
+              <a:rPr lang="en-US" altLang="ko-KR" sz="1600" dirty="0">
+                <a:sym typeface="Wingdings" panose="05000000000000000000" pitchFamily="2" charset="2"/>
+              </a:rPr>
+              <a:t></a:t>
+            </a:r>
+            <a:endParaRPr lang="ko-KR" altLang="en-US" sz="1600" dirty="0"/>
+          </a:p>
+        </p:txBody>
+      </p:sp>
+    </p:spTree>
+    <p:extLst>
+      <p:ext uri="{BB962C8B-B14F-4D97-AF65-F5344CB8AC3E}">
+        <p14:creationId xmlns:p14="http://schemas.microsoft.com/office/powerpoint/2010/main" val="1982510559"/>
+      </p:ext>
+    </p:extLst>
+  </p:cSld>
+  <p:clrMapOvr>
+    <a:masterClrMapping/>
+  </p:clrMapOvr>
+</p:sld>
+</file>
+
 <file path=ppt/slides/slide2.xml><?xml version="1.0" encoding="utf-8"?>
 <p:sld xmlns:a="http://schemas.openxmlformats.org/drawingml/2006/main" xmlns:r="http://schemas.openxmlformats.org/officeDocument/2006/relationships" xmlns:p="http://schemas.openxmlformats.org/presentationml/2006/main">
   <p:cSld>
@@ -3493,6 +4479,50 @@
           </a:prstGeom>
         </p:spPr>
       </p:pic>
+      <p:sp>
+        <p:nvSpPr>
+          <p:cNvPr id="2" name="TextBox 1">
+            <a:extLst>
+              <a:ext uri="{FF2B5EF4-FFF2-40B4-BE49-F238E27FC236}">
+                <a16:creationId xmlns:a16="http://schemas.microsoft.com/office/drawing/2014/main" id="{CE6991DC-F3B6-4C5B-8E4A-5B994235907D}"/>
+              </a:ext>
+            </a:extLst>
+          </p:cNvPr>
+          <p:cNvSpPr txBox="1"/>
+          <p:nvPr/>
+        </p:nvSpPr>
+        <p:spPr>
+          <a:xfrm>
+            <a:off x="9152389" y="585140"/>
+            <a:ext cx="739305" cy="1200329"/>
+          </a:xfrm>
+          <a:prstGeom prst="rect">
+            <a:avLst/>
+          </a:prstGeom>
+          <a:noFill/>
+        </p:spPr>
+        <p:txBody>
+          <a:bodyPr wrap="none" rtlCol="0">
+            <a:spAutoFit/>
+          </a:bodyPr>
+          <a:lstStyle/>
+          <a:p>
+            <a:r>
+              <a:rPr lang="en-US" altLang="ko-KR" sz="7200" dirty="0">
+                <a:solidFill>
+                  <a:srgbClr val="FF0000"/>
+                </a:solidFill>
+              </a:rPr>
+              <a:t>X</a:t>
+            </a:r>
+            <a:endParaRPr lang="ko-KR" altLang="en-US" dirty="0">
+              <a:solidFill>
+                <a:srgbClr val="FF0000"/>
+              </a:solidFill>
+            </a:endParaRPr>
+          </a:p>
+        </p:txBody>
+      </p:sp>
     </p:spTree>
   </p:cSld>
   <p:clrMapOvr>
@@ -3584,6 +4614,50 @@
           </a:prstGeom>
         </p:spPr>
       </p:pic>
+      <p:sp>
+        <p:nvSpPr>
+          <p:cNvPr id="6" name="TextBox 5">
+            <a:extLst>
+              <a:ext uri="{FF2B5EF4-FFF2-40B4-BE49-F238E27FC236}">
+                <a16:creationId xmlns:a16="http://schemas.microsoft.com/office/drawing/2014/main" id="{E2699DC5-2D32-44C4-8108-D2952880B165}"/>
+              </a:ext>
+            </a:extLst>
+          </p:cNvPr>
+          <p:cNvSpPr txBox="1"/>
+          <p:nvPr/>
+        </p:nvSpPr>
+        <p:spPr>
+          <a:xfrm>
+            <a:off x="9152389" y="585140"/>
+            <a:ext cx="739305" cy="1200329"/>
+          </a:xfrm>
+          <a:prstGeom prst="rect">
+            <a:avLst/>
+          </a:prstGeom>
+          <a:noFill/>
+        </p:spPr>
+        <p:txBody>
+          <a:bodyPr wrap="none" rtlCol="0">
+            <a:spAutoFit/>
+          </a:bodyPr>
+          <a:lstStyle/>
+          <a:p>
+            <a:r>
+              <a:rPr lang="en-US" altLang="ko-KR" sz="7200" dirty="0">
+                <a:solidFill>
+                  <a:srgbClr val="FF0000"/>
+                </a:solidFill>
+              </a:rPr>
+              <a:t>X</a:t>
+            </a:r>
+            <a:endParaRPr lang="ko-KR" altLang="en-US" dirty="0">
+              <a:solidFill>
+                <a:srgbClr val="FF0000"/>
+              </a:solidFill>
+            </a:endParaRPr>
+          </a:p>
+        </p:txBody>
+      </p:sp>
     </p:spTree>
   </p:cSld>
   <p:clrMapOvr>
@@ -3675,6 +4749,50 @@
           </a:prstGeom>
         </p:spPr>
       </p:pic>
+      <p:sp>
+        <p:nvSpPr>
+          <p:cNvPr id="6" name="TextBox 5">
+            <a:extLst>
+              <a:ext uri="{FF2B5EF4-FFF2-40B4-BE49-F238E27FC236}">
+                <a16:creationId xmlns:a16="http://schemas.microsoft.com/office/drawing/2014/main" id="{E190C762-D46F-47B5-B49E-062B3F9DC27D}"/>
+              </a:ext>
+            </a:extLst>
+          </p:cNvPr>
+          <p:cNvSpPr txBox="1"/>
+          <p:nvPr/>
+        </p:nvSpPr>
+        <p:spPr>
+          <a:xfrm>
+            <a:off x="9152389" y="585140"/>
+            <a:ext cx="739305" cy="1200329"/>
+          </a:xfrm>
+          <a:prstGeom prst="rect">
+            <a:avLst/>
+          </a:prstGeom>
+          <a:noFill/>
+        </p:spPr>
+        <p:txBody>
+          <a:bodyPr wrap="none" rtlCol="0">
+            <a:spAutoFit/>
+          </a:bodyPr>
+          <a:lstStyle/>
+          <a:p>
+            <a:r>
+              <a:rPr lang="en-US" altLang="ko-KR" sz="7200" dirty="0">
+                <a:solidFill>
+                  <a:srgbClr val="FF0000"/>
+                </a:solidFill>
+              </a:rPr>
+              <a:t>X</a:t>
+            </a:r>
+            <a:endParaRPr lang="ko-KR" altLang="en-US" dirty="0">
+              <a:solidFill>
+                <a:srgbClr val="FF0000"/>
+              </a:solidFill>
+            </a:endParaRPr>
+          </a:p>
+        </p:txBody>
+      </p:sp>
     </p:spTree>
   </p:cSld>
   <p:clrMapOvr>
@@ -3708,6 +4826,139 @@
           <a:chExt cx="0" cy="0"/>
         </a:xfrm>
       </p:grpSpPr>
+      <p:sp>
+        <p:nvSpPr>
+          <p:cNvPr id="4" name="TextBox 3">
+            <a:extLst>
+              <a:ext uri="{FF2B5EF4-FFF2-40B4-BE49-F238E27FC236}">
+                <a16:creationId xmlns:a16="http://schemas.microsoft.com/office/drawing/2014/main" id="{36DF1451-41DE-447D-AC38-C6910CEA526A}"/>
+              </a:ext>
+            </a:extLst>
+          </p:cNvPr>
+          <p:cNvSpPr txBox="1"/>
+          <p:nvPr/>
+        </p:nvSpPr>
+        <p:spPr>
+          <a:xfrm>
+            <a:off x="813732" y="595618"/>
+            <a:ext cx="1651414" cy="369332"/>
+          </a:xfrm>
+          <a:prstGeom prst="rect">
+            <a:avLst/>
+          </a:prstGeom>
+          <a:noFill/>
+        </p:spPr>
+        <p:txBody>
+          <a:bodyPr wrap="none" rtlCol="0">
+            <a:spAutoFit/>
+          </a:bodyPr>
+          <a:lstStyle/>
+          <a:p>
+            <a:r>
+              <a:rPr lang="ko-KR" altLang="en-US" dirty="0"/>
+              <a:t>참고한 영상들</a:t>
+            </a:r>
+          </a:p>
+        </p:txBody>
+      </p:sp>
+      <p:sp>
+        <p:nvSpPr>
+          <p:cNvPr id="5" name="TextBox 4">
+            <a:extLst>
+              <a:ext uri="{FF2B5EF4-FFF2-40B4-BE49-F238E27FC236}">
+                <a16:creationId xmlns:a16="http://schemas.microsoft.com/office/drawing/2014/main" id="{53EDDFDB-6FBB-435E-9E89-E4766153579D}"/>
+              </a:ext>
+            </a:extLst>
+          </p:cNvPr>
+          <p:cNvSpPr txBox="1"/>
+          <p:nvPr/>
+        </p:nvSpPr>
+        <p:spPr>
+          <a:xfrm>
+            <a:off x="545284" y="1359017"/>
+            <a:ext cx="11031523" cy="1200329"/>
+          </a:xfrm>
+          <a:prstGeom prst="rect">
+            <a:avLst/>
+          </a:prstGeom>
+          <a:noFill/>
+        </p:spPr>
+        <p:txBody>
+          <a:bodyPr wrap="square" rtlCol="0">
+            <a:spAutoFit/>
+          </a:bodyPr>
+          <a:lstStyle/>
+          <a:p>
+            <a:r>
+              <a:rPr lang="en-US" altLang="ko-KR" dirty="0">
+                <a:hlinkClick r:id="rId2"/>
+              </a:rPr>
+              <a:t>https://www.youtube.com/watch?v=qQLvcS9FxnY</a:t>
+            </a:r>
+            <a:r>
+              <a:rPr lang="en-US" altLang="ko-KR" dirty="0"/>
+              <a:t> - test controller(</a:t>
+            </a:r>
+            <a:r>
+              <a:rPr lang="ko-KR" altLang="en-US" dirty="0"/>
+              <a:t>카메라 회전 부분</a:t>
+            </a:r>
+            <a:r>
+              <a:rPr lang="en-US" altLang="ko-KR" dirty="0"/>
+              <a:t>)</a:t>
+            </a:r>
+            <a:br>
+              <a:rPr lang="en-US" altLang="ko-KR" dirty="0"/>
+            </a:br>
+            <a:endParaRPr lang="en-US" altLang="ko-KR" dirty="0"/>
+          </a:p>
+          <a:p>
+            <a:r>
+              <a:rPr lang="en-US" altLang="ko-KR" u="sng" dirty="0">
+                <a:hlinkClick r:id="rId3"/>
+              </a:rPr>
+              <a:t>https://www.youtube.com/watch?v=WQAaiI-E12s</a:t>
+            </a:r>
+            <a:r>
+              <a:rPr lang="en-US" altLang="ko-KR" dirty="0"/>
+              <a:t> - test controller, portal Manager</a:t>
+            </a:r>
+          </a:p>
+          <a:p>
+            <a:endParaRPr lang="ko-KR" altLang="en-US" dirty="0"/>
+          </a:p>
+        </p:txBody>
+      </p:sp>
+    </p:spTree>
+    <p:extLst>
+      <p:ext uri="{BB962C8B-B14F-4D97-AF65-F5344CB8AC3E}">
+        <p14:creationId xmlns:p14="http://schemas.microsoft.com/office/powerpoint/2010/main" val="1779848161"/>
+      </p:ext>
+    </p:extLst>
+  </p:cSld>
+  <p:clrMapOvr>
+    <a:masterClrMapping/>
+  </p:clrMapOvr>
+</p:sld>
+</file>
+
+<file path=ppt/slides/slide6.xml><?xml version="1.0" encoding="utf-8"?>
+<p:sld xmlns:a="http://schemas.openxmlformats.org/drawingml/2006/main" xmlns:r="http://schemas.openxmlformats.org/officeDocument/2006/relationships" xmlns:p="http://schemas.openxmlformats.org/presentationml/2006/main">
+  <p:cSld>
+    <p:spTree>
+      <p:nvGrpSpPr>
+        <p:cNvPr id="1" name=""/>
+        <p:cNvGrpSpPr/>
+        <p:nvPr/>
+      </p:nvGrpSpPr>
+      <p:grpSpPr>
+        <a:xfrm>
+          <a:off x="0" y="0"/>
+          <a:ext cx="0" cy="0"/>
+          <a:chOff x="0" y="0"/>
+          <a:chExt cx="0" cy="0"/>
+        </a:xfrm>
+      </p:grpSpPr>
       <p:pic>
         <p:nvPicPr>
           <p:cNvPr id="2050" name="Picture 2" descr="Portals - Portal Wiki">
@@ -3836,7 +5087,7 @@
 </p:sld>
 </file>
 
-<file path=ppt/slides/slide6.xml><?xml version="1.0" encoding="utf-8"?>
+<file path=ppt/slides/slide7.xml><?xml version="1.0" encoding="utf-8"?>
 <p:sld xmlns:a="http://schemas.openxmlformats.org/drawingml/2006/main" xmlns:r="http://schemas.openxmlformats.org/officeDocument/2006/relationships" xmlns:p="http://schemas.openxmlformats.org/presentationml/2006/main">
   <p:cSld>
     <p:spTree>
@@ -3912,714 +5163,6 @@
               <a:rPr lang="ko-KR" altLang="en-US"/>
               <a:t>스타일</a:t>
             </a:r>
-          </a:p>
-        </p:txBody>
-      </p:sp>
-    </p:spTree>
-  </p:cSld>
-  <p:clrMapOvr>
-    <a:masterClrMapping/>
-  </p:clrMapOvr>
-  <mc:AlternateContent xmlns:mc="http://schemas.openxmlformats.org/markup-compatibility/2006" xmlns:p14="http://schemas.microsoft.com/office/powerpoint/2010/main">
-    <mc:Choice Requires="p14">
-      <p:transition/>
-    </mc:Choice>
-    <mc:Fallback xmlns:dsp="http://schemas.microsoft.com/office/drawing/2008/diagram" xmlns:dgm="http://schemas.openxmlformats.org/drawingml/2006/diagram" xmlns:c="http://schemas.openxmlformats.org/drawingml/2006/chart" xmlns="">
-      <p:transition/>
-    </mc:Fallback>
-  </mc:AlternateContent>
-</p:sld>
-</file>
-
-<file path=ppt/slides/slide7.xml><?xml version="1.0" encoding="utf-8"?>
-<p:sld xmlns:a="http://schemas.openxmlformats.org/drawingml/2006/main" xmlns:r="http://schemas.openxmlformats.org/officeDocument/2006/relationships" xmlns:p="http://schemas.openxmlformats.org/presentationml/2006/main">
-  <p:cSld>
-    <p:spTree>
-      <p:nvGrpSpPr>
-        <p:cNvPr id="1" name=""/>
-        <p:cNvGrpSpPr/>
-        <p:nvPr/>
-      </p:nvGrpSpPr>
-      <p:grpSpPr>
-        <a:xfrm>
-          <a:off x="0" y="0"/>
-          <a:ext cx="0" cy="0"/>
-          <a:chOff x="0" y="0"/>
-          <a:chExt cx="0" cy="0"/>
-        </a:xfrm>
-      </p:grpSpPr>
-      <p:sp>
-        <p:nvSpPr>
-          <p:cNvPr id="6" name="직사각형 5"/>
-          <p:cNvSpPr/>
-          <p:nvPr/>
-        </p:nvSpPr>
-        <p:spPr>
-          <a:xfrm>
-            <a:off x="654341" y="931395"/>
-            <a:ext cx="2617366" cy="570451"/>
-          </a:xfrm>
-          <a:prstGeom prst="rect">
-            <a:avLst/>
-          </a:prstGeom>
-          <a:solidFill>
-            <a:schemeClr val="bg1"/>
-          </a:solidFill>
-        </p:spPr>
-        <p:style>
-          <a:lnRef idx="2">
-            <a:schemeClr val="accent1">
-              <a:shade val="50000"/>
-            </a:schemeClr>
-          </a:lnRef>
-          <a:fillRef idx="1">
-            <a:schemeClr val="accent1"/>
-          </a:fillRef>
-          <a:effectRef idx="0">
-            <a:schemeClr val="accent1"/>
-          </a:effectRef>
-          <a:fontRef idx="minor">
-            <a:schemeClr val="lt1"/>
-          </a:fontRef>
-        </p:style>
-        <p:txBody>
-          <a:bodyPr anchor="ctr"/>
-          <a:lstStyle/>
-          <a:p>
-            <a:pPr algn="ctr">
-              <a:defRPr/>
-            </a:pPr>
-            <a:r>
-              <a:rPr lang="ko-KR" altLang="en-US">
-                <a:solidFill>
-                  <a:schemeClr val="tx1"/>
-                </a:solidFill>
-              </a:rPr>
-              <a:t>플레이어 이동 코드</a:t>
-            </a:r>
-          </a:p>
-        </p:txBody>
-      </p:sp>
-      <p:sp>
-        <p:nvSpPr>
-          <p:cNvPr id="14" name="직사각형 13"/>
-          <p:cNvSpPr/>
-          <p:nvPr/>
-        </p:nvSpPr>
-        <p:spPr>
-          <a:xfrm>
-            <a:off x="654341" y="1721359"/>
-            <a:ext cx="2617366" cy="570451"/>
-          </a:xfrm>
-          <a:prstGeom prst="rect">
-            <a:avLst/>
-          </a:prstGeom>
-          <a:solidFill>
-            <a:schemeClr val="bg1"/>
-          </a:solidFill>
-        </p:spPr>
-        <p:style>
-          <a:lnRef idx="2">
-            <a:schemeClr val="accent1">
-              <a:shade val="50000"/>
-            </a:schemeClr>
-          </a:lnRef>
-          <a:fillRef idx="1">
-            <a:schemeClr val="accent1"/>
-          </a:fillRef>
-          <a:effectRef idx="0">
-            <a:schemeClr val="accent1"/>
-          </a:effectRef>
-          <a:fontRef idx="minor">
-            <a:schemeClr val="lt1"/>
-          </a:fontRef>
-        </p:style>
-        <p:txBody>
-          <a:bodyPr anchor="ctr"/>
-          <a:lstStyle/>
-          <a:p>
-            <a:pPr algn="ctr">
-              <a:defRPr/>
-            </a:pPr>
-            <a:r>
-              <a:rPr lang="en-US" altLang="ko-KR">
-                <a:solidFill>
-                  <a:schemeClr val="tx1"/>
-                </a:solidFill>
-              </a:rPr>
-              <a:t>1</a:t>
-            </a:r>
-            <a:r>
-              <a:rPr lang="ko-KR" altLang="en-US">
-                <a:solidFill>
-                  <a:schemeClr val="tx1"/>
-                </a:solidFill>
-              </a:rPr>
-              <a:t>인칭 카메라 설정</a:t>
-            </a:r>
-          </a:p>
-        </p:txBody>
-      </p:sp>
-      <p:sp>
-        <p:nvSpPr>
-          <p:cNvPr id="17" name="직사각형 16"/>
-          <p:cNvSpPr/>
-          <p:nvPr/>
-        </p:nvSpPr>
-        <p:spPr>
-          <a:xfrm>
-            <a:off x="654341" y="2511323"/>
-            <a:ext cx="2617366" cy="570451"/>
-          </a:xfrm>
-          <a:prstGeom prst="rect">
-            <a:avLst/>
-          </a:prstGeom>
-          <a:solidFill>
-            <a:schemeClr val="bg1"/>
-          </a:solidFill>
-        </p:spPr>
-        <p:style>
-          <a:lnRef idx="2">
-            <a:schemeClr val="accent1">
-              <a:shade val="50000"/>
-            </a:schemeClr>
-          </a:lnRef>
-          <a:fillRef idx="1">
-            <a:schemeClr val="accent1"/>
-          </a:fillRef>
-          <a:effectRef idx="0">
-            <a:schemeClr val="accent1"/>
-          </a:effectRef>
-          <a:fontRef idx="minor">
-            <a:schemeClr val="lt1"/>
-          </a:fontRef>
-        </p:style>
-        <p:txBody>
-          <a:bodyPr anchor="ctr"/>
-          <a:lstStyle/>
-          <a:p>
-            <a:pPr algn="ctr">
-              <a:defRPr/>
-            </a:pPr>
-            <a:r>
-              <a:rPr lang="ko-KR" altLang="en-US">
-                <a:solidFill>
-                  <a:schemeClr val="tx1"/>
-                </a:solidFill>
-              </a:rPr>
-              <a:t>총기 부착 </a:t>
-            </a:r>
-            <a:r>
-              <a:rPr lang="en-US" altLang="ko-KR">
-                <a:solidFill>
-                  <a:schemeClr val="tx1"/>
-                </a:solidFill>
-              </a:rPr>
-              <a:t>+ </a:t>
-            </a:r>
-            <a:r>
-              <a:rPr lang="ko-KR" altLang="en-US">
-                <a:solidFill>
-                  <a:schemeClr val="tx1"/>
-                </a:solidFill>
-              </a:rPr>
-              <a:t>발사</a:t>
-            </a:r>
-          </a:p>
-        </p:txBody>
-      </p:sp>
-      <p:sp>
-        <p:nvSpPr>
-          <p:cNvPr id="18" name="직사각형 17"/>
-          <p:cNvSpPr/>
-          <p:nvPr/>
-        </p:nvSpPr>
-        <p:spPr>
-          <a:xfrm>
-            <a:off x="654341" y="3301287"/>
-            <a:ext cx="2617366" cy="570451"/>
-          </a:xfrm>
-          <a:prstGeom prst="rect">
-            <a:avLst/>
-          </a:prstGeom>
-          <a:solidFill>
-            <a:schemeClr val="bg1"/>
-          </a:solidFill>
-        </p:spPr>
-        <p:style>
-          <a:lnRef idx="2">
-            <a:schemeClr val="accent1">
-              <a:shade val="50000"/>
-            </a:schemeClr>
-          </a:lnRef>
-          <a:fillRef idx="1">
-            <a:schemeClr val="accent1"/>
-          </a:fillRef>
-          <a:effectRef idx="0">
-            <a:schemeClr val="accent1"/>
-          </a:effectRef>
-          <a:fontRef idx="minor">
-            <a:schemeClr val="lt1"/>
-          </a:fontRef>
-        </p:style>
-        <p:txBody>
-          <a:bodyPr anchor="ctr"/>
-          <a:lstStyle/>
-          <a:p>
-            <a:pPr algn="ctr">
-              <a:defRPr/>
-            </a:pPr>
-            <a:r>
-              <a:rPr lang="ko-KR" altLang="en-US">
-                <a:solidFill>
-                  <a:schemeClr val="tx1"/>
-                </a:solidFill>
-              </a:rPr>
-              <a:t>로직 구현</a:t>
-            </a:r>
-          </a:p>
-        </p:txBody>
-      </p:sp>
-      <p:sp>
-        <p:nvSpPr>
-          <p:cNvPr id="19" name="직사각형 18"/>
-          <p:cNvSpPr/>
-          <p:nvPr/>
-        </p:nvSpPr>
-        <p:spPr>
-          <a:xfrm>
-            <a:off x="654341" y="4091251"/>
-            <a:ext cx="2617366" cy="570451"/>
-          </a:xfrm>
-          <a:prstGeom prst="rect">
-            <a:avLst/>
-          </a:prstGeom>
-          <a:solidFill>
-            <a:schemeClr val="bg1"/>
-          </a:solidFill>
-        </p:spPr>
-        <p:style>
-          <a:lnRef idx="2">
-            <a:schemeClr val="accent1">
-              <a:shade val="50000"/>
-            </a:schemeClr>
-          </a:lnRef>
-          <a:fillRef idx="1">
-            <a:schemeClr val="accent1"/>
-          </a:fillRef>
-          <a:effectRef idx="0">
-            <a:schemeClr val="accent1"/>
-          </a:effectRef>
-          <a:fontRef idx="minor">
-            <a:schemeClr val="lt1"/>
-          </a:fontRef>
-        </p:style>
-        <p:txBody>
-          <a:bodyPr anchor="ctr"/>
-          <a:lstStyle/>
-          <a:p>
-            <a:pPr algn="ctr">
-              <a:defRPr/>
-            </a:pPr>
-            <a:r>
-              <a:rPr lang="ko-KR" altLang="en-US">
-                <a:solidFill>
-                  <a:schemeClr val="tx1"/>
-                </a:solidFill>
-              </a:rPr>
-              <a:t>적 구현</a:t>
-            </a:r>
-          </a:p>
-        </p:txBody>
-      </p:sp>
-      <p:sp>
-        <p:nvSpPr>
-          <p:cNvPr id="20" name="직사각형 19"/>
-          <p:cNvSpPr/>
-          <p:nvPr/>
-        </p:nvSpPr>
-        <p:spPr>
-          <a:xfrm>
-            <a:off x="654341" y="4881215"/>
-            <a:ext cx="2617366" cy="570451"/>
-          </a:xfrm>
-          <a:prstGeom prst="rect">
-            <a:avLst/>
-          </a:prstGeom>
-          <a:solidFill>
-            <a:schemeClr val="bg1"/>
-          </a:solidFill>
-        </p:spPr>
-        <p:style>
-          <a:lnRef idx="2">
-            <a:schemeClr val="accent1">
-              <a:shade val="50000"/>
-            </a:schemeClr>
-          </a:lnRef>
-          <a:fillRef idx="1">
-            <a:schemeClr val="accent1"/>
-          </a:fillRef>
-          <a:effectRef idx="0">
-            <a:schemeClr val="accent1"/>
-          </a:effectRef>
-          <a:fontRef idx="minor">
-            <a:schemeClr val="lt1"/>
-          </a:fontRef>
-        </p:style>
-        <p:txBody>
-          <a:bodyPr anchor="ctr"/>
-          <a:lstStyle/>
-          <a:p>
-            <a:pPr algn="ctr">
-              <a:defRPr/>
-            </a:pPr>
-            <a:r>
-              <a:rPr lang="ko-KR" altLang="en-US">
-                <a:solidFill>
-                  <a:schemeClr val="tx1"/>
-                </a:solidFill>
-              </a:rPr>
-              <a:t>맵 구현</a:t>
-            </a:r>
-          </a:p>
-        </p:txBody>
-      </p:sp>
-      <p:sp>
-        <p:nvSpPr>
-          <p:cNvPr id="23" name="TextBox 22"/>
-          <p:cNvSpPr txBox="1"/>
-          <p:nvPr/>
-        </p:nvSpPr>
-        <p:spPr>
-          <a:xfrm>
-            <a:off x="3624044" y="2511323"/>
-            <a:ext cx="3068220" cy="449046"/>
-          </a:xfrm>
-          <a:prstGeom prst="rect">
-            <a:avLst/>
-          </a:prstGeom>
-          <a:noFill/>
-        </p:spPr>
-        <p:txBody>
-          <a:bodyPr wrap="none">
-            <a:spAutoFit/>
-          </a:bodyPr>
-          <a:lstStyle/>
-          <a:p>
-            <a:pPr marL="171450" indent="-171450">
-              <a:buFontTx/>
-              <a:buChar char="-"/>
-              <a:defRPr/>
-            </a:pPr>
-            <a:r>
-              <a:rPr lang="ko-KR" altLang="en-US" sz="1200"/>
-              <a:t>플레이어 뼈대에 맞게끔 총기 위치 조정</a:t>
-            </a:r>
-          </a:p>
-          <a:p>
-            <a:pPr marL="171450" indent="-171450">
-              <a:buFontTx/>
-              <a:buChar char="-"/>
-              <a:defRPr/>
-            </a:pPr>
-            <a:r>
-              <a:rPr lang="en-US" altLang="ko-KR" sz="1200"/>
-              <a:t>1</a:t>
-            </a:r>
-            <a:r>
-              <a:rPr lang="ko-KR" altLang="en-US" sz="1200"/>
-              <a:t>인칭 시야에서 보이는 총 조정</a:t>
-            </a:r>
-          </a:p>
-        </p:txBody>
-      </p:sp>
-      <p:sp>
-        <p:nvSpPr>
-          <p:cNvPr id="24" name="TextBox 23"/>
-          <p:cNvSpPr txBox="1"/>
-          <p:nvPr/>
-        </p:nvSpPr>
-        <p:spPr>
-          <a:xfrm>
-            <a:off x="3624044" y="3301287"/>
-            <a:ext cx="5278021" cy="640158"/>
-          </a:xfrm>
-          <a:prstGeom prst="rect">
-            <a:avLst/>
-          </a:prstGeom>
-          <a:noFill/>
-        </p:spPr>
-        <p:txBody>
-          <a:bodyPr wrap="none">
-            <a:spAutoFit/>
-          </a:bodyPr>
-          <a:lstStyle/>
-          <a:p>
-            <a:pPr marL="171450" indent="-171450">
-              <a:buFontTx/>
-              <a:buChar char="-"/>
-              <a:defRPr/>
-            </a:pPr>
-            <a:r>
-              <a:rPr lang="en-US" altLang="ko-KR" sz="1200"/>
-              <a:t>(</a:t>
-            </a:r>
-            <a:r>
-              <a:rPr lang="ko-KR" altLang="en-US" sz="1200"/>
-              <a:t>포탈</a:t>
-            </a:r>
-            <a:r>
-              <a:rPr lang="en-US" altLang="ko-KR" sz="1200"/>
-              <a:t>)</a:t>
-            </a:r>
-            <a:r>
-              <a:rPr lang="ko-KR" altLang="en-US" sz="1200"/>
-              <a:t> 장전</a:t>
-            </a:r>
-            <a:r>
-              <a:rPr lang="en-US" altLang="ko-KR" sz="1200"/>
-              <a:t> x, </a:t>
-            </a:r>
-            <a:r>
-              <a:rPr lang="ko-KR" altLang="en-US" sz="1200"/>
-              <a:t>포탈 </a:t>
-            </a:r>
-            <a:r>
-              <a:rPr lang="en-US" altLang="ko-KR" sz="1200"/>
-              <a:t>(1</a:t>
-            </a:r>
-            <a:r>
-              <a:rPr lang="ko-KR" altLang="en-US" sz="1200"/>
-              <a:t>번</a:t>
-            </a:r>
-            <a:r>
-              <a:rPr lang="en-US" altLang="ko-KR" sz="1200"/>
-              <a:t>,2</a:t>
-            </a:r>
-            <a:r>
-              <a:rPr lang="ko-KR" altLang="en-US" sz="1200"/>
-              <a:t>번</a:t>
-            </a:r>
-            <a:r>
-              <a:rPr lang="en-US" altLang="ko-KR" sz="1200"/>
-              <a:t>) 2</a:t>
-            </a:r>
-            <a:r>
-              <a:rPr lang="ko-KR" altLang="en-US" sz="1200"/>
-              <a:t>번까지 쏘고 재사용 시 </a:t>
-            </a:r>
-            <a:r>
-              <a:rPr lang="en-US" altLang="ko-KR" sz="1200"/>
-              <a:t>1</a:t>
-            </a:r>
-            <a:r>
-              <a:rPr lang="ko-KR" altLang="en-US" sz="1200"/>
-              <a:t>번 소멸 </a:t>
-            </a:r>
-            <a:r>
-              <a:rPr lang="en-US" altLang="ko-KR" sz="1200"/>
-              <a:t>+ </a:t>
-            </a:r>
-            <a:r>
-              <a:rPr lang="ko-KR" altLang="en-US" sz="1200"/>
-              <a:t>재생성</a:t>
-            </a:r>
-          </a:p>
-          <a:p>
-            <a:pPr marL="171450" indent="-171450">
-              <a:buFontTx/>
-              <a:buChar char="-"/>
-              <a:defRPr/>
-            </a:pPr>
-            <a:r>
-              <a:rPr lang="en-US" altLang="ko-KR" sz="1200"/>
-              <a:t>(</a:t>
-            </a:r>
-            <a:r>
-              <a:rPr lang="ko-KR" altLang="en-US" sz="1200"/>
-              <a:t>그랩</a:t>
-            </a:r>
-            <a:r>
-              <a:rPr lang="en-US" altLang="ko-KR" sz="1200"/>
-              <a:t>)</a:t>
-            </a:r>
-            <a:r>
-              <a:rPr lang="ko-KR" altLang="en-US" sz="1200"/>
-              <a:t> 터렛 그랩</a:t>
-            </a:r>
-            <a:r>
-              <a:rPr lang="en-US" altLang="ko-KR" sz="1200"/>
-              <a:t>,</a:t>
-            </a:r>
-            <a:r>
-              <a:rPr lang="ko-KR" altLang="en-US" sz="1200"/>
-              <a:t> 감자 그랩</a:t>
-            </a:r>
-            <a:r>
-              <a:rPr lang="en-US" altLang="ko-KR" sz="1200"/>
-              <a:t>,</a:t>
-            </a:r>
-            <a:r>
-              <a:rPr lang="ko-KR" altLang="en-US" sz="1200"/>
-              <a:t> 박스 그랩</a:t>
-            </a:r>
-          </a:p>
-          <a:p>
-            <a:pPr marL="171450" indent="-171450">
-              <a:buFontTx/>
-              <a:buChar char="-"/>
-              <a:defRPr/>
-            </a:pPr>
-            <a:r>
-              <a:rPr lang="ko-KR" altLang="en-US" sz="1200"/>
-              <a:t>박스 버튼 위에 올려두면 버튼 작동</a:t>
-            </a:r>
-          </a:p>
-        </p:txBody>
-      </p:sp>
-      <p:sp>
-        <p:nvSpPr>
-          <p:cNvPr id="25" name="TextBox 24"/>
-          <p:cNvSpPr txBox="1"/>
-          <p:nvPr/>
-        </p:nvSpPr>
-        <p:spPr>
-          <a:xfrm>
-            <a:off x="3624044" y="4145643"/>
-            <a:ext cx="4068346" cy="276999"/>
-          </a:xfrm>
-          <a:prstGeom prst="rect">
-            <a:avLst/>
-          </a:prstGeom>
-          <a:noFill/>
-        </p:spPr>
-        <p:txBody>
-          <a:bodyPr wrap="none">
-            <a:spAutoFit/>
-          </a:bodyPr>
-          <a:lstStyle/>
-          <a:p>
-            <a:pPr marL="171450" indent="-171450">
-              <a:buFontTx/>
-              <a:buChar char="-"/>
-              <a:defRPr/>
-            </a:pPr>
-            <a:r>
-              <a:rPr lang="ko-KR" altLang="en-US" sz="1200"/>
-              <a:t>레이저 쏘는 터렛</a:t>
-            </a:r>
-            <a:r>
-              <a:rPr lang="en-US" altLang="ko-KR" sz="1200"/>
-              <a:t>(</a:t>
-            </a:r>
-            <a:r>
-              <a:rPr lang="ko-KR" altLang="en-US" sz="1200"/>
-              <a:t>레이저</a:t>
-            </a:r>
-            <a:r>
-              <a:rPr lang="en-US" altLang="ko-KR" sz="1200"/>
-              <a:t>(</a:t>
-            </a:r>
-            <a:r>
-              <a:rPr lang="ko-KR" altLang="en-US" sz="1200"/>
-              <a:t>기즈모</a:t>
-            </a:r>
-            <a:r>
-              <a:rPr lang="en-US" altLang="ko-KR" sz="1200"/>
-              <a:t>)</a:t>
-            </a:r>
-            <a:r>
-              <a:rPr lang="ko-KR" altLang="en-US" sz="1200"/>
-              <a:t> 에 닿으면 총알 난사</a:t>
-            </a:r>
-            <a:r>
-              <a:rPr lang="en-US" altLang="ko-KR" sz="1200"/>
-              <a:t>)</a:t>
-            </a:r>
-          </a:p>
-        </p:txBody>
-      </p:sp>
-      <p:sp>
-        <p:nvSpPr>
-          <p:cNvPr id="26" name="TextBox 25"/>
-          <p:cNvSpPr txBox="1"/>
-          <p:nvPr/>
-        </p:nvSpPr>
-        <p:spPr>
-          <a:xfrm>
-            <a:off x="3624043" y="1721359"/>
-            <a:ext cx="1077497" cy="267461"/>
-          </a:xfrm>
-          <a:prstGeom prst="rect">
-            <a:avLst/>
-          </a:prstGeom>
-          <a:noFill/>
-        </p:spPr>
-        <p:txBody>
-          <a:bodyPr wrap="none">
-            <a:spAutoFit/>
-          </a:bodyPr>
-          <a:lstStyle/>
-          <a:p>
-            <a:pPr marL="171450" indent="-171450">
-              <a:buFontTx/>
-              <a:buChar char="-"/>
-              <a:defRPr/>
-            </a:pPr>
-            <a:r>
-              <a:rPr lang="en-US" altLang="ko-KR" sz="1200"/>
-              <a:t>fps</a:t>
-            </a:r>
-            <a:r>
-              <a:rPr lang="ko-KR" altLang="en-US" sz="1200"/>
-              <a:t> 카메라</a:t>
-            </a:r>
-          </a:p>
-        </p:txBody>
-      </p:sp>
-      <p:sp>
-        <p:nvSpPr>
-          <p:cNvPr id="27" name="TextBox 26"/>
-          <p:cNvSpPr txBox="1"/>
-          <p:nvPr/>
-        </p:nvSpPr>
-        <p:spPr>
-          <a:xfrm>
-            <a:off x="3624044" y="931395"/>
-            <a:ext cx="1534696" cy="447825"/>
-          </a:xfrm>
-          <a:prstGeom prst="rect">
-            <a:avLst/>
-          </a:prstGeom>
-          <a:noFill/>
-        </p:spPr>
-        <p:txBody>
-          <a:bodyPr wrap="none">
-            <a:spAutoFit/>
-          </a:bodyPr>
-          <a:lstStyle/>
-          <a:p>
-            <a:pPr marL="171450" indent="-171450">
-              <a:buFontTx/>
-              <a:buChar char="-"/>
-              <a:defRPr/>
-            </a:pPr>
-            <a:r>
-              <a:rPr lang="ko-KR" altLang="en-US" sz="1200"/>
-              <a:t>플레이어 이동</a:t>
-            </a:r>
-          </a:p>
-          <a:p>
-            <a:pPr marL="171450" indent="-171450">
-              <a:buFontTx/>
-              <a:buChar char="-"/>
-              <a:defRPr/>
-            </a:pPr>
-            <a:r>
-              <a:rPr lang="ko-KR" altLang="en-US" sz="1200"/>
-              <a:t>애니메이션 연결 </a:t>
-            </a:r>
-            <a:endParaRPr lang="en-US" altLang="ko-KR" sz="1200"/>
           </a:p>
         </p:txBody>
       </p:sp>
@@ -4656,48 +5199,59 @@
           <a:chExt cx="0" cy="0"/>
         </a:xfrm>
       </p:grpSpPr>
-      <p:sp>
-        <p:nvSpPr>
-          <p:cNvPr id="4" name="TextBox 3">
-            <a:extLst>
-              <a:ext uri="{FF2B5EF4-FFF2-40B4-BE49-F238E27FC236}">
-                <a16:creationId xmlns:a16="http://schemas.microsoft.com/office/drawing/2014/main" id="{1571E6E3-791A-4B5A-95AD-449DB877DEAB}"/>
-              </a:ext>
-            </a:extLst>
-          </p:cNvPr>
-          <p:cNvSpPr txBox="1"/>
+      <p:pic>
+        <p:nvPicPr>
+          <p:cNvPr id="1026" name="Picture 2" descr="Portal 2] you can apparently grab wheatley after his &quot;death&quot; in the second  test chamber of chaper 2 : r/gaming">
+            <a:extLst>
+              <a:ext uri="{FF2B5EF4-FFF2-40B4-BE49-F238E27FC236}">
+                <a16:creationId xmlns:a16="http://schemas.microsoft.com/office/drawing/2014/main" id="{E6DB1903-3DA6-4FB9-922A-C8E093AF746C}"/>
+              </a:ext>
+            </a:extLst>
+          </p:cNvPr>
+          <p:cNvPicPr>
+            <a:picLocks noChangeAspect="1" noChangeArrowheads="1"/>
+          </p:cNvPicPr>
           <p:nvPr/>
-        </p:nvSpPr>
-        <p:spPr>
-          <a:xfrm>
-            <a:off x="453006" y="385894"/>
-            <a:ext cx="912366" cy="369332"/>
+        </p:nvPicPr>
+        <p:blipFill>
+          <a:blip r:embed="rId2">
+            <a:extLst>
+              <a:ext uri="{28A0092B-C50C-407E-A947-70E740481C1C}">
+                <a14:useLocalDpi xmlns:a14="http://schemas.microsoft.com/office/drawing/2010/main" val="0"/>
+              </a:ext>
+            </a:extLst>
+          </a:blip>
+          <a:srcRect/>
+          <a:stretch>
+            <a:fillRect/>
+          </a:stretch>
+        </p:blipFill>
+        <p:spPr bwMode="auto">
+          <a:xfrm>
+            <a:off x="2670495" y="1437664"/>
+            <a:ext cx="7376718" cy="4149404"/>
           </a:xfrm>
           <a:prstGeom prst="rect">
             <a:avLst/>
           </a:prstGeom>
           <a:noFill/>
-        </p:spPr>
-        <p:txBody>
-          <a:bodyPr wrap="none" rtlCol="0">
-            <a:spAutoFit/>
-          </a:bodyPr>
-          <a:lstStyle/>
-          <a:p>
-            <a:r>
-              <a:rPr lang="en-US" altLang="ko-KR" dirty="0"/>
-              <a:t>To do :</a:t>
-            </a:r>
-            <a:endParaRPr lang="ko-KR" altLang="en-US" dirty="0"/>
-          </a:p>
-        </p:txBody>
-      </p:sp>
-      <p:sp>
-        <p:nvSpPr>
-          <p:cNvPr id="5" name="TextBox 4">
-            <a:extLst>
-              <a:ext uri="{FF2B5EF4-FFF2-40B4-BE49-F238E27FC236}">
-                <a16:creationId xmlns:a16="http://schemas.microsoft.com/office/drawing/2014/main" id="{93B16ED1-B962-4E34-B428-394CD1C78B86}"/>
+          <a:extLst>
+            <a:ext uri="{909E8E84-426E-40DD-AFC4-6F175D3DCCD1}">
+              <a14:hiddenFill xmlns:a14="http://schemas.microsoft.com/office/drawing/2010/main">
+                <a:solidFill>
+                  <a:srgbClr val="FFFFFF"/>
+                </a:solidFill>
+              </a14:hiddenFill>
+            </a:ext>
+          </a:extLst>
+        </p:spPr>
+      </p:pic>
+      <p:sp>
+        <p:nvSpPr>
+          <p:cNvPr id="4" name="TextBox 3">
+            <a:extLst>
+              <a:ext uri="{FF2B5EF4-FFF2-40B4-BE49-F238E27FC236}">
+                <a16:creationId xmlns:a16="http://schemas.microsoft.com/office/drawing/2014/main" id="{283AC64E-F44D-4F02-A48D-B9C31E384AED}"/>
               </a:ext>
             </a:extLst>
           </p:cNvPr>
@@ -4706,8 +5260,8 @@
         </p:nvSpPr>
         <p:spPr>
           <a:xfrm>
-            <a:off x="453006" y="1082180"/>
-            <a:ext cx="11132190" cy="3293209"/>
+            <a:off x="528506" y="453006"/>
+            <a:ext cx="1130438" cy="369332"/>
           </a:xfrm>
           <a:prstGeom prst="rect">
             <a:avLst/>
@@ -4715,196 +5269,119 @@
           <a:noFill/>
         </p:spPr>
         <p:txBody>
-          <a:bodyPr wrap="square" rtlCol="0">
+          <a:bodyPr wrap="none" rtlCol="0">
             <a:spAutoFit/>
           </a:bodyPr>
           <a:lstStyle/>
           <a:p>
             <a:r>
-              <a:rPr lang="ko-KR" altLang="en-US" sz="1600" dirty="0"/>
-              <a:t>플레이어 </a:t>
-            </a:r>
-            <a:r>
-              <a:rPr lang="en-US" altLang="ko-KR" sz="1600" dirty="0" err="1"/>
-              <a:t>wasd</a:t>
-            </a:r>
-            <a:r>
-              <a:rPr lang="en-US" altLang="ko-KR" sz="1600" dirty="0"/>
-              <a:t>  </a:t>
-            </a:r>
-            <a:r>
-              <a:rPr lang="ko-KR" altLang="en-US" sz="1600" dirty="0"/>
-              <a:t>이동</a:t>
-            </a:r>
-            <a:r>
-              <a:rPr lang="en-US" altLang="ko-KR" sz="1600" dirty="0"/>
-              <a:t>, </a:t>
-            </a:r>
-            <a:r>
-              <a:rPr lang="ko-KR" altLang="en-US" sz="1600" dirty="0"/>
-              <a:t>점프 </a:t>
-            </a:r>
-            <a:r>
-              <a:rPr lang="en-US" altLang="ko-KR" sz="1600" dirty="0"/>
-              <a:t>			--------------</a:t>
-            </a:r>
-            <a:r>
-              <a:rPr lang="en-US" altLang="ko-KR" sz="1600" dirty="0">
-                <a:sym typeface="Wingdings" panose="05000000000000000000" pitchFamily="2" charset="2"/>
-              </a:rPr>
-              <a:t>          0</a:t>
-            </a:r>
-            <a:endParaRPr lang="en-US" altLang="ko-KR" sz="1600" dirty="0"/>
-          </a:p>
-          <a:p>
-            <a:r>
-              <a:rPr lang="en-US" altLang="ko-KR" sz="1600" dirty="0"/>
-              <a:t>	 </a:t>
-            </a:r>
-          </a:p>
-          <a:p>
-            <a:r>
-              <a:rPr lang="ko-KR" altLang="en-US" sz="1600" dirty="0"/>
-              <a:t>포탈 로직 구현</a:t>
-            </a:r>
-            <a:r>
-              <a:rPr lang="en-US" altLang="ko-KR" sz="1600" dirty="0"/>
-              <a:t>				--------------</a:t>
-            </a:r>
-            <a:r>
-              <a:rPr lang="en-US" altLang="ko-KR" sz="1600" dirty="0">
-                <a:sym typeface="Wingdings" panose="05000000000000000000" pitchFamily="2" charset="2"/>
-              </a:rPr>
-              <a:t>          0</a:t>
-            </a:r>
-            <a:endParaRPr lang="en-US" altLang="ko-KR" sz="1600" dirty="0"/>
-          </a:p>
-          <a:p>
-            <a:endParaRPr lang="en-US" altLang="ko-KR" sz="1600" dirty="0"/>
-          </a:p>
-          <a:p>
-            <a:r>
-              <a:rPr lang="ko-KR" altLang="en-US" sz="1600" dirty="0"/>
-              <a:t>포탈 건 생성 </a:t>
-            </a:r>
-            <a:r>
-              <a:rPr lang="en-US" altLang="ko-KR" sz="1600" dirty="0"/>
-              <a:t>				--------------</a:t>
-            </a:r>
-            <a:r>
-              <a:rPr lang="en-US" altLang="ko-KR" sz="1600" dirty="0">
-                <a:sym typeface="Wingdings" panose="05000000000000000000" pitchFamily="2" charset="2"/>
-              </a:rPr>
-              <a:t>          </a:t>
-            </a:r>
-            <a:endParaRPr lang="en-US" altLang="ko-KR" sz="1600" dirty="0"/>
-          </a:p>
-          <a:p>
-            <a:endParaRPr lang="en-US" altLang="ko-KR" sz="1600" dirty="0"/>
-          </a:p>
-          <a:p>
-            <a:r>
-              <a:rPr lang="ko-KR" altLang="en-US" sz="1600" dirty="0" err="1"/>
-              <a:t>그랩</a:t>
-            </a:r>
-            <a:r>
-              <a:rPr lang="ko-KR" altLang="en-US" sz="1600" dirty="0"/>
-              <a:t> 기능 </a:t>
-            </a:r>
-            <a:r>
-              <a:rPr lang="en-US" altLang="ko-KR" sz="1600" dirty="0"/>
-              <a:t>				--------------</a:t>
-            </a:r>
-            <a:r>
-              <a:rPr lang="en-US" altLang="ko-KR" sz="1600" dirty="0">
-                <a:sym typeface="Wingdings" panose="05000000000000000000" pitchFamily="2" charset="2"/>
-              </a:rPr>
-              <a:t></a:t>
-            </a:r>
-            <a:endParaRPr lang="en-US" altLang="ko-KR" sz="1600" dirty="0"/>
-          </a:p>
-          <a:p>
-            <a:endParaRPr lang="en-US" altLang="ko-KR" sz="1600" dirty="0"/>
-          </a:p>
-          <a:p>
-            <a:r>
-              <a:rPr lang="en-US" altLang="ko-KR" sz="1600" dirty="0"/>
-              <a:t>UI (</a:t>
-            </a:r>
-            <a:r>
-              <a:rPr lang="ko-KR" altLang="en-US" sz="1600" dirty="0" err="1"/>
-              <a:t>조준점</a:t>
-            </a:r>
-            <a:r>
-              <a:rPr lang="ko-KR" altLang="en-US" sz="1600" dirty="0"/>
-              <a:t> 포탈 파랑 주황 색 모양</a:t>
-            </a:r>
-            <a:r>
-              <a:rPr lang="en-US" altLang="ko-KR" sz="1600" dirty="0"/>
-              <a:t>)</a:t>
-            </a:r>
-            <a:r>
-              <a:rPr lang="ko-KR" altLang="en-US" sz="1600" dirty="0"/>
-              <a:t> </a:t>
-            </a:r>
-            <a:r>
-              <a:rPr lang="en-US" altLang="ko-KR" sz="1600" dirty="0"/>
-              <a:t>		--------------</a:t>
-            </a:r>
-            <a:r>
-              <a:rPr lang="en-US" altLang="ko-KR" sz="1600" dirty="0">
-                <a:sym typeface="Wingdings" panose="05000000000000000000" pitchFamily="2" charset="2"/>
-              </a:rPr>
-              <a:t></a:t>
-            </a:r>
-          </a:p>
-          <a:p>
-            <a:endParaRPr lang="en-US" altLang="ko-KR" sz="1600" dirty="0">
-              <a:sym typeface="Wingdings" panose="05000000000000000000" pitchFamily="2" charset="2"/>
-            </a:endParaRPr>
-          </a:p>
-          <a:p>
-            <a:r>
-              <a:rPr lang="ko-KR" altLang="en-US" sz="1600" dirty="0">
-                <a:sym typeface="Wingdings" panose="05000000000000000000" pitchFamily="2" charset="2"/>
-              </a:rPr>
-              <a:t>맵 생성</a:t>
-            </a:r>
-            <a:r>
-              <a:rPr lang="en-US" altLang="ko-KR" sz="1600" dirty="0">
-                <a:sym typeface="Wingdings" panose="05000000000000000000" pitchFamily="2" charset="2"/>
-              </a:rPr>
-              <a:t>					--------------</a:t>
-            </a:r>
-          </a:p>
-          <a:p>
-            <a:endParaRPr lang="en-US" altLang="ko-KR" sz="1600" dirty="0">
-              <a:sym typeface="Wingdings" panose="05000000000000000000" pitchFamily="2" charset="2"/>
-            </a:endParaRPr>
-          </a:p>
-          <a:p>
-            <a:r>
-              <a:rPr lang="ko-KR" altLang="en-US" sz="1600" dirty="0" err="1"/>
-              <a:t>터렛</a:t>
-            </a:r>
-            <a:r>
-              <a:rPr lang="en-US" altLang="ko-KR" sz="1600" dirty="0"/>
-              <a:t>					--------------</a:t>
-            </a:r>
-            <a:r>
-              <a:rPr lang="en-US" altLang="ko-KR" sz="1600" dirty="0">
-                <a:sym typeface="Wingdings" panose="05000000000000000000" pitchFamily="2" charset="2"/>
-              </a:rPr>
-              <a:t></a:t>
-            </a:r>
-            <a:endParaRPr lang="ko-KR" altLang="en-US" sz="1600" dirty="0"/>
+              <a:rPr lang="en-US" altLang="ko-KR" dirty="0"/>
+              <a:t>grabbing</a:t>
+            </a:r>
+            <a:endParaRPr lang="ko-KR" altLang="en-US" dirty="0"/>
           </a:p>
         </p:txBody>
       </p:sp>
     </p:spTree>
     <p:extLst>
       <p:ext uri="{BB962C8B-B14F-4D97-AF65-F5344CB8AC3E}">
-        <p14:creationId xmlns:p14="http://schemas.microsoft.com/office/powerpoint/2010/main" val="1982510559"/>
+        <p14:creationId xmlns:p14="http://schemas.microsoft.com/office/powerpoint/2010/main" val="2845735846"/>
+      </p:ext>
+    </p:extLst>
+  </p:cSld>
+  <p:clrMapOvr>
+    <a:masterClrMapping/>
+  </p:clrMapOvr>
+</p:sld>
+</file>
+
+<file path=ppt/slides/slide9.xml><?xml version="1.0" encoding="utf-8"?>
+<p:sld xmlns:a="http://schemas.openxmlformats.org/drawingml/2006/main" xmlns:r="http://schemas.openxmlformats.org/officeDocument/2006/relationships" xmlns:p="http://schemas.openxmlformats.org/presentationml/2006/main">
+  <p:cSld>
+    <p:spTree>
+      <p:nvGrpSpPr>
+        <p:cNvPr id="1" name=""/>
+        <p:cNvGrpSpPr/>
+        <p:nvPr/>
+      </p:nvGrpSpPr>
+      <p:grpSpPr>
+        <a:xfrm>
+          <a:off x="0" y="0"/>
+          <a:ext cx="0" cy="0"/>
+          <a:chOff x="0" y="0"/>
+          <a:chExt cx="0" cy="0"/>
+        </a:xfrm>
+      </p:grpSpPr>
+      <p:pic>
+        <p:nvPicPr>
+          <p:cNvPr id="4" name="그림 3">
+            <a:extLst>
+              <a:ext uri="{FF2B5EF4-FFF2-40B4-BE49-F238E27FC236}">
+                <a16:creationId xmlns:a16="http://schemas.microsoft.com/office/drawing/2014/main" id="{2ABE8AA9-693D-4218-BB61-902995C74E00}"/>
+              </a:ext>
+            </a:extLst>
+          </p:cNvPr>
+          <p:cNvPicPr>
+            <a:picLocks noChangeAspect="1"/>
+          </p:cNvPicPr>
+          <p:nvPr/>
+        </p:nvPicPr>
+        <p:blipFill>
+          <a:blip r:embed="rId2"/>
+          <a:stretch>
+            <a:fillRect/>
+          </a:stretch>
+        </p:blipFill>
+        <p:spPr>
+          <a:xfrm>
+            <a:off x="2317240" y="1916928"/>
+            <a:ext cx="4352925" cy="1933575"/>
+          </a:xfrm>
+          <a:prstGeom prst="rect">
+            <a:avLst/>
+          </a:prstGeom>
+        </p:spPr>
+      </p:pic>
+      <p:sp>
+        <p:nvSpPr>
+          <p:cNvPr id="5" name="TextBox 4">
+            <a:extLst>
+              <a:ext uri="{FF2B5EF4-FFF2-40B4-BE49-F238E27FC236}">
+                <a16:creationId xmlns:a16="http://schemas.microsoft.com/office/drawing/2014/main" id="{885D7C70-69B6-4EE7-9C9C-B5472F99FA37}"/>
+              </a:ext>
+            </a:extLst>
+          </p:cNvPr>
+          <p:cNvSpPr txBox="1"/>
+          <p:nvPr/>
+        </p:nvSpPr>
+        <p:spPr>
+          <a:xfrm>
+            <a:off x="637564" y="494950"/>
+            <a:ext cx="861070" cy="369332"/>
+          </a:xfrm>
+          <a:prstGeom prst="rect">
+            <a:avLst/>
+          </a:prstGeom>
+          <a:noFill/>
+        </p:spPr>
+        <p:txBody>
+          <a:bodyPr wrap="none" rtlCol="0">
+            <a:spAutoFit/>
+          </a:bodyPr>
+          <a:lstStyle/>
+          <a:p>
+            <a:r>
+              <a:rPr lang="en-US" altLang="ko-KR" dirty="0"/>
+              <a:t>turrets</a:t>
+            </a:r>
+            <a:endParaRPr lang="ko-KR" altLang="en-US" dirty="0"/>
+          </a:p>
+        </p:txBody>
+      </p:sp>
+    </p:spTree>
+    <p:extLst>
+      <p:ext uri="{BB962C8B-B14F-4D97-AF65-F5344CB8AC3E}">
+        <p14:creationId xmlns:p14="http://schemas.microsoft.com/office/powerpoint/2010/main" val="4215418745"/>
       </p:ext>
     </p:extLst>
   </p:cSld>
